--- a/ForcepadTraining.pptx
+++ b/ForcepadTraining.pptx
@@ -195,7 +195,7 @@
           <a:p>
             <a:fld id="{94718E82-1CFB-4163-A2D6-07BA16A5F6AC}" type="datetimeFigureOut">
               <a:rPr lang="en-US" smtClean="0"/>
-              <a:t>10/29/2015</a:t>
+              <a:t>10/30/2015</a:t>
             </a:fld>
             <a:endParaRPr lang="en-US"/>
           </a:p>
@@ -728,7 +728,7 @@
           <a:p>
             <a:fld id="{00CF07E8-8F9E-4389-812A-7F17362C15DE}" type="datetimeFigureOut">
               <a:rPr lang="en-US" smtClean="0"/>
-              <a:t>10/29/2015</a:t>
+              <a:t>10/30/2015</a:t>
             </a:fld>
             <a:endParaRPr lang="en-US"/>
           </a:p>
@@ -905,7 +905,7 @@
           <a:p>
             <a:fld id="{00CF07E8-8F9E-4389-812A-7F17362C15DE}" type="datetimeFigureOut">
               <a:rPr lang="en-US" smtClean="0"/>
-              <a:t>10/29/2015</a:t>
+              <a:t>10/30/2015</a:t>
             </a:fld>
             <a:endParaRPr lang="en-US"/>
           </a:p>
@@ -1085,7 +1085,7 @@
           <a:p>
             <a:fld id="{00CF07E8-8F9E-4389-812A-7F17362C15DE}" type="datetimeFigureOut">
               <a:rPr lang="en-US" smtClean="0"/>
-              <a:t>10/29/2015</a:t>
+              <a:t>10/30/2015</a:t>
             </a:fld>
             <a:endParaRPr lang="en-US"/>
           </a:p>
@@ -1255,7 +1255,7 @@
           <a:p>
             <a:fld id="{00CF07E8-8F9E-4389-812A-7F17362C15DE}" type="datetimeFigureOut">
               <a:rPr lang="en-US" smtClean="0"/>
-              <a:t>10/29/2015</a:t>
+              <a:t>10/30/2015</a:t>
             </a:fld>
             <a:endParaRPr lang="en-US"/>
           </a:p>
@@ -1501,7 +1501,7 @@
           <a:p>
             <a:fld id="{00CF07E8-8F9E-4389-812A-7F17362C15DE}" type="datetimeFigureOut">
               <a:rPr lang="en-US" smtClean="0"/>
-              <a:t>10/29/2015</a:t>
+              <a:t>10/30/2015</a:t>
             </a:fld>
             <a:endParaRPr lang="en-US"/>
           </a:p>
@@ -1789,7 +1789,7 @@
           <a:p>
             <a:fld id="{00CF07E8-8F9E-4389-812A-7F17362C15DE}" type="datetimeFigureOut">
               <a:rPr lang="en-US" smtClean="0"/>
-              <a:t>10/29/2015</a:t>
+              <a:t>10/30/2015</a:t>
             </a:fld>
             <a:endParaRPr lang="en-US"/>
           </a:p>
@@ -2211,7 +2211,7 @@
           <a:p>
             <a:fld id="{00CF07E8-8F9E-4389-812A-7F17362C15DE}" type="datetimeFigureOut">
               <a:rPr lang="en-US" smtClean="0"/>
-              <a:t>10/29/2015</a:t>
+              <a:t>10/30/2015</a:t>
             </a:fld>
             <a:endParaRPr lang="en-US"/>
           </a:p>
@@ -2329,7 +2329,7 @@
           <a:p>
             <a:fld id="{00CF07E8-8F9E-4389-812A-7F17362C15DE}" type="datetimeFigureOut">
               <a:rPr lang="en-US" smtClean="0"/>
-              <a:t>10/29/2015</a:t>
+              <a:t>10/30/2015</a:t>
             </a:fld>
             <a:endParaRPr lang="en-US"/>
           </a:p>
@@ -2424,7 +2424,7 @@
           <a:p>
             <a:fld id="{00CF07E8-8F9E-4389-812A-7F17362C15DE}" type="datetimeFigureOut">
               <a:rPr lang="en-US" smtClean="0"/>
-              <a:t>10/29/2015</a:t>
+              <a:t>10/30/2015</a:t>
             </a:fld>
             <a:endParaRPr lang="en-US"/>
           </a:p>
@@ -2701,7 +2701,7 @@
           <a:p>
             <a:fld id="{00CF07E8-8F9E-4389-812A-7F17362C15DE}" type="datetimeFigureOut">
               <a:rPr lang="en-US" smtClean="0"/>
-              <a:t>10/29/2015</a:t>
+              <a:t>10/30/2015</a:t>
             </a:fld>
             <a:endParaRPr lang="en-US"/>
           </a:p>
@@ -2954,7 +2954,7 @@
           <a:p>
             <a:fld id="{00CF07E8-8F9E-4389-812A-7F17362C15DE}" type="datetimeFigureOut">
               <a:rPr lang="en-US" smtClean="0"/>
-              <a:t>10/29/2015</a:t>
+              <a:t>10/30/2015</a:t>
             </a:fld>
             <a:endParaRPr lang="en-US"/>
           </a:p>
@@ -3173,7 +3173,7 @@
           <a:p>
             <a:fld id="{00CF07E8-8F9E-4389-812A-7F17362C15DE}" type="datetimeFigureOut">
               <a:rPr lang="en-US" smtClean="0"/>
-              <a:t>10/29/2015</a:t>
+              <a:t>10/30/2015</a:t>
             </a:fld>
             <a:endParaRPr lang="en-US"/>
           </a:p>
@@ -4415,6 +4415,7 @@
           </a:bodyPr>
           <a:lstStyle/>
           <a:p>
+            <a:pPr algn="ctr"/>
             <a:r>
               <a:rPr lang="en-US" b="1" dirty="0" smtClean="0">
                 <a:solidFill>
@@ -4457,6 +4458,7 @@
           </a:bodyPr>
           <a:lstStyle/>
           <a:p>
+            <a:pPr algn="ctr"/>
             <a:r>
               <a:rPr lang="en-US" b="1" dirty="0" smtClean="0">
                 <a:solidFill>
@@ -4499,6 +4501,7 @@
           </a:bodyPr>
           <a:lstStyle/>
           <a:p>
+            <a:pPr algn="ctr"/>
             <a:r>
               <a:rPr lang="en-US" b="1" dirty="0" smtClean="0">
                 <a:solidFill>
@@ -4606,7 +4609,49 @@
         </p:nvSpPr>
         <p:spPr>
           <a:xfrm>
-            <a:off x="2522017" y="4155744"/>
+            <a:off x="876719" y="4363661"/>
+            <a:ext cx="3847681" cy="646331"/>
+          </a:xfrm>
+          <a:prstGeom prst="rect">
+            <a:avLst/>
+          </a:prstGeom>
+          <a:noFill/>
+        </p:spPr>
+        <p:txBody>
+          <a:bodyPr wrap="square" rtlCol="0">
+            <a:spAutoFit/>
+          </a:bodyPr>
+          <a:lstStyle/>
+          <a:p>
+            <a:r>
+              <a:rPr lang="en-US" b="1" dirty="0" smtClean="0">
+                <a:solidFill>
+                  <a:schemeClr val="bg1"/>
+                </a:solidFill>
+                <a:latin typeface="Arial" panose="020B0604020202020204" pitchFamily="34" charset="0"/>
+                <a:cs typeface="Arial" panose="020B0604020202020204" pitchFamily="34" charset="0"/>
+              </a:rPr>
+              <a:t>The larger your “step” is, the further you move</a:t>
+            </a:r>
+            <a:endParaRPr lang="en-US" b="1" dirty="0">
+              <a:solidFill>
+                <a:schemeClr val="bg1"/>
+              </a:solidFill>
+              <a:latin typeface="Arial" panose="020B0604020202020204" pitchFamily="34" charset="0"/>
+              <a:cs typeface="Arial" panose="020B0604020202020204" pitchFamily="34" charset="0"/>
+            </a:endParaRPr>
+          </a:p>
+        </p:txBody>
+      </p:sp>
+      <p:sp>
+        <p:nvSpPr>
+          <p:cNvPr id="19" name="TextBox 18"/>
+          <p:cNvSpPr txBox="1"/>
+          <p:nvPr/>
+        </p:nvSpPr>
+        <p:spPr>
+          <a:xfrm>
+            <a:off x="876719" y="5029200"/>
             <a:ext cx="3916942" cy="646331"/>
           </a:xfrm>
           <a:prstGeom prst="rect">
@@ -4628,49 +4673,7 @@
                 <a:latin typeface="Arial" panose="020B0604020202020204" pitchFamily="34" charset="0"/>
                 <a:cs typeface="Arial" panose="020B0604020202020204" pitchFamily="34" charset="0"/>
               </a:rPr>
-              <a:t>The larger your “step” is, the further you move</a:t>
-            </a:r>
-            <a:endParaRPr lang="en-US" b="1" dirty="0">
-              <a:solidFill>
-                <a:schemeClr val="bg1"/>
-              </a:solidFill>
-              <a:latin typeface="Arial" panose="020B0604020202020204" pitchFamily="34" charset="0"/>
-              <a:cs typeface="Arial" panose="020B0604020202020204" pitchFamily="34" charset="0"/>
-            </a:endParaRPr>
-          </a:p>
-        </p:txBody>
-      </p:sp>
-      <p:sp>
-        <p:nvSpPr>
-          <p:cNvPr id="19" name="TextBox 18"/>
-          <p:cNvSpPr txBox="1"/>
-          <p:nvPr/>
-        </p:nvSpPr>
-        <p:spPr>
-          <a:xfrm>
-            <a:off x="2522017" y="4860752"/>
-            <a:ext cx="3916942" cy="646331"/>
-          </a:xfrm>
-          <a:prstGeom prst="rect">
-            <a:avLst/>
-          </a:prstGeom>
-          <a:noFill/>
-        </p:spPr>
-        <p:txBody>
-          <a:bodyPr wrap="square" rtlCol="0">
-            <a:spAutoFit/>
-          </a:bodyPr>
-          <a:lstStyle/>
-          <a:p>
-            <a:r>
-              <a:rPr lang="en-US" b="1" dirty="0" smtClean="0">
-                <a:solidFill>
-                  <a:schemeClr val="bg1"/>
-                </a:solidFill>
-                <a:latin typeface="Arial" panose="020B0604020202020204" pitchFamily="34" charset="0"/>
-                <a:cs typeface="Arial" panose="020B0604020202020204" pitchFamily="34" charset="0"/>
-              </a:rPr>
-              <a:t>The faster you switch finger, the faster you move.</a:t>
+              <a:t>The faster you switch fingers, the faster you move.</a:t>
             </a:r>
             <a:endParaRPr lang="en-US" b="1" dirty="0">
               <a:solidFill>
@@ -5106,7 +5109,7 @@
         </p:nvSpPr>
         <p:spPr>
           <a:xfrm>
-            <a:off x="2114550" y="4327194"/>
+            <a:off x="469252" y="4535111"/>
             <a:ext cx="242597" cy="242597"/>
           </a:xfrm>
           <a:prstGeom prst="ellipse">
@@ -5144,7 +5147,7 @@
         </p:nvSpPr>
         <p:spPr>
           <a:xfrm>
-            <a:off x="2102498" y="5062618"/>
+            <a:off x="457200" y="5231066"/>
             <a:ext cx="242597" cy="242597"/>
           </a:xfrm>
           <a:prstGeom prst="ellipse">
@@ -5182,8 +5185,8 @@
         </p:nvSpPr>
         <p:spPr>
           <a:xfrm>
-            <a:off x="2548006" y="5585795"/>
-            <a:ext cx="3916942" cy="646331"/>
+            <a:off x="4956589" y="3581400"/>
+            <a:ext cx="3200400" cy="923330"/>
           </a:xfrm>
           <a:prstGeom prst="rect">
             <a:avLst/>
@@ -5204,7 +5207,7 @@
                 <a:latin typeface="Arial" panose="020B0604020202020204" pitchFamily="34" charset="0"/>
                 <a:cs typeface="Arial" panose="020B0604020202020204" pitchFamily="34" charset="0"/>
               </a:rPr>
-              <a:t>Click on left or right side of </a:t>
+              <a:t>Press on the left or right sides of the </a:t>
             </a:r>
             <a:r>
               <a:rPr lang="en-US" b="1" dirty="0" err="1" smtClean="0">
@@ -5244,7 +5247,7 @@
         </p:nvSpPr>
         <p:spPr>
           <a:xfrm>
-            <a:off x="2087217" y="5767241"/>
+            <a:off x="4495800" y="3762846"/>
             <a:ext cx="242597" cy="242597"/>
           </a:xfrm>
           <a:prstGeom prst="ellipse">
@@ -5282,7 +5285,7 @@
         </p:nvGrpSpPr>
         <p:grpSpPr>
           <a:xfrm>
-            <a:off x="5300743" y="1009829"/>
+            <a:off x="4995943" y="1009829"/>
             <a:ext cx="2743200" cy="2195120"/>
             <a:chOff x="5055079" y="1555229"/>
             <a:chExt cx="2767759" cy="2195120"/>
@@ -5593,8 +5596,8 @@
         </p:nvSpPr>
         <p:spPr>
           <a:xfrm>
-            <a:off x="2523194" y="3468469"/>
-            <a:ext cx="4715805" cy="646331"/>
+            <a:off x="877897" y="3468469"/>
+            <a:ext cx="3694104" cy="923330"/>
           </a:xfrm>
           <a:prstGeom prst="rect">
             <a:avLst/>
@@ -5615,7 +5618,7 @@
                 <a:latin typeface="Arial" panose="020B0604020202020204" pitchFamily="34" charset="0"/>
                 <a:cs typeface="Arial" panose="020B0604020202020204" pitchFamily="34" charset="0"/>
               </a:rPr>
-              <a:t>Swipe on the </a:t>
+              <a:t>Alternate swiping on the </a:t>
             </a:r>
             <a:r>
               <a:rPr lang="en-US" b="1" dirty="0" err="1">
@@ -5665,7 +5668,7 @@
         </p:nvSpPr>
         <p:spPr>
           <a:xfrm>
-            <a:off x="2115728" y="3639919"/>
+            <a:off x="470430" y="3639919"/>
             <a:ext cx="242597" cy="242597"/>
           </a:xfrm>
           <a:prstGeom prst="ellipse">
@@ -6526,7 +6529,7 @@
         </p:nvGrpSpPr>
         <p:grpSpPr>
           <a:xfrm>
-            <a:off x="5400342" y="1172639"/>
+            <a:off x="5045808" y="1172639"/>
             <a:ext cx="2743200" cy="2194560"/>
             <a:chOff x="16979918" y="9128609"/>
             <a:chExt cx="4313447" cy="3421012"/>
@@ -6913,7 +6916,7 @@
         </p:nvCxnSpPr>
         <p:spPr>
           <a:xfrm flipV="1">
-            <a:off x="5845778" y="2571535"/>
+            <a:off x="5486400" y="2571535"/>
             <a:ext cx="1909696" cy="1"/>
           </a:xfrm>
           <a:prstGeom prst="line">
@@ -6951,8 +6954,8 @@
         </p:nvSpPr>
         <p:spPr>
           <a:xfrm>
-            <a:off x="2523194" y="3468469"/>
-            <a:ext cx="4491945" cy="646331"/>
+            <a:off x="864667" y="3468469"/>
+            <a:ext cx="3554933" cy="923330"/>
           </a:xfrm>
           <a:prstGeom prst="rect">
             <a:avLst/>
@@ -6973,7 +6976,7 @@
                 <a:latin typeface="Arial" panose="020B0604020202020204" pitchFamily="34" charset="0"/>
                 <a:cs typeface="Arial" panose="020B0604020202020204" pitchFamily="34" charset="0"/>
               </a:rPr>
-              <a:t>Place two of your fingers horizontally on </a:t>
+              <a:t>Place two of your fingers horizontally on the </a:t>
             </a:r>
             <a:r>
               <a:rPr lang="en-US" b="1" dirty="0" err="1" smtClean="0">
@@ -7033,7 +7036,7 @@
         </p:nvSpPr>
         <p:spPr>
           <a:xfrm>
-            <a:off x="2115728" y="3639919"/>
+            <a:off x="457200" y="3639919"/>
             <a:ext cx="242597" cy="242597"/>
           </a:xfrm>
           <a:prstGeom prst="ellipse">
@@ -7071,8 +7074,8 @@
         </p:nvSpPr>
         <p:spPr>
           <a:xfrm>
-            <a:off x="2525466" y="4153141"/>
-            <a:ext cx="4491945" cy="646331"/>
+            <a:off x="866939" y="4376053"/>
+            <a:ext cx="3628861" cy="646331"/>
           </a:xfrm>
           <a:prstGeom prst="rect">
             <a:avLst/>
@@ -7113,7 +7116,7 @@
         </p:nvSpPr>
         <p:spPr>
           <a:xfrm>
-            <a:off x="2118000" y="4324591"/>
+            <a:off x="459472" y="4547503"/>
             <a:ext cx="242597" cy="242597"/>
           </a:xfrm>
           <a:prstGeom prst="ellipse">
@@ -7151,8 +7154,8 @@
         </p:nvSpPr>
         <p:spPr>
           <a:xfrm>
-            <a:off x="2513770" y="4881013"/>
-            <a:ext cx="4491945" cy="646331"/>
+            <a:off x="864667" y="5103925"/>
+            <a:ext cx="3859734" cy="646331"/>
           </a:xfrm>
           <a:prstGeom prst="rect">
             <a:avLst/>
@@ -7193,7 +7196,7 @@
         </p:nvSpPr>
         <p:spPr>
           <a:xfrm>
-            <a:off x="2106304" y="5052463"/>
+            <a:off x="457200" y="5275375"/>
             <a:ext cx="242597" cy="242597"/>
           </a:xfrm>
           <a:prstGeom prst="ellipse">
@@ -7231,8 +7234,8 @@
         </p:nvSpPr>
         <p:spPr>
           <a:xfrm>
-            <a:off x="2492162" y="5607757"/>
-            <a:ext cx="4491945" cy="646331"/>
+            <a:off x="4979467" y="3657600"/>
+            <a:ext cx="3200400" cy="923330"/>
           </a:xfrm>
           <a:prstGeom prst="rect">
             <a:avLst/>
@@ -7253,27 +7256,7 @@
                 <a:latin typeface="Arial" panose="020B0604020202020204" pitchFamily="34" charset="0"/>
                 <a:cs typeface="Arial" panose="020B0604020202020204" pitchFamily="34" charset="0"/>
               </a:rPr>
-              <a:t>Rotate your fingers to rotate your “</a:t>
-            </a:r>
-            <a:r>
-              <a:rPr lang="en-US" b="1" dirty="0">
-                <a:solidFill>
-                  <a:schemeClr val="bg1"/>
-                </a:solidFill>
-                <a:latin typeface="Arial" panose="020B0604020202020204" pitchFamily="34" charset="0"/>
-                <a:cs typeface="Arial" panose="020B0604020202020204" pitchFamily="34" charset="0"/>
-              </a:rPr>
-              <a:t>S</a:t>
-            </a:r>
-            <a:r>
-              <a:rPr lang="en-US" b="1" dirty="0" smtClean="0">
-                <a:solidFill>
-                  <a:schemeClr val="bg1"/>
-                </a:solidFill>
-                <a:latin typeface="Arial" panose="020B0604020202020204" pitchFamily="34" charset="0"/>
-                <a:cs typeface="Arial" panose="020B0604020202020204" pitchFamily="34" charset="0"/>
-              </a:rPr>
-              <a:t>egway” with the same angle</a:t>
+              <a:t>Rotate your fingers to rotate your Segway with the same angle</a:t>
             </a:r>
             <a:endParaRPr lang="en-US" b="1" dirty="0">
               <a:solidFill>
@@ -7293,7 +7276,7 @@
         </p:nvSpPr>
         <p:spPr>
           <a:xfrm>
-            <a:off x="2084696" y="5779207"/>
+            <a:off x="4572000" y="3829050"/>
             <a:ext cx="242597" cy="242597"/>
           </a:xfrm>
           <a:prstGeom prst="ellipse">
@@ -7830,7 +7813,7 @@
           </p:nvSpPr>
           <p:spPr>
             <a:xfrm>
-              <a:off x="18897090" y="10211738"/>
+              <a:off x="18883653" y="10211738"/>
               <a:ext cx="594958" cy="594958"/>
             </a:xfrm>
             <a:prstGeom prst="ellipse">
@@ -7922,7 +7905,7 @@
         </p:nvGrpSpPr>
         <p:grpSpPr>
           <a:xfrm>
-            <a:off x="5400342" y="1172639"/>
+            <a:off x="5029200" y="1172639"/>
             <a:ext cx="2743200" cy="2194560"/>
             <a:chOff x="16979918" y="9128609"/>
             <a:chExt cx="4313447" cy="3421012"/>
@@ -8040,145 +8023,13 @@
         </p:sp>
         <p:sp>
           <p:nvSpPr>
-            <p:cNvPr id="39" name="Shape 124"/>
-            <p:cNvSpPr/>
-            <p:nvPr/>
-          </p:nvSpPr>
-          <p:spPr>
-            <a:xfrm>
-              <a:off x="18249484" y="10995953"/>
-              <a:ext cx="594957" cy="594957"/>
-            </a:xfrm>
-            <a:prstGeom prst="ellipse">
-              <a:avLst/>
-            </a:prstGeom>
-            <a:pattFill prst="ltUpDiag">
-              <a:fgClr>
-                <a:srgbClr val="AC2B37"/>
-              </a:fgClr>
-              <a:bgClr>
-                <a:srgbClr val="F18383"/>
-              </a:bgClr>
-            </a:pattFill>
-            <a:ln>
-              <a:prstDash val="dash"/>
-              <a:headEnd type="none" w="med" len="med"/>
-              <a:tailEnd type="none" w="med" len="med"/>
-            </a:ln>
-          </p:spPr>
-          <p:style>
-            <a:lnRef idx="1">
-              <a:schemeClr val="accent2"/>
-            </a:lnRef>
-            <a:fillRef idx="2">
-              <a:schemeClr val="accent2"/>
-            </a:fillRef>
-            <a:effectRef idx="1">
-              <a:schemeClr val="accent2"/>
-            </a:effectRef>
-            <a:fontRef idx="minor">
-              <a:schemeClr val="dk1"/>
-            </a:fontRef>
-          </p:style>
-          <p:txBody>
-            <a:bodyPr lIns="91425" tIns="45700" rIns="91425" bIns="45700" anchor="ctr" anchorCtr="0">
-              <a:noAutofit/>
-            </a:bodyPr>
-            <a:lstStyle/>
-            <a:p>
-              <a:pPr marL="0" marR="0" lvl="0" indent="0" algn="ctr" rtl="0">
-                <a:spcBef>
-                  <a:spcPts val="0"/>
-                </a:spcBef>
-                <a:buNone/>
-              </a:pPr>
-              <a:endParaRPr sz="1600" b="0" i="0" u="none" strike="noStrike" cap="none" baseline="0">
-                <a:solidFill>
-                  <a:schemeClr val="lt1"/>
-                </a:solidFill>
-                <a:latin typeface="Verdana"/>
-                <a:ea typeface="Verdana"/>
-                <a:cs typeface="Verdana"/>
-                <a:sym typeface="Verdana"/>
-              </a:endParaRPr>
-            </a:p>
-          </p:txBody>
-        </p:sp>
-        <p:sp>
-          <p:nvSpPr>
-            <p:cNvPr id="40" name="Shape 125"/>
-            <p:cNvSpPr/>
-            <p:nvPr/>
-          </p:nvSpPr>
-          <p:spPr>
-            <a:xfrm>
-              <a:off x="19519049" y="10995952"/>
-              <a:ext cx="594957" cy="594957"/>
-            </a:xfrm>
-            <a:prstGeom prst="ellipse">
-              <a:avLst/>
-            </a:prstGeom>
-            <a:pattFill prst="ltUpDiag">
-              <a:fgClr>
-                <a:srgbClr val="AC2B37"/>
-              </a:fgClr>
-              <a:bgClr>
-                <a:srgbClr val="F18383"/>
-              </a:bgClr>
-            </a:pattFill>
-            <a:ln>
-              <a:prstDash val="dash"/>
-              <a:headEnd type="none" w="med" len="med"/>
-              <a:tailEnd type="none" w="med" len="med"/>
-            </a:ln>
-          </p:spPr>
-          <p:style>
-            <a:lnRef idx="1">
-              <a:schemeClr val="accent2"/>
-            </a:lnRef>
-            <a:fillRef idx="2">
-              <a:schemeClr val="accent2"/>
-            </a:fillRef>
-            <a:effectRef idx="1">
-              <a:schemeClr val="accent2"/>
-            </a:effectRef>
-            <a:fontRef idx="minor">
-              <a:schemeClr val="dk1"/>
-            </a:fontRef>
-          </p:style>
-          <p:txBody>
-            <a:bodyPr lIns="91425" tIns="45700" rIns="91425" bIns="45700" anchor="ctr" anchorCtr="0">
-              <a:noAutofit/>
-            </a:bodyPr>
-            <a:lstStyle/>
-            <a:p>
-              <a:pPr marL="0" marR="0" lvl="0" indent="0" algn="ctr" rtl="0">
-                <a:spcBef>
-                  <a:spcPts val="0"/>
-                </a:spcBef>
-                <a:buNone/>
-              </a:pPr>
-              <a:endParaRPr sz="1600" b="0" i="0" u="none" strike="noStrike" cap="none" baseline="0">
-                <a:solidFill>
-                  <a:schemeClr val="lt1"/>
-                </a:solidFill>
-                <a:latin typeface="Verdana"/>
-                <a:ea typeface="Verdana"/>
-                <a:cs typeface="Verdana"/>
-                <a:sym typeface="Verdana"/>
-              </a:endParaRPr>
-            </a:p>
-          </p:txBody>
-        </p:sp>
-        <p:sp>
-          <p:nvSpPr>
             <p:cNvPr id="41" name="Shape 124"/>
             <p:cNvSpPr/>
             <p:nvPr/>
           </p:nvSpPr>
           <p:spPr>
             <a:xfrm>
-              <a:off x="18514134" y="10172196"/>
+              <a:off x="18216655" y="10293004"/>
               <a:ext cx="594958" cy="594958"/>
             </a:xfrm>
             <a:prstGeom prst="ellipse">
@@ -8243,7 +8094,7 @@
           </p:nvSpPr>
           <p:spPr>
             <a:xfrm>
-              <a:off x="19519050" y="10625581"/>
+              <a:off x="18839163" y="11222537"/>
               <a:ext cx="594958" cy="594958"/>
             </a:xfrm>
             <a:prstGeom prst="ellipse">
@@ -8300,6 +8151,77 @@
             </a:p>
           </p:txBody>
         </p:sp>
+        <p:sp>
+          <p:nvSpPr>
+            <p:cNvPr id="69" name="Shape 124"/>
+            <p:cNvSpPr/>
+            <p:nvPr/>
+          </p:nvSpPr>
+          <p:spPr>
+            <a:xfrm>
+              <a:off x="18842069" y="10077088"/>
+              <a:ext cx="594958" cy="594958"/>
+            </a:xfrm>
+            <a:prstGeom prst="ellipse">
+              <a:avLst/>
+            </a:prstGeom>
+            <a:pattFill prst="wdDnDiag">
+              <a:fgClr>
+                <a:schemeClr val="accent2">
+                  <a:lumMod val="60000"/>
+                  <a:lumOff val="40000"/>
+                </a:schemeClr>
+              </a:fgClr>
+              <a:bgClr>
+                <a:schemeClr val="accent2">
+                  <a:lumMod val="20000"/>
+                  <a:lumOff val="80000"/>
+                </a:schemeClr>
+              </a:bgClr>
+            </a:pattFill>
+            <a:ln>
+              <a:headEnd type="none" w="med" len="med"/>
+              <a:tailEnd type="none" w="med" len="med"/>
+            </a:ln>
+          </p:spPr>
+          <p:style>
+            <a:lnRef idx="1">
+              <a:schemeClr val="accent2"/>
+            </a:lnRef>
+            <a:fillRef idx="2">
+              <a:schemeClr val="accent2"/>
+            </a:fillRef>
+            <a:effectRef idx="1">
+              <a:schemeClr val="accent2"/>
+            </a:effectRef>
+            <a:fontRef idx="minor">
+              <a:schemeClr val="dk1"/>
+            </a:fontRef>
+          </p:style>
+          <p:txBody>
+            <a:bodyPr lIns="91425" tIns="45700" rIns="91425" bIns="45700" anchor="ctr" anchorCtr="0">
+              <a:noAutofit/>
+            </a:bodyPr>
+            <a:lstStyle/>
+            <a:p>
+              <a:pPr marL="0" marR="0" lvl="0" indent="0" algn="ctr" rtl="0">
+                <a:spcBef>
+                  <a:spcPts val="0"/>
+                </a:spcBef>
+                <a:buNone/>
+              </a:pPr>
+              <a:endParaRPr sz="1600" b="0" i="0" u="none" strike="noStrike" cap="none" baseline="0">
+                <a:solidFill>
+                  <a:schemeClr val="lt1"/>
+                </a:solidFill>
+                <a:latin typeface="Verdana"/>
+                <a:ea typeface="Verdana"/>
+                <a:cs typeface="Verdana"/>
+                <a:sym typeface="Verdana"/>
+              </a:endParaRPr>
+            </a:p>
+          </p:txBody>
+        </p:sp>
       </p:grpSp>
       <p:cxnSp>
         <p:nvCxnSpPr>
@@ -8308,9 +8230,9 @@
           <p:nvPr/>
         </p:nvCxnSpPr>
         <p:spPr>
-          <a:xfrm flipV="1">
-            <a:off x="5845778" y="2571535"/>
-            <a:ext cx="1909696" cy="1"/>
+          <a:xfrm>
+            <a:off x="6400800" y="1905000"/>
+            <a:ext cx="0" cy="764342"/>
           </a:xfrm>
           <a:prstGeom prst="line">
             <a:avLst/>
@@ -8347,8 +8269,8 @@
         </p:nvSpPr>
         <p:spPr>
           <a:xfrm>
-            <a:off x="2523194" y="3468469"/>
-            <a:ext cx="4491945" cy="646331"/>
+            <a:off x="797891" y="3468469"/>
+            <a:ext cx="3496606" cy="923330"/>
           </a:xfrm>
           <a:prstGeom prst="rect">
             <a:avLst/>
@@ -8369,27 +8291,7 @@
                 <a:latin typeface="Arial" panose="020B0604020202020204" pitchFamily="34" charset="0"/>
                 <a:cs typeface="Arial" panose="020B0604020202020204" pitchFamily="34" charset="0"/>
               </a:rPr>
-              <a:t>Place two of your fingers </a:t>
-            </a:r>
-            <a:r>
-              <a:rPr lang="en-US" b="1" dirty="0" err="1" smtClean="0">
-                <a:solidFill>
-                  <a:schemeClr val="bg1"/>
-                </a:solidFill>
-                <a:latin typeface="Arial" panose="020B0604020202020204" pitchFamily="34" charset="0"/>
-                <a:cs typeface="Arial" panose="020B0604020202020204" pitchFamily="34" charset="0"/>
-              </a:rPr>
-              <a:t>Verticallyon</a:t>
-            </a:r>
-            <a:r>
-              <a:rPr lang="en-US" b="1" dirty="0" smtClean="0">
-                <a:solidFill>
-                  <a:schemeClr val="bg1"/>
-                </a:solidFill>
-                <a:latin typeface="Arial" panose="020B0604020202020204" pitchFamily="34" charset="0"/>
-                <a:cs typeface="Arial" panose="020B0604020202020204" pitchFamily="34" charset="0"/>
-              </a:rPr>
-              <a:t> </a:t>
+              <a:t>Place two of your fingers Vertically on the </a:t>
             </a:r>
             <a:r>
               <a:rPr lang="en-US" b="1" dirty="0" err="1" smtClean="0">
@@ -8429,7 +8331,7 @@
         </p:nvSpPr>
         <p:spPr>
           <a:xfrm>
-            <a:off x="2115728" y="3639919"/>
+            <a:off x="390424" y="3639919"/>
             <a:ext cx="242597" cy="242597"/>
           </a:xfrm>
           <a:prstGeom prst="ellipse">
@@ -8467,8 +8369,8 @@
         </p:nvSpPr>
         <p:spPr>
           <a:xfrm>
-            <a:off x="2525466" y="4153141"/>
-            <a:ext cx="4491945" cy="646331"/>
+            <a:off x="800163" y="4343400"/>
+            <a:ext cx="3646734" cy="646331"/>
           </a:xfrm>
           <a:prstGeom prst="rect">
             <a:avLst/>
@@ -8489,7 +8391,7 @@
                 <a:latin typeface="Arial" panose="020B0604020202020204" pitchFamily="34" charset="0"/>
                 <a:cs typeface="Arial" panose="020B0604020202020204" pitchFamily="34" charset="0"/>
               </a:rPr>
-              <a:t>Distance between your two fingers is your flying speed</a:t>
+              <a:t>The distance between your two fingers is your flying speed</a:t>
             </a:r>
             <a:endParaRPr lang="en-US" b="1" dirty="0">
               <a:solidFill>
@@ -8509,7 +8411,7 @@
         </p:nvSpPr>
         <p:spPr>
           <a:xfrm>
-            <a:off x="2118000" y="4324591"/>
+            <a:off x="392696" y="4514850"/>
             <a:ext cx="242597" cy="242597"/>
           </a:xfrm>
           <a:prstGeom prst="ellipse">
@@ -8547,8 +8449,8 @@
         </p:nvSpPr>
         <p:spPr>
           <a:xfrm>
-            <a:off x="2513770" y="4881013"/>
-            <a:ext cx="4491945" cy="646331"/>
+            <a:off x="788467" y="5020270"/>
+            <a:ext cx="4039430" cy="923330"/>
           </a:xfrm>
           <a:prstGeom prst="rect">
             <a:avLst/>
@@ -8569,7 +8471,27 @@
                 <a:latin typeface="Arial" panose="020B0604020202020204" pitchFamily="34" charset="0"/>
                 <a:cs typeface="Arial" panose="020B0604020202020204" pitchFamily="34" charset="0"/>
               </a:rPr>
-              <a:t>The “surfing board” will tilt to the side your finger press harder</a:t>
+              <a:t>The </a:t>
+            </a:r>
+            <a:r>
+              <a:rPr lang="en-US" b="1" dirty="0">
+                <a:solidFill>
+                  <a:schemeClr val="bg1"/>
+                </a:solidFill>
+                <a:latin typeface="Arial" panose="020B0604020202020204" pitchFamily="34" charset="0"/>
+                <a:cs typeface="Arial" panose="020B0604020202020204" pitchFamily="34" charset="0"/>
+              </a:rPr>
+              <a:t>S</a:t>
+            </a:r>
+            <a:r>
+              <a:rPr lang="en-US" b="1" dirty="0" smtClean="0">
+                <a:solidFill>
+                  <a:schemeClr val="bg1"/>
+                </a:solidFill>
+                <a:latin typeface="Arial" panose="020B0604020202020204" pitchFamily="34" charset="0"/>
+                <a:cs typeface="Arial" panose="020B0604020202020204" pitchFamily="34" charset="0"/>
+              </a:rPr>
+              <a:t>urf Board will tilt forward or back depending on which finger presses harder</a:t>
             </a:r>
             <a:endParaRPr lang="en-US" b="1" dirty="0">
               <a:solidFill>
@@ -8589,7 +8511,7 @@
         </p:nvSpPr>
         <p:spPr>
           <a:xfrm>
-            <a:off x="2106304" y="5052463"/>
+            <a:off x="381000" y="5191720"/>
             <a:ext cx="242597" cy="242597"/>
           </a:xfrm>
           <a:prstGeom prst="ellipse">
@@ -8627,8 +8549,8 @@
         </p:nvSpPr>
         <p:spPr>
           <a:xfrm>
-            <a:off x="2492162" y="5607757"/>
-            <a:ext cx="4491945" cy="646331"/>
+            <a:off x="5033055" y="3505200"/>
+            <a:ext cx="3806145" cy="646331"/>
           </a:xfrm>
           <a:prstGeom prst="rect">
             <a:avLst/>
@@ -8649,7 +8571,27 @@
                 <a:latin typeface="Arial" panose="020B0604020202020204" pitchFamily="34" charset="0"/>
                 <a:cs typeface="Arial" panose="020B0604020202020204" pitchFamily="34" charset="0"/>
               </a:rPr>
-              <a:t>Rotate your fingers to rotate your “surfing board”</a:t>
+              <a:t>Rotate your fingers to rotate your </a:t>
+            </a:r>
+            <a:r>
+              <a:rPr lang="en-US" b="1" dirty="0">
+                <a:solidFill>
+                  <a:schemeClr val="bg1"/>
+                </a:solidFill>
+                <a:latin typeface="Arial" panose="020B0604020202020204" pitchFamily="34" charset="0"/>
+                <a:cs typeface="Arial" panose="020B0604020202020204" pitchFamily="34" charset="0"/>
+              </a:rPr>
+              <a:t>S</a:t>
+            </a:r>
+            <a:r>
+              <a:rPr lang="en-US" b="1" dirty="0" smtClean="0">
+                <a:solidFill>
+                  <a:schemeClr val="bg1"/>
+                </a:solidFill>
+                <a:latin typeface="Arial" panose="020B0604020202020204" pitchFamily="34" charset="0"/>
+                <a:cs typeface="Arial" panose="020B0604020202020204" pitchFamily="34" charset="0"/>
+              </a:rPr>
+              <a:t>urf Board</a:t>
             </a:r>
             <a:endParaRPr lang="en-US" b="1" dirty="0">
               <a:solidFill>
@@ -8669,7 +8611,7 @@
         </p:nvSpPr>
         <p:spPr>
           <a:xfrm>
-            <a:off x="2084696" y="5779207"/>
+            <a:off x="4625589" y="3676650"/>
             <a:ext cx="242597" cy="242597"/>
           </a:xfrm>
           <a:prstGeom prst="ellipse">
@@ -8688,6 +8630,86 @@
           </a:effectRef>
           <a:fontRef idx="minor">
             <a:schemeClr val="dk1"/>
+          </a:fontRef>
+        </p:style>
+        <p:txBody>
+          <a:bodyPr rtlCol="0" anchor="ctr"/>
+          <a:lstStyle/>
+          <a:p>
+            <a:pPr algn="ctr"/>
+            <a:endParaRPr lang="en-US"/>
+          </a:p>
+        </p:txBody>
+      </p:sp>
+      <p:cxnSp>
+        <p:nvCxnSpPr>
+          <p:cNvPr id="67" name="Straight Connector 66"/>
+          <p:cNvCxnSpPr/>
+          <p:nvPr/>
+        </p:nvCxnSpPr>
+        <p:spPr>
+          <a:xfrm>
+            <a:off x="6004907" y="2110423"/>
+            <a:ext cx="395893" cy="558919"/>
+          </a:xfrm>
+          <a:prstGeom prst="line">
+            <a:avLst/>
+          </a:prstGeom>
+          <a:ln w="76200">
+            <a:solidFill>
+              <a:schemeClr val="bg1">
+                <a:lumMod val="50000"/>
+              </a:schemeClr>
+            </a:solidFill>
+            <a:prstDash val="sysDash"/>
+          </a:ln>
+        </p:spPr>
+        <p:style>
+          <a:lnRef idx="1">
+            <a:schemeClr val="dk1"/>
+          </a:lnRef>
+          <a:fillRef idx="0">
+            <a:schemeClr val="dk1"/>
+          </a:fillRef>
+          <a:effectRef idx="0">
+            <a:schemeClr val="dk1"/>
+          </a:effectRef>
+          <a:fontRef idx="minor">
+            <a:schemeClr val="tx1"/>
+          </a:fontRef>
+        </p:style>
+      </p:cxnSp>
+      <p:sp>
+        <p:nvSpPr>
+          <p:cNvPr id="7" name="Arc 6"/>
+          <p:cNvSpPr/>
+          <p:nvPr/>
+        </p:nvSpPr>
+        <p:spPr>
+          <a:xfrm flipH="1">
+            <a:off x="6194093" y="2367535"/>
+            <a:ext cx="398521" cy="206173"/>
+          </a:xfrm>
+          <a:prstGeom prst="arc">
+            <a:avLst>
+              <a:gd name="adj1" fmla="val 16200000"/>
+              <a:gd name="adj2" fmla="val 20257497"/>
+            </a:avLst>
+          </a:prstGeom>
+          <a:ln w="28575"/>
+        </p:spPr>
+        <p:style>
+          <a:lnRef idx="1">
+            <a:schemeClr val="dk1"/>
+          </a:lnRef>
+          <a:fillRef idx="0">
+            <a:schemeClr val="dk1"/>
+          </a:fillRef>
+          <a:effectRef idx="0">
+            <a:schemeClr val="dk1"/>
+          </a:effectRef>
+          <a:fontRef idx="minor">
+            <a:schemeClr val="tx1"/>
           </a:fontRef>
         </p:style>
         <p:txBody>

--- a/ForcepadTraining.pptx
+++ b/ForcepadTraining.pptx
@@ -5,13 +5,16 @@
     <p:sldMasterId id="2147483648" r:id="rId1"/>
   </p:sldMasterIdLst>
   <p:notesMasterIdLst>
-    <p:notesMasterId r:id="rId6"/>
+    <p:notesMasterId r:id="rId9"/>
   </p:notesMasterIdLst>
   <p:sldIdLst>
     <p:sldId id="260" r:id="rId2"/>
     <p:sldId id="262" r:id="rId3"/>
     <p:sldId id="263" r:id="rId4"/>
     <p:sldId id="264" r:id="rId5"/>
+    <p:sldId id="265" r:id="rId6"/>
+    <p:sldId id="266" r:id="rId7"/>
+    <p:sldId id="267" r:id="rId8"/>
   </p:sldIdLst>
   <p:sldSz cx="9144000" cy="6858000" type="screen4x3"/>
   <p:notesSz cx="6858000" cy="9144000"/>
@@ -195,7 +198,7 @@
           <a:p>
             <a:fld id="{94718E82-1CFB-4163-A2D6-07BA16A5F6AC}" type="datetimeFigureOut">
               <a:rPr lang="en-US" smtClean="0"/>
-              <a:t>10/30/2015</a:t>
+              <a:t>11/8/2015</a:t>
             </a:fld>
             <a:endParaRPr lang="en-US"/>
           </a:p>
@@ -728,7 +731,7 @@
           <a:p>
             <a:fld id="{00CF07E8-8F9E-4389-812A-7F17362C15DE}" type="datetimeFigureOut">
               <a:rPr lang="en-US" smtClean="0"/>
-              <a:t>10/30/2015</a:t>
+              <a:t>11/8/2015</a:t>
             </a:fld>
             <a:endParaRPr lang="en-US"/>
           </a:p>
@@ -905,7 +908,7 @@
           <a:p>
             <a:fld id="{00CF07E8-8F9E-4389-812A-7F17362C15DE}" type="datetimeFigureOut">
               <a:rPr lang="en-US" smtClean="0"/>
-              <a:t>10/30/2015</a:t>
+              <a:t>11/8/2015</a:t>
             </a:fld>
             <a:endParaRPr lang="en-US"/>
           </a:p>
@@ -1085,7 +1088,7 @@
           <a:p>
             <a:fld id="{00CF07E8-8F9E-4389-812A-7F17362C15DE}" type="datetimeFigureOut">
               <a:rPr lang="en-US" smtClean="0"/>
-              <a:t>10/30/2015</a:t>
+              <a:t>11/8/2015</a:t>
             </a:fld>
             <a:endParaRPr lang="en-US"/>
           </a:p>
@@ -1255,7 +1258,7 @@
           <a:p>
             <a:fld id="{00CF07E8-8F9E-4389-812A-7F17362C15DE}" type="datetimeFigureOut">
               <a:rPr lang="en-US" smtClean="0"/>
-              <a:t>10/30/2015</a:t>
+              <a:t>11/8/2015</a:t>
             </a:fld>
             <a:endParaRPr lang="en-US"/>
           </a:p>
@@ -1501,7 +1504,7 @@
           <a:p>
             <a:fld id="{00CF07E8-8F9E-4389-812A-7F17362C15DE}" type="datetimeFigureOut">
               <a:rPr lang="en-US" smtClean="0"/>
-              <a:t>10/30/2015</a:t>
+              <a:t>11/8/2015</a:t>
             </a:fld>
             <a:endParaRPr lang="en-US"/>
           </a:p>
@@ -1789,7 +1792,7 @@
           <a:p>
             <a:fld id="{00CF07E8-8F9E-4389-812A-7F17362C15DE}" type="datetimeFigureOut">
               <a:rPr lang="en-US" smtClean="0"/>
-              <a:t>10/30/2015</a:t>
+              <a:t>11/8/2015</a:t>
             </a:fld>
             <a:endParaRPr lang="en-US"/>
           </a:p>
@@ -2211,7 +2214,7 @@
           <a:p>
             <a:fld id="{00CF07E8-8F9E-4389-812A-7F17362C15DE}" type="datetimeFigureOut">
               <a:rPr lang="en-US" smtClean="0"/>
-              <a:t>10/30/2015</a:t>
+              <a:t>11/8/2015</a:t>
             </a:fld>
             <a:endParaRPr lang="en-US"/>
           </a:p>
@@ -2329,7 +2332,7 @@
           <a:p>
             <a:fld id="{00CF07E8-8F9E-4389-812A-7F17362C15DE}" type="datetimeFigureOut">
               <a:rPr lang="en-US" smtClean="0"/>
-              <a:t>10/30/2015</a:t>
+              <a:t>11/8/2015</a:t>
             </a:fld>
             <a:endParaRPr lang="en-US"/>
           </a:p>
@@ -2424,7 +2427,7 @@
           <a:p>
             <a:fld id="{00CF07E8-8F9E-4389-812A-7F17362C15DE}" type="datetimeFigureOut">
               <a:rPr lang="en-US" smtClean="0"/>
-              <a:t>10/30/2015</a:t>
+              <a:t>11/8/2015</a:t>
             </a:fld>
             <a:endParaRPr lang="en-US"/>
           </a:p>
@@ -2701,7 +2704,7 @@
           <a:p>
             <a:fld id="{00CF07E8-8F9E-4389-812A-7F17362C15DE}" type="datetimeFigureOut">
               <a:rPr lang="en-US" smtClean="0"/>
-              <a:t>10/30/2015</a:t>
+              <a:t>11/8/2015</a:t>
             </a:fld>
             <a:endParaRPr lang="en-US"/>
           </a:p>
@@ -2954,7 +2957,7 @@
           <a:p>
             <a:fld id="{00CF07E8-8F9E-4389-812A-7F17362C15DE}" type="datetimeFigureOut">
               <a:rPr lang="en-US" smtClean="0"/>
-              <a:t>10/30/2015</a:t>
+              <a:t>11/8/2015</a:t>
             </a:fld>
             <a:endParaRPr lang="en-US"/>
           </a:p>
@@ -3173,7 +3176,7 @@
           <a:p>
             <a:fld id="{00CF07E8-8F9E-4389-812A-7F17362C15DE}" type="datetimeFigureOut">
               <a:rPr lang="en-US" smtClean="0"/>
-              <a:t>10/30/2015</a:t>
+              <a:t>11/8/2015</a:t>
             </a:fld>
             <a:endParaRPr lang="en-US"/>
           </a:p>
@@ -4609,7 +4612,7 @@
         </p:nvSpPr>
         <p:spPr>
           <a:xfrm>
-            <a:off x="876719" y="4363661"/>
+            <a:off x="876719" y="4406391"/>
             <a:ext cx="3847681" cy="646331"/>
           </a:xfrm>
           <a:prstGeom prst="rect">
@@ -4651,7 +4654,7 @@
         </p:nvSpPr>
         <p:spPr>
           <a:xfrm>
-            <a:off x="876719" y="5029200"/>
+            <a:off x="876719" y="5071930"/>
             <a:ext cx="3916942" cy="646331"/>
           </a:xfrm>
           <a:prstGeom prst="rect">
@@ -4901,7 +4904,7 @@
         </p:nvGrpSpPr>
         <p:grpSpPr>
           <a:xfrm>
-            <a:off x="982823" y="1005280"/>
+            <a:off x="910735" y="1147554"/>
             <a:ext cx="2743200" cy="2195120"/>
             <a:chOff x="5334000" y="1524000"/>
             <a:chExt cx="2209799" cy="1752600"/>
@@ -5109,7 +5112,7 @@
         </p:nvSpPr>
         <p:spPr>
           <a:xfrm>
-            <a:off x="469252" y="4535111"/>
+            <a:off x="469252" y="4577841"/>
             <a:ext cx="242597" cy="242597"/>
           </a:xfrm>
           <a:prstGeom prst="ellipse">
@@ -5147,7 +5150,7 @@
         </p:nvSpPr>
         <p:spPr>
           <a:xfrm>
-            <a:off x="457200" y="5231066"/>
+            <a:off x="457200" y="5273796"/>
             <a:ext cx="242597" cy="242597"/>
           </a:xfrm>
           <a:prstGeom prst="ellipse">
@@ -5185,7 +5188,7 @@
         </p:nvSpPr>
         <p:spPr>
           <a:xfrm>
-            <a:off x="4956589" y="3581400"/>
+            <a:off x="5024243" y="3488108"/>
             <a:ext cx="3200400" cy="923330"/>
           </a:xfrm>
           <a:prstGeom prst="rect">
@@ -5247,7 +5250,7 @@
         </p:nvSpPr>
         <p:spPr>
           <a:xfrm>
-            <a:off x="4495800" y="3762846"/>
+            <a:off x="4629632" y="3678099"/>
             <a:ext cx="242597" cy="242597"/>
           </a:xfrm>
           <a:prstGeom prst="ellipse">
@@ -5285,7 +5288,7 @@
         </p:nvGrpSpPr>
         <p:grpSpPr>
           <a:xfrm>
-            <a:off x="4995943" y="1009829"/>
+            <a:off x="5037746" y="1147554"/>
             <a:ext cx="2743200" cy="2195120"/>
             <a:chOff x="5055079" y="1555229"/>
             <a:chExt cx="2767759" cy="2195120"/>
@@ -5596,7 +5599,7 @@
         </p:nvSpPr>
         <p:spPr>
           <a:xfrm>
-            <a:off x="877897" y="3468469"/>
+            <a:off x="877897" y="3511199"/>
             <a:ext cx="3694104" cy="923330"/>
           </a:xfrm>
           <a:prstGeom prst="rect">
@@ -5668,7 +5671,7 @@
         </p:nvSpPr>
         <p:spPr>
           <a:xfrm>
-            <a:off x="470430" y="3639919"/>
+            <a:off x="470430" y="3682649"/>
             <a:ext cx="242597" cy="242597"/>
           </a:xfrm>
           <a:prstGeom prst="ellipse">
@@ -6529,7 +6532,7 @@
         </p:nvGrpSpPr>
         <p:grpSpPr>
           <a:xfrm>
-            <a:off x="5045808" y="1172639"/>
+            <a:off x="5045808" y="1143000"/>
             <a:ext cx="2743200" cy="2194560"/>
             <a:chOff x="16979918" y="9128609"/>
             <a:chExt cx="4313447" cy="3421012"/>
@@ -7234,7 +7237,7 @@
         </p:nvSpPr>
         <p:spPr>
           <a:xfrm>
-            <a:off x="4979467" y="3657600"/>
+            <a:off x="5030743" y="3505200"/>
             <a:ext cx="3200400" cy="923330"/>
           </a:xfrm>
           <a:prstGeom prst="rect">
@@ -7276,7 +7279,7 @@
         </p:nvSpPr>
         <p:spPr>
           <a:xfrm>
-            <a:off x="4572000" y="3829050"/>
+            <a:off x="4623276" y="3676650"/>
             <a:ext cx="242597" cy="242597"/>
           </a:xfrm>
           <a:prstGeom prst="ellipse">
@@ -7905,7 +7908,7 @@
         </p:nvGrpSpPr>
         <p:grpSpPr>
           <a:xfrm>
-            <a:off x="5029200" y="1172639"/>
+            <a:off x="5033055" y="1143000"/>
             <a:ext cx="2743200" cy="2194560"/>
             <a:chOff x="16979918" y="9128609"/>
             <a:chExt cx="4313447" cy="3421012"/>
@@ -8270,7 +8273,7 @@
         <p:spPr>
           <a:xfrm>
             <a:off x="797891" y="3468469"/>
-            <a:ext cx="3496606" cy="923330"/>
+            <a:ext cx="3496606" cy="1200329"/>
           </a:xfrm>
           <a:prstGeom prst="rect">
             <a:avLst/>
@@ -8291,7 +8294,17 @@
                 <a:latin typeface="Arial" panose="020B0604020202020204" pitchFamily="34" charset="0"/>
                 <a:cs typeface="Arial" panose="020B0604020202020204" pitchFamily="34" charset="0"/>
               </a:rPr>
-              <a:t>Place two of your fingers Vertically on the </a:t>
+              <a:t>Orient two fingers, one in front of the other, on </a:t>
+            </a:r>
+            <a:r>
+              <a:rPr lang="en-US" b="1" dirty="0" smtClean="0">
+                <a:solidFill>
+                  <a:schemeClr val="bg1"/>
+                </a:solidFill>
+                <a:latin typeface="Arial" panose="020B0604020202020204" pitchFamily="34" charset="0"/>
+                <a:cs typeface="Arial" panose="020B0604020202020204" pitchFamily="34" charset="0"/>
+              </a:rPr>
+              <a:t>the </a:t>
             </a:r>
             <a:r>
               <a:rPr lang="en-US" b="1" dirty="0" err="1" smtClean="0">
@@ -8311,7 +8324,17 @@
                 <a:latin typeface="Arial" panose="020B0604020202020204" pitchFamily="34" charset="0"/>
                 <a:cs typeface="Arial" panose="020B0604020202020204" pitchFamily="34" charset="0"/>
               </a:rPr>
-              <a:t> to switch to Surfing mode</a:t>
+              <a:t> to switch to Surfing </a:t>
+            </a:r>
+            <a:r>
+              <a:rPr lang="en-US" b="1" dirty="0" smtClean="0">
+                <a:solidFill>
+                  <a:schemeClr val="bg1"/>
+                </a:solidFill>
+                <a:latin typeface="Arial" panose="020B0604020202020204" pitchFamily="34" charset="0"/>
+                <a:cs typeface="Arial" panose="020B0604020202020204" pitchFamily="34" charset="0"/>
+              </a:rPr>
+              <a:t>mode</a:t>
             </a:r>
             <a:endParaRPr lang="en-US" b="1" dirty="0">
               <a:solidFill>
@@ -8369,7 +8392,7 @@
         </p:nvSpPr>
         <p:spPr>
           <a:xfrm>
-            <a:off x="800163" y="4343400"/>
+            <a:off x="800163" y="4582688"/>
             <a:ext cx="3646734" cy="646331"/>
           </a:xfrm>
           <a:prstGeom prst="rect">
@@ -8391,7 +8414,27 @@
                 <a:latin typeface="Arial" panose="020B0604020202020204" pitchFamily="34" charset="0"/>
                 <a:cs typeface="Arial" panose="020B0604020202020204" pitchFamily="34" charset="0"/>
               </a:rPr>
-              <a:t>The distance between your two fingers is your flying speed</a:t>
+              <a:t>The distance between your </a:t>
+            </a:r>
+            <a:r>
+              <a:rPr lang="en-US" b="1" dirty="0" smtClean="0">
+                <a:solidFill>
+                  <a:schemeClr val="bg1"/>
+                </a:solidFill>
+                <a:latin typeface="Arial" panose="020B0604020202020204" pitchFamily="34" charset="0"/>
+                <a:cs typeface="Arial" panose="020B0604020202020204" pitchFamily="34" charset="0"/>
+              </a:rPr>
+              <a:t>fingers </a:t>
+            </a:r>
+            <a:r>
+              <a:rPr lang="en-US" b="1" dirty="0" smtClean="0">
+                <a:solidFill>
+                  <a:schemeClr val="bg1"/>
+                </a:solidFill>
+                <a:latin typeface="Arial" panose="020B0604020202020204" pitchFamily="34" charset="0"/>
+                <a:cs typeface="Arial" panose="020B0604020202020204" pitchFamily="34" charset="0"/>
+              </a:rPr>
+              <a:t>is your flying speed</a:t>
             </a:r>
             <a:endParaRPr lang="en-US" b="1" dirty="0">
               <a:solidFill>
@@ -8411,7 +8454,7 @@
         </p:nvSpPr>
         <p:spPr>
           <a:xfrm>
-            <a:off x="392696" y="4514850"/>
+            <a:off x="392696" y="4754138"/>
             <a:ext cx="242597" cy="242597"/>
           </a:xfrm>
           <a:prstGeom prst="ellipse">
@@ -8449,7 +8492,7 @@
         </p:nvSpPr>
         <p:spPr>
           <a:xfrm>
-            <a:off x="788467" y="5020270"/>
+            <a:off x="788467" y="5259558"/>
             <a:ext cx="4039430" cy="923330"/>
           </a:xfrm>
           <a:prstGeom prst="rect">
@@ -8511,7 +8554,7 @@
         </p:nvSpPr>
         <p:spPr>
           <a:xfrm>
-            <a:off x="381000" y="5191720"/>
+            <a:off x="381000" y="5431008"/>
             <a:ext cx="242597" cy="242597"/>
           </a:xfrm>
           <a:prstGeom prst="ellipse">
@@ -8738,6 +8781,1474 @@
       </p:par>
     </p:tnLst>
   </p:timing>
+</p:sld>
+</file>
+
+<file path=ppt/slides/slide5.xml><?xml version="1.0" encoding="utf-8"?>
+<p:sld xmlns:a="http://schemas.openxmlformats.org/drawingml/2006/main" xmlns:r="http://schemas.openxmlformats.org/officeDocument/2006/relationships" xmlns:p="http://schemas.openxmlformats.org/presentationml/2006/main">
+  <p:cSld>
+    <p:spTree>
+      <p:nvGrpSpPr>
+        <p:cNvPr id="1" name=""/>
+        <p:cNvGrpSpPr/>
+        <p:nvPr/>
+      </p:nvGrpSpPr>
+      <p:grpSpPr>
+        <a:xfrm>
+          <a:off x="0" y="0"/>
+          <a:ext cx="0" cy="0"/>
+          <a:chOff x="0" y="0"/>
+          <a:chExt cx="0" cy="0"/>
+        </a:xfrm>
+      </p:grpSpPr>
+      <p:pic>
+        <p:nvPicPr>
+          <p:cNvPr id="1026" name="Picture 2"/>
+          <p:cNvPicPr>
+            <a:picLocks noChangeAspect="1" noChangeArrowheads="1"/>
+          </p:cNvPicPr>
+          <p:nvPr/>
+        </p:nvPicPr>
+        <p:blipFill>
+          <a:blip r:embed="rId2">
+            <a:extLst>
+              <a:ext uri="{28A0092B-C50C-407E-A947-70E740481C1C}">
+                <a14:useLocalDpi xmlns:a14="http://schemas.microsoft.com/office/drawing/2010/main" val="0"/>
+              </a:ext>
+            </a:extLst>
+          </a:blip>
+          <a:srcRect/>
+          <a:stretch>
+            <a:fillRect/>
+          </a:stretch>
+        </p:blipFill>
+        <p:spPr bwMode="auto">
+          <a:xfrm>
+            <a:off x="1600200" y="457200"/>
+            <a:ext cx="5791200" cy="4343400"/>
+          </a:xfrm>
+          <a:prstGeom prst="rect">
+            <a:avLst/>
+          </a:prstGeom>
+          <a:noFill/>
+          <a:ln>
+            <a:noFill/>
+          </a:ln>
+          <a:extLst>
+            <a:ext uri="{909E8E84-426E-40DD-AFC4-6F175D3DCCD1}">
+              <a14:hiddenFill xmlns:a14="http://schemas.microsoft.com/office/drawing/2010/main">
+                <a:solidFill>
+                  <a:schemeClr val="accent1"/>
+                </a:solidFill>
+              </a14:hiddenFill>
+            </a:ext>
+            <a:ext uri="{91240B29-F687-4F45-9708-019B960494DF}">
+              <a14:hiddenLine xmlns:a14="http://schemas.microsoft.com/office/drawing/2010/main" w="9525">
+                <a:solidFill>
+                  <a:schemeClr val="tx1"/>
+                </a:solidFill>
+                <a:miter lim="800000"/>
+                <a:headEnd/>
+                <a:tailEnd/>
+              </a14:hiddenLine>
+            </a:ext>
+          </a:extLst>
+        </p:spPr>
+      </p:pic>
+      <p:sp>
+        <p:nvSpPr>
+          <p:cNvPr id="6" name="TextBox 5"/>
+          <p:cNvSpPr txBox="1"/>
+          <p:nvPr/>
+        </p:nvSpPr>
+        <p:spPr>
+          <a:xfrm>
+            <a:off x="1143000" y="4916269"/>
+            <a:ext cx="6781800" cy="923330"/>
+          </a:xfrm>
+          <a:prstGeom prst="rect">
+            <a:avLst/>
+          </a:prstGeom>
+          <a:noFill/>
+        </p:spPr>
+        <p:txBody>
+          <a:bodyPr wrap="square" rtlCol="0">
+            <a:spAutoFit/>
+          </a:bodyPr>
+          <a:lstStyle/>
+          <a:p>
+            <a:pPr marL="285750" indent="-285750">
+              <a:buFont typeface="Arial" panose="020B0604020202020204" pitchFamily="34" charset="0"/>
+              <a:buChar char="•"/>
+            </a:pPr>
+            <a:r>
+              <a:rPr lang="en-US" b="1" dirty="0" smtClean="0">
+                <a:solidFill>
+                  <a:schemeClr val="bg1"/>
+                </a:solidFill>
+                <a:latin typeface="Arial" panose="020B0604020202020204" pitchFamily="34" charset="0"/>
+                <a:cs typeface="Arial" panose="020B0604020202020204" pitchFamily="34" charset="0"/>
+              </a:rPr>
+              <a:t>Swipe your fingers to use walking mode.</a:t>
+            </a:r>
+          </a:p>
+          <a:p>
+            <a:pPr marL="285750" indent="-285750">
+              <a:buFont typeface="Arial" panose="020B0604020202020204" pitchFamily="34" charset="0"/>
+              <a:buChar char="•"/>
+            </a:pPr>
+            <a:r>
+              <a:rPr lang="en-US" b="1" dirty="0" smtClean="0">
+                <a:solidFill>
+                  <a:schemeClr val="bg1"/>
+                </a:solidFill>
+                <a:latin typeface="Arial" panose="020B0604020202020204" pitchFamily="34" charset="0"/>
+                <a:cs typeface="Arial" panose="020B0604020202020204" pitchFamily="34" charset="0"/>
+              </a:rPr>
+              <a:t>Collect the pumpkin the yellow arrow is pointing at.</a:t>
+            </a:r>
+          </a:p>
+          <a:p>
+            <a:pPr marL="285750" indent="-285750">
+              <a:buFont typeface="Arial" panose="020B0604020202020204" pitchFamily="34" charset="0"/>
+              <a:buChar char="•"/>
+            </a:pPr>
+            <a:r>
+              <a:rPr lang="en-US" b="1" dirty="0" smtClean="0">
+                <a:solidFill>
+                  <a:schemeClr val="bg1"/>
+                </a:solidFill>
+                <a:latin typeface="Arial" panose="020B0604020202020204" pitchFamily="34" charset="0"/>
+                <a:cs typeface="Arial" panose="020B0604020202020204" pitchFamily="34" charset="0"/>
+              </a:rPr>
+              <a:t>Collect all the pumpkins as fast as you can.</a:t>
+            </a:r>
+            <a:endParaRPr lang="en-US" b="1" dirty="0">
+              <a:solidFill>
+                <a:schemeClr val="bg1"/>
+              </a:solidFill>
+              <a:latin typeface="Arial" panose="020B0604020202020204" pitchFamily="34" charset="0"/>
+              <a:cs typeface="Arial" panose="020B0604020202020204" pitchFamily="34" charset="0"/>
+            </a:endParaRPr>
+          </a:p>
+        </p:txBody>
+      </p:sp>
+      <p:grpSp>
+        <p:nvGrpSpPr>
+          <p:cNvPr id="8" name="Shape 121"/>
+          <p:cNvGrpSpPr/>
+          <p:nvPr/>
+        </p:nvGrpSpPr>
+        <p:grpSpPr>
+          <a:xfrm>
+            <a:off x="5562600" y="457200"/>
+            <a:ext cx="1828800" cy="1463413"/>
+            <a:chOff x="5333999" y="1524000"/>
+            <a:chExt cx="2190913" cy="1737621"/>
+          </a:xfrm>
+        </p:grpSpPr>
+        <p:sp>
+          <p:nvSpPr>
+            <p:cNvPr id="9" name="Shape 122"/>
+            <p:cNvSpPr>
+              <a:spLocks noChangeAspect="1"/>
+            </p:cNvSpPr>
+            <p:nvPr/>
+          </p:nvSpPr>
+          <p:spPr>
+            <a:xfrm>
+              <a:off x="5333999" y="1524000"/>
+              <a:ext cx="2190913" cy="1737621"/>
+            </a:xfrm>
+            <a:prstGeom prst="roundRect">
+              <a:avLst>
+                <a:gd name="adj" fmla="val 7428"/>
+              </a:avLst>
+            </a:prstGeom>
+            <a:solidFill>
+              <a:schemeClr val="bg1">
+                <a:lumMod val="50000"/>
+              </a:schemeClr>
+            </a:solidFill>
+            <a:ln w="9525" cap="flat">
+              <a:solidFill>
+                <a:schemeClr val="lt1"/>
+              </a:solidFill>
+              <a:prstDash val="solid"/>
+              <a:round/>
+              <a:headEnd type="none" w="med" len="med"/>
+              <a:tailEnd type="none" w="med" len="med"/>
+            </a:ln>
+          </p:spPr>
+          <p:txBody>
+            <a:bodyPr lIns="91425" tIns="45700" rIns="91425" bIns="45700" anchor="ctr" anchorCtr="0">
+              <a:noAutofit/>
+            </a:bodyPr>
+            <a:lstStyle/>
+            <a:p>
+              <a:pPr marL="0" marR="0" lvl="0" indent="0" algn="ctr" rtl="0">
+                <a:spcBef>
+                  <a:spcPts val="0"/>
+                </a:spcBef>
+                <a:buNone/>
+              </a:pPr>
+              <a:endParaRPr sz="1600" b="0" i="0" u="none" strike="noStrike" cap="none" baseline="0" dirty="0">
+                <a:solidFill>
+                  <a:schemeClr val="lt1"/>
+                </a:solidFill>
+                <a:latin typeface="Verdana"/>
+                <a:ea typeface="Verdana"/>
+                <a:cs typeface="Verdana"/>
+                <a:sym typeface="Verdana"/>
+              </a:endParaRPr>
+            </a:p>
+          </p:txBody>
+        </p:sp>
+        <p:sp>
+          <p:nvSpPr>
+            <p:cNvPr id="10" name="Shape 123"/>
+            <p:cNvSpPr/>
+            <p:nvPr/>
+          </p:nvSpPr>
+          <p:spPr>
+            <a:xfrm>
+              <a:off x="5486400" y="1981200"/>
+              <a:ext cx="1904999" cy="1143000"/>
+            </a:xfrm>
+            <a:prstGeom prst="roundRect">
+              <a:avLst>
+                <a:gd name="adj" fmla="val 11667"/>
+              </a:avLst>
+            </a:prstGeom>
+            <a:solidFill>
+              <a:schemeClr val="bg1">
+                <a:lumMod val="85000"/>
+              </a:schemeClr>
+            </a:solidFill>
+            <a:ln w="9525" cap="flat">
+              <a:solidFill>
+                <a:srgbClr val="828689"/>
+              </a:solidFill>
+              <a:prstDash val="solid"/>
+              <a:round/>
+              <a:headEnd type="none" w="med" len="med"/>
+              <a:tailEnd type="none" w="med" len="med"/>
+            </a:ln>
+          </p:spPr>
+          <p:txBody>
+            <a:bodyPr lIns="91425" tIns="45700" rIns="91425" bIns="45700" anchor="ctr" anchorCtr="0">
+              <a:noAutofit/>
+            </a:bodyPr>
+            <a:lstStyle/>
+            <a:p>
+              <a:pPr marL="0" marR="0" lvl="0" indent="0" algn="ctr" rtl="0">
+                <a:spcBef>
+                  <a:spcPts val="0"/>
+                </a:spcBef>
+                <a:buNone/>
+              </a:pPr>
+              <a:endParaRPr sz="1600" b="0" i="0" u="none" strike="noStrike" cap="none" baseline="0" dirty="0">
+                <a:solidFill>
+                  <a:schemeClr val="lt1"/>
+                </a:solidFill>
+                <a:latin typeface="Verdana"/>
+                <a:ea typeface="Verdana"/>
+                <a:cs typeface="Verdana"/>
+                <a:sym typeface="Verdana"/>
+              </a:endParaRPr>
+            </a:p>
+          </p:txBody>
+        </p:sp>
+        <p:sp>
+          <p:nvSpPr>
+            <p:cNvPr id="11" name="Shape 125"/>
+            <p:cNvSpPr/>
+            <p:nvPr/>
+          </p:nvSpPr>
+          <p:spPr>
+            <a:xfrm>
+              <a:off x="6562904" y="2200275"/>
+              <a:ext cx="304799" cy="304799"/>
+            </a:xfrm>
+            <a:prstGeom prst="ellipse">
+              <a:avLst/>
+            </a:prstGeom>
+            <a:ln>
+              <a:headEnd type="none" w="med" len="med"/>
+              <a:tailEnd type="none" w="med" len="med"/>
+            </a:ln>
+          </p:spPr>
+          <p:style>
+            <a:lnRef idx="1">
+              <a:schemeClr val="accent2"/>
+            </a:lnRef>
+            <a:fillRef idx="3">
+              <a:schemeClr val="accent2"/>
+            </a:fillRef>
+            <a:effectRef idx="2">
+              <a:schemeClr val="accent2"/>
+            </a:effectRef>
+            <a:fontRef idx="minor">
+              <a:schemeClr val="lt1"/>
+            </a:fontRef>
+          </p:style>
+          <p:txBody>
+            <a:bodyPr lIns="91425" tIns="45700" rIns="91425" bIns="45700" anchor="ctr" anchorCtr="0">
+              <a:noAutofit/>
+            </a:bodyPr>
+            <a:lstStyle/>
+            <a:p>
+              <a:pPr marL="0" marR="0" lvl="0" indent="0" algn="ctr" rtl="0">
+                <a:spcBef>
+                  <a:spcPts val="0"/>
+                </a:spcBef>
+                <a:buNone/>
+              </a:pPr>
+              <a:endParaRPr sz="1600" b="0" i="0" u="none" strike="noStrike" cap="none" baseline="0" dirty="0">
+                <a:solidFill>
+                  <a:schemeClr val="lt1"/>
+                </a:solidFill>
+                <a:latin typeface="Verdana"/>
+                <a:ea typeface="Verdana"/>
+                <a:cs typeface="Verdana"/>
+                <a:sym typeface="Verdana"/>
+              </a:endParaRPr>
+            </a:p>
+          </p:txBody>
+        </p:sp>
+        <p:cxnSp>
+          <p:nvCxnSpPr>
+            <p:cNvPr id="12" name="Shape 126"/>
+            <p:cNvCxnSpPr/>
+            <p:nvPr/>
+          </p:nvCxnSpPr>
+          <p:spPr>
+            <a:xfrm>
+              <a:off x="6705861" y="2466130"/>
+              <a:ext cx="0" cy="514784"/>
+            </a:xfrm>
+            <a:prstGeom prst="straightConnector1">
+              <a:avLst/>
+            </a:prstGeom>
+            <a:noFill/>
+            <a:ln w="57150" cap="flat">
+              <a:solidFill>
+                <a:srgbClr val="E8576B"/>
+              </a:solidFill>
+              <a:prstDash val="sysDot"/>
+              <a:round/>
+              <a:headEnd type="none" w="med" len="med"/>
+              <a:tailEnd type="none" w="med" len="med"/>
+            </a:ln>
+          </p:spPr>
+        </p:cxnSp>
+      </p:grpSp>
+    </p:spTree>
+    <p:extLst>
+      <p:ext uri="{BB962C8B-B14F-4D97-AF65-F5344CB8AC3E}">
+        <p14:creationId xmlns:p14="http://schemas.microsoft.com/office/powerpoint/2010/main" val="3847515999"/>
+      </p:ext>
+    </p:extLst>
+  </p:cSld>
+  <p:clrMapOvr>
+    <a:masterClrMapping/>
+  </p:clrMapOvr>
+</p:sld>
+</file>
+
+<file path=ppt/slides/slide6.xml><?xml version="1.0" encoding="utf-8"?>
+<p:sld xmlns:a="http://schemas.openxmlformats.org/drawingml/2006/main" xmlns:r="http://schemas.openxmlformats.org/officeDocument/2006/relationships" xmlns:p="http://schemas.openxmlformats.org/presentationml/2006/main">
+  <p:cSld>
+    <p:spTree>
+      <p:nvGrpSpPr>
+        <p:cNvPr id="1" name=""/>
+        <p:cNvGrpSpPr/>
+        <p:nvPr/>
+      </p:nvGrpSpPr>
+      <p:grpSpPr>
+        <a:xfrm>
+          <a:off x="0" y="0"/>
+          <a:ext cx="0" cy="0"/>
+          <a:chOff x="0" y="0"/>
+          <a:chExt cx="0" cy="0"/>
+        </a:xfrm>
+      </p:grpSpPr>
+      <p:pic>
+        <p:nvPicPr>
+          <p:cNvPr id="2050" name="Picture 2"/>
+          <p:cNvPicPr>
+            <a:picLocks noChangeAspect="1" noChangeArrowheads="1"/>
+          </p:cNvPicPr>
+          <p:nvPr/>
+        </p:nvPicPr>
+        <p:blipFill>
+          <a:blip r:embed="rId2">
+            <a:extLst>
+              <a:ext uri="{28A0092B-C50C-407E-A947-70E740481C1C}">
+                <a14:useLocalDpi xmlns:a14="http://schemas.microsoft.com/office/drawing/2010/main" val="0"/>
+              </a:ext>
+            </a:extLst>
+          </a:blip>
+          <a:srcRect/>
+          <a:stretch>
+            <a:fillRect/>
+          </a:stretch>
+        </p:blipFill>
+        <p:spPr bwMode="auto">
+          <a:xfrm>
+            <a:off x="1600200" y="457200"/>
+            <a:ext cx="5791200" cy="4343400"/>
+          </a:xfrm>
+          <a:prstGeom prst="rect">
+            <a:avLst/>
+          </a:prstGeom>
+          <a:noFill/>
+          <a:ln>
+            <a:noFill/>
+          </a:ln>
+          <a:extLst>
+            <a:ext uri="{909E8E84-426E-40DD-AFC4-6F175D3DCCD1}">
+              <a14:hiddenFill xmlns:a14="http://schemas.microsoft.com/office/drawing/2010/main">
+                <a:solidFill>
+                  <a:schemeClr val="accent1"/>
+                </a:solidFill>
+              </a14:hiddenFill>
+            </a:ext>
+            <a:ext uri="{91240B29-F687-4F45-9708-019B960494DF}">
+              <a14:hiddenLine xmlns:a14="http://schemas.microsoft.com/office/drawing/2010/main" w="9525">
+                <a:solidFill>
+                  <a:schemeClr val="tx1"/>
+                </a:solidFill>
+                <a:miter lim="800000"/>
+                <a:headEnd/>
+                <a:tailEnd/>
+              </a14:hiddenLine>
+            </a:ext>
+          </a:extLst>
+        </p:spPr>
+      </p:pic>
+      <p:sp>
+        <p:nvSpPr>
+          <p:cNvPr id="5" name="TextBox 4"/>
+          <p:cNvSpPr txBox="1"/>
+          <p:nvPr/>
+        </p:nvSpPr>
+        <p:spPr>
+          <a:xfrm>
+            <a:off x="1143000" y="4916269"/>
+            <a:ext cx="6781800" cy="1754326"/>
+          </a:xfrm>
+          <a:prstGeom prst="rect">
+            <a:avLst/>
+          </a:prstGeom>
+          <a:noFill/>
+        </p:spPr>
+        <p:txBody>
+          <a:bodyPr wrap="square" rtlCol="0">
+            <a:spAutoFit/>
+          </a:bodyPr>
+          <a:lstStyle/>
+          <a:p>
+            <a:pPr marL="285750" indent="-285750">
+              <a:buFont typeface="Arial" panose="020B0604020202020204" pitchFamily="34" charset="0"/>
+              <a:buChar char="•"/>
+            </a:pPr>
+            <a:r>
+              <a:rPr lang="en-US" b="1" dirty="0" smtClean="0">
+                <a:solidFill>
+                  <a:schemeClr val="bg1"/>
+                </a:solidFill>
+                <a:latin typeface="Arial" panose="020B0604020202020204" pitchFamily="34" charset="0"/>
+                <a:cs typeface="Arial" panose="020B0604020202020204" pitchFamily="34" charset="0"/>
+              </a:rPr>
+              <a:t>Place your finger horizontally to use Segway mode.</a:t>
+            </a:r>
+          </a:p>
+          <a:p>
+            <a:pPr marL="285750" indent="-285750">
+              <a:buFont typeface="Arial" panose="020B0604020202020204" pitchFamily="34" charset="0"/>
+              <a:buChar char="•"/>
+            </a:pPr>
+            <a:r>
+              <a:rPr lang="en-US" b="1" dirty="0" smtClean="0">
+                <a:solidFill>
+                  <a:schemeClr val="bg1"/>
+                </a:solidFill>
+                <a:latin typeface="Arial" panose="020B0604020202020204" pitchFamily="34" charset="0"/>
+                <a:cs typeface="Arial" panose="020B0604020202020204" pitchFamily="34" charset="0"/>
+              </a:rPr>
+              <a:t>Follow </a:t>
+            </a:r>
+            <a:r>
+              <a:rPr lang="en-US" b="1" dirty="0">
+                <a:solidFill>
+                  <a:schemeClr val="bg1"/>
+                </a:solidFill>
+                <a:latin typeface="Arial" panose="020B0604020202020204" pitchFamily="34" charset="0"/>
+                <a:cs typeface="Arial" panose="020B0604020202020204" pitchFamily="34" charset="0"/>
+              </a:rPr>
+              <a:t>the yellow arrow.</a:t>
+            </a:r>
+          </a:p>
+          <a:p>
+            <a:pPr marL="285750" indent="-285750">
+              <a:buFont typeface="Arial" panose="020B0604020202020204" pitchFamily="34" charset="0"/>
+              <a:buChar char="•"/>
+            </a:pPr>
+            <a:r>
+              <a:rPr lang="en-US" b="1" dirty="0" smtClean="0">
+                <a:solidFill>
+                  <a:schemeClr val="bg1"/>
+                </a:solidFill>
+                <a:latin typeface="Arial" panose="020B0604020202020204" pitchFamily="34" charset="0"/>
+                <a:cs typeface="Arial" panose="020B0604020202020204" pitchFamily="34" charset="0"/>
+              </a:rPr>
+              <a:t>The </a:t>
+            </a:r>
+            <a:r>
+              <a:rPr lang="en-US" b="1" dirty="0">
+                <a:solidFill>
+                  <a:schemeClr val="bg1"/>
+                </a:solidFill>
+                <a:latin typeface="Arial" panose="020B0604020202020204" pitchFamily="34" charset="0"/>
+                <a:cs typeface="Arial" panose="020B0604020202020204" pitchFamily="34" charset="0"/>
+              </a:rPr>
+              <a:t>arrow’s direction will change at intersections.</a:t>
+            </a:r>
+          </a:p>
+          <a:p>
+            <a:pPr marL="285750" indent="-285750">
+              <a:buFont typeface="Arial" panose="020B0604020202020204" pitchFamily="34" charset="0"/>
+              <a:buChar char="•"/>
+            </a:pPr>
+            <a:r>
+              <a:rPr lang="en-US" b="1" dirty="0" smtClean="0">
+                <a:solidFill>
+                  <a:schemeClr val="bg1"/>
+                </a:solidFill>
+                <a:latin typeface="Arial" panose="020B0604020202020204" pitchFamily="34" charset="0"/>
+                <a:cs typeface="Arial" panose="020B0604020202020204" pitchFamily="34" charset="0"/>
+              </a:rPr>
+              <a:t>The </a:t>
+            </a:r>
+            <a:r>
+              <a:rPr lang="en-US" b="1" dirty="0">
+                <a:solidFill>
+                  <a:schemeClr val="bg1"/>
+                </a:solidFill>
+                <a:latin typeface="Arial" panose="020B0604020202020204" pitchFamily="34" charset="0"/>
+                <a:cs typeface="Arial" panose="020B0604020202020204" pitchFamily="34" charset="0"/>
+              </a:rPr>
+              <a:t>final goal is a white ring. Try to reach the goal as fast as you can. (Primary Goal)</a:t>
+            </a:r>
+          </a:p>
+          <a:p>
+            <a:pPr marL="285750" indent="-285750">
+              <a:buFont typeface="Arial" panose="020B0604020202020204" pitchFamily="34" charset="0"/>
+              <a:buChar char="•"/>
+            </a:pPr>
+            <a:r>
+              <a:rPr lang="en-US" b="1" dirty="0" smtClean="0">
+                <a:solidFill>
+                  <a:schemeClr val="bg1"/>
+                </a:solidFill>
+                <a:latin typeface="Arial" panose="020B0604020202020204" pitchFamily="34" charset="0"/>
+                <a:cs typeface="Arial" panose="020B0604020202020204" pitchFamily="34" charset="0"/>
+              </a:rPr>
+              <a:t>Try </a:t>
+            </a:r>
+            <a:r>
+              <a:rPr lang="en-US" b="1" dirty="0">
+                <a:solidFill>
+                  <a:schemeClr val="bg1"/>
+                </a:solidFill>
+                <a:latin typeface="Arial" panose="020B0604020202020204" pitchFamily="34" charset="0"/>
+                <a:cs typeface="Arial" panose="020B0604020202020204" pitchFamily="34" charset="0"/>
+              </a:rPr>
+              <a:t>not to run into the forest or barrier tape. </a:t>
+            </a:r>
+            <a:endParaRPr lang="en-US" b="1" dirty="0">
+              <a:solidFill>
+                <a:schemeClr val="bg1"/>
+              </a:solidFill>
+              <a:latin typeface="Arial" panose="020B0604020202020204" pitchFamily="34" charset="0"/>
+              <a:cs typeface="Arial" panose="020B0604020202020204" pitchFamily="34" charset="0"/>
+            </a:endParaRPr>
+          </a:p>
+        </p:txBody>
+      </p:sp>
+      <p:grpSp>
+        <p:nvGrpSpPr>
+          <p:cNvPr id="7" name="Group 6"/>
+          <p:cNvGrpSpPr/>
+          <p:nvPr/>
+        </p:nvGrpSpPr>
+        <p:grpSpPr>
+          <a:xfrm>
+            <a:off x="5562600" y="457200"/>
+            <a:ext cx="1828800" cy="1463040"/>
+            <a:chOff x="16979918" y="9128609"/>
+            <a:chExt cx="4313447" cy="3421012"/>
+          </a:xfrm>
+        </p:grpSpPr>
+        <p:sp>
+          <p:nvSpPr>
+            <p:cNvPr id="8" name="Shape 122"/>
+            <p:cNvSpPr/>
+            <p:nvPr/>
+          </p:nvSpPr>
+          <p:spPr>
+            <a:xfrm>
+              <a:off x="16979918" y="9128609"/>
+              <a:ext cx="4313447" cy="3421012"/>
+            </a:xfrm>
+            <a:prstGeom prst="roundRect">
+              <a:avLst>
+                <a:gd name="adj" fmla="val 7428"/>
+              </a:avLst>
+            </a:prstGeom>
+            <a:solidFill>
+              <a:schemeClr val="bg1">
+                <a:lumMod val="50000"/>
+              </a:schemeClr>
+            </a:solidFill>
+            <a:ln w="9525" cap="flat">
+              <a:solidFill>
+                <a:schemeClr val="lt1"/>
+              </a:solidFill>
+              <a:prstDash val="solid"/>
+              <a:round/>
+              <a:headEnd type="none" w="med" len="med"/>
+              <a:tailEnd type="none" w="med" len="med"/>
+            </a:ln>
+          </p:spPr>
+          <p:txBody>
+            <a:bodyPr lIns="91425" tIns="45700" rIns="91425" bIns="45700" anchor="ctr" anchorCtr="0">
+              <a:noAutofit/>
+            </a:bodyPr>
+            <a:lstStyle/>
+            <a:p>
+              <a:pPr marL="0" marR="0" lvl="0" indent="0" algn="ctr" rtl="0">
+                <a:spcBef>
+                  <a:spcPts val="0"/>
+                </a:spcBef>
+                <a:buNone/>
+              </a:pPr>
+              <a:endParaRPr sz="1600" b="0" i="0" u="none" strike="noStrike" cap="none" baseline="0">
+                <a:solidFill>
+                  <a:schemeClr val="lt1"/>
+                </a:solidFill>
+                <a:latin typeface="Verdana"/>
+                <a:ea typeface="Verdana"/>
+                <a:cs typeface="Verdana"/>
+                <a:sym typeface="Verdana"/>
+              </a:endParaRPr>
+            </a:p>
+          </p:txBody>
+        </p:sp>
+        <p:sp>
+          <p:nvSpPr>
+            <p:cNvPr id="9" name="Shape 123"/>
+            <p:cNvSpPr/>
+            <p:nvPr/>
+          </p:nvSpPr>
+          <p:spPr>
+            <a:xfrm>
+              <a:off x="17277397" y="10021047"/>
+              <a:ext cx="3718489" cy="2231095"/>
+            </a:xfrm>
+            <a:prstGeom prst="roundRect">
+              <a:avLst>
+                <a:gd name="adj" fmla="val 11667"/>
+              </a:avLst>
+            </a:prstGeom>
+            <a:solidFill>
+              <a:schemeClr val="bg1">
+                <a:lumMod val="85000"/>
+              </a:schemeClr>
+            </a:solidFill>
+            <a:ln w="9525" cap="flat">
+              <a:solidFill>
+                <a:srgbClr val="828689"/>
+              </a:solidFill>
+              <a:prstDash val="solid"/>
+              <a:round/>
+              <a:headEnd type="none" w="med" len="med"/>
+              <a:tailEnd type="none" w="med" len="med"/>
+            </a:ln>
+          </p:spPr>
+          <p:txBody>
+            <a:bodyPr lIns="91425" tIns="45700" rIns="91425" bIns="45700" anchor="ctr" anchorCtr="0">
+              <a:noAutofit/>
+            </a:bodyPr>
+            <a:lstStyle/>
+            <a:p>
+              <a:pPr marL="0" marR="0" lvl="0" indent="0" algn="ctr" rtl="0">
+                <a:spcBef>
+                  <a:spcPts val="0"/>
+                </a:spcBef>
+                <a:buNone/>
+              </a:pPr>
+              <a:endParaRPr sz="1600" b="0" i="0" u="none" strike="noStrike" cap="none" baseline="0">
+                <a:solidFill>
+                  <a:schemeClr val="lt1"/>
+                </a:solidFill>
+                <a:latin typeface="Verdana"/>
+                <a:ea typeface="Verdana"/>
+                <a:cs typeface="Verdana"/>
+                <a:sym typeface="Verdana"/>
+              </a:endParaRPr>
+            </a:p>
+          </p:txBody>
+        </p:sp>
+        <p:sp>
+          <p:nvSpPr>
+            <p:cNvPr id="12" name="Shape 124"/>
+            <p:cNvSpPr/>
+            <p:nvPr/>
+          </p:nvSpPr>
+          <p:spPr>
+            <a:xfrm>
+              <a:off x="18514134" y="10172196"/>
+              <a:ext cx="594958" cy="594958"/>
+            </a:xfrm>
+            <a:prstGeom prst="ellipse">
+              <a:avLst/>
+            </a:prstGeom>
+            <a:gradFill>
+              <a:gsLst>
+                <a:gs pos="0">
+                  <a:srgbClr val="FE304B"/>
+                </a:gs>
+                <a:gs pos="76000">
+                  <a:srgbClr val="AC192D"/>
+                </a:gs>
+                <a:gs pos="100000">
+                  <a:srgbClr val="9A1527"/>
+                </a:gs>
+              </a:gsLst>
+              <a:path path="circle">
+                <a:fillToRect r="100000" b="100000"/>
+              </a:path>
+              <a:tileRect l="-100000" t="-100000"/>
+            </a:gradFill>
+            <a:ln w="9525" cap="flat">
+              <a:solidFill>
+                <a:schemeClr val="accent1"/>
+              </a:solidFill>
+              <a:prstDash val="solid"/>
+              <a:round/>
+              <a:headEnd type="none" w="med" len="med"/>
+              <a:tailEnd type="none" w="med" len="med"/>
+            </a:ln>
+          </p:spPr>
+          <p:txBody>
+            <a:bodyPr lIns="91425" tIns="45700" rIns="91425" bIns="45700" anchor="ctr" anchorCtr="0">
+              <a:noAutofit/>
+            </a:bodyPr>
+            <a:lstStyle/>
+            <a:p>
+              <a:pPr marL="0" marR="0" lvl="0" indent="0" algn="ctr" rtl="0">
+                <a:spcBef>
+                  <a:spcPts val="0"/>
+                </a:spcBef>
+                <a:buNone/>
+              </a:pPr>
+              <a:endParaRPr sz="1600" b="0" i="0" u="none" strike="noStrike" cap="none" baseline="0">
+                <a:solidFill>
+                  <a:schemeClr val="lt1"/>
+                </a:solidFill>
+                <a:latin typeface="Verdana"/>
+                <a:ea typeface="Verdana"/>
+                <a:cs typeface="Verdana"/>
+                <a:sym typeface="Verdana"/>
+              </a:endParaRPr>
+            </a:p>
+          </p:txBody>
+        </p:sp>
+        <p:sp>
+          <p:nvSpPr>
+            <p:cNvPr id="13" name="Shape 125"/>
+            <p:cNvSpPr/>
+            <p:nvPr/>
+          </p:nvSpPr>
+          <p:spPr>
+            <a:xfrm>
+              <a:off x="19519050" y="10625581"/>
+              <a:ext cx="594958" cy="594958"/>
+            </a:xfrm>
+            <a:prstGeom prst="ellipse">
+              <a:avLst/>
+            </a:prstGeom>
+            <a:gradFill>
+              <a:gsLst>
+                <a:gs pos="0">
+                  <a:srgbClr val="FE304B"/>
+                </a:gs>
+                <a:gs pos="76000">
+                  <a:srgbClr val="AC192D"/>
+                </a:gs>
+                <a:gs pos="100000">
+                  <a:srgbClr val="9A1527"/>
+                </a:gs>
+              </a:gsLst>
+              <a:path path="circle">
+                <a:fillToRect r="100000" b="100000"/>
+              </a:path>
+              <a:tileRect l="-100000" t="-100000"/>
+            </a:gradFill>
+            <a:ln w="9525" cap="flat">
+              <a:solidFill>
+                <a:schemeClr val="accent1"/>
+              </a:solidFill>
+              <a:prstDash val="solid"/>
+              <a:round/>
+              <a:headEnd type="none" w="med" len="med"/>
+              <a:tailEnd type="none" w="med" len="med"/>
+            </a:ln>
+          </p:spPr>
+          <p:txBody>
+            <a:bodyPr lIns="91425" tIns="45700" rIns="91425" bIns="45700" anchor="ctr" anchorCtr="0">
+              <a:noAutofit/>
+            </a:bodyPr>
+            <a:lstStyle/>
+            <a:p>
+              <a:pPr marL="0" marR="0" lvl="0" indent="0" algn="ctr" rtl="0">
+                <a:spcBef>
+                  <a:spcPts val="0"/>
+                </a:spcBef>
+                <a:buNone/>
+              </a:pPr>
+              <a:endParaRPr sz="1600" b="0" i="0" u="none" strike="noStrike" cap="none" baseline="0">
+                <a:solidFill>
+                  <a:schemeClr val="lt1"/>
+                </a:solidFill>
+                <a:latin typeface="Verdana"/>
+                <a:ea typeface="Verdana"/>
+                <a:cs typeface="Verdana"/>
+                <a:sym typeface="Verdana"/>
+              </a:endParaRPr>
+            </a:p>
+          </p:txBody>
+        </p:sp>
+      </p:grpSp>
+      <p:cxnSp>
+        <p:nvCxnSpPr>
+          <p:cNvPr id="14" name="Straight Connector 13"/>
+          <p:cNvCxnSpPr/>
+          <p:nvPr/>
+        </p:nvCxnSpPr>
+        <p:spPr>
+          <a:xfrm flipV="1">
+            <a:off x="5732681" y="1447800"/>
+            <a:ext cx="1434783" cy="1"/>
+          </a:xfrm>
+          <a:prstGeom prst="line">
+            <a:avLst/>
+          </a:prstGeom>
+          <a:ln w="76200">
+            <a:solidFill>
+              <a:schemeClr val="bg1">
+                <a:lumMod val="50000"/>
+              </a:schemeClr>
+            </a:solidFill>
+            <a:prstDash val="sysDash"/>
+          </a:ln>
+        </p:spPr>
+        <p:style>
+          <a:lnRef idx="1">
+            <a:schemeClr val="dk1"/>
+          </a:lnRef>
+          <a:fillRef idx="0">
+            <a:schemeClr val="dk1"/>
+          </a:fillRef>
+          <a:effectRef idx="0">
+            <a:schemeClr val="dk1"/>
+          </a:effectRef>
+          <a:fontRef idx="minor">
+            <a:schemeClr val="tx1"/>
+          </a:fontRef>
+        </p:style>
+      </p:cxnSp>
+      <p:sp>
+        <p:nvSpPr>
+          <p:cNvPr id="15" name="Shape 124"/>
+          <p:cNvSpPr/>
+          <p:nvPr/>
+        </p:nvSpPr>
+        <p:spPr>
+          <a:xfrm>
+            <a:off x="6132468" y="1328698"/>
+            <a:ext cx="236150" cy="238204"/>
+          </a:xfrm>
+          <a:prstGeom prst="ellipse">
+            <a:avLst/>
+          </a:prstGeom>
+          <a:pattFill prst="ltUpDiag">
+            <a:fgClr>
+              <a:srgbClr val="AC2B37"/>
+            </a:fgClr>
+            <a:bgClr>
+              <a:srgbClr val="F18383"/>
+            </a:bgClr>
+          </a:pattFill>
+          <a:ln>
+            <a:prstDash val="dash"/>
+            <a:headEnd type="none" w="med" len="med"/>
+            <a:tailEnd type="none" w="med" len="med"/>
+          </a:ln>
+        </p:spPr>
+        <p:style>
+          <a:lnRef idx="1">
+            <a:schemeClr val="accent2"/>
+          </a:lnRef>
+          <a:fillRef idx="2">
+            <a:schemeClr val="accent2"/>
+          </a:fillRef>
+          <a:effectRef idx="1">
+            <a:schemeClr val="accent2"/>
+          </a:effectRef>
+          <a:fontRef idx="minor">
+            <a:schemeClr val="dk1"/>
+          </a:fontRef>
+        </p:style>
+        <p:txBody>
+          <a:bodyPr lIns="91425" tIns="45700" rIns="91425" bIns="45700" anchor="ctr" anchorCtr="0">
+            <a:noAutofit/>
+          </a:bodyPr>
+          <a:lstStyle/>
+          <a:p>
+            <a:pPr marL="0" marR="0" lvl="0" indent="0" algn="ctr" rtl="0">
+              <a:spcBef>
+                <a:spcPts val="0"/>
+              </a:spcBef>
+              <a:buNone/>
+            </a:pPr>
+            <a:endParaRPr sz="1600" b="0" i="0" u="none" strike="noStrike" cap="none" baseline="0">
+              <a:solidFill>
+                <a:schemeClr val="lt1"/>
+              </a:solidFill>
+              <a:latin typeface="Verdana"/>
+              <a:ea typeface="Verdana"/>
+              <a:cs typeface="Verdana"/>
+              <a:sym typeface="Verdana"/>
+            </a:endParaRPr>
+          </a:p>
+        </p:txBody>
+      </p:sp>
+      <p:sp>
+        <p:nvSpPr>
+          <p:cNvPr id="16" name="Shape 125"/>
+          <p:cNvSpPr/>
+          <p:nvPr/>
+        </p:nvSpPr>
+        <p:spPr>
+          <a:xfrm>
+            <a:off x="6647181" y="1328699"/>
+            <a:ext cx="236150" cy="238204"/>
+          </a:xfrm>
+          <a:prstGeom prst="ellipse">
+            <a:avLst/>
+          </a:prstGeom>
+          <a:pattFill prst="ltUpDiag">
+            <a:fgClr>
+              <a:srgbClr val="AC2B37"/>
+            </a:fgClr>
+            <a:bgClr>
+              <a:srgbClr val="F18383"/>
+            </a:bgClr>
+          </a:pattFill>
+          <a:ln>
+            <a:prstDash val="dash"/>
+            <a:headEnd type="none" w="med" len="med"/>
+            <a:tailEnd type="none" w="med" len="med"/>
+          </a:ln>
+        </p:spPr>
+        <p:style>
+          <a:lnRef idx="1">
+            <a:schemeClr val="accent2"/>
+          </a:lnRef>
+          <a:fillRef idx="2">
+            <a:schemeClr val="accent2"/>
+          </a:fillRef>
+          <a:effectRef idx="1">
+            <a:schemeClr val="accent2"/>
+          </a:effectRef>
+          <a:fontRef idx="minor">
+            <a:schemeClr val="dk1"/>
+          </a:fontRef>
+        </p:style>
+        <p:txBody>
+          <a:bodyPr lIns="91425" tIns="45700" rIns="91425" bIns="45700" anchor="ctr" anchorCtr="0">
+            <a:noAutofit/>
+          </a:bodyPr>
+          <a:lstStyle/>
+          <a:p>
+            <a:pPr marL="0" marR="0" lvl="0" indent="0" algn="ctr" rtl="0">
+              <a:spcBef>
+                <a:spcPts val="0"/>
+              </a:spcBef>
+              <a:buNone/>
+            </a:pPr>
+            <a:endParaRPr sz="1600" b="0" i="0" u="none" strike="noStrike" cap="none" baseline="0">
+              <a:solidFill>
+                <a:schemeClr val="lt1"/>
+              </a:solidFill>
+              <a:latin typeface="Verdana"/>
+              <a:ea typeface="Verdana"/>
+              <a:cs typeface="Verdana"/>
+              <a:sym typeface="Verdana"/>
+            </a:endParaRPr>
+          </a:p>
+        </p:txBody>
+      </p:sp>
+    </p:spTree>
+    <p:extLst>
+      <p:ext uri="{BB962C8B-B14F-4D97-AF65-F5344CB8AC3E}">
+        <p14:creationId xmlns:p14="http://schemas.microsoft.com/office/powerpoint/2010/main" val="1139492980"/>
+      </p:ext>
+    </p:extLst>
+  </p:cSld>
+  <p:clrMapOvr>
+    <a:masterClrMapping/>
+  </p:clrMapOvr>
+</p:sld>
+</file>
+
+<file path=ppt/slides/slide7.xml><?xml version="1.0" encoding="utf-8"?>
+<p:sld xmlns:a="http://schemas.openxmlformats.org/drawingml/2006/main" xmlns:r="http://schemas.openxmlformats.org/officeDocument/2006/relationships" xmlns:p="http://schemas.openxmlformats.org/presentationml/2006/main">
+  <p:cSld>
+    <p:spTree>
+      <p:nvGrpSpPr>
+        <p:cNvPr id="1" name=""/>
+        <p:cNvGrpSpPr/>
+        <p:nvPr/>
+      </p:nvGrpSpPr>
+      <p:grpSpPr>
+        <a:xfrm>
+          <a:off x="0" y="0"/>
+          <a:ext cx="0" cy="0"/>
+          <a:chOff x="0" y="0"/>
+          <a:chExt cx="0" cy="0"/>
+        </a:xfrm>
+      </p:grpSpPr>
+      <p:pic>
+        <p:nvPicPr>
+          <p:cNvPr id="3074" name="Picture 2"/>
+          <p:cNvPicPr>
+            <a:picLocks noChangeAspect="1" noChangeArrowheads="1"/>
+          </p:cNvPicPr>
+          <p:nvPr/>
+        </p:nvPicPr>
+        <p:blipFill>
+          <a:blip r:embed="rId2">
+            <a:extLst>
+              <a:ext uri="{28A0092B-C50C-407E-A947-70E740481C1C}">
+                <a14:useLocalDpi xmlns:a14="http://schemas.microsoft.com/office/drawing/2010/main" val="0"/>
+              </a:ext>
+            </a:extLst>
+          </a:blip>
+          <a:srcRect/>
+          <a:stretch>
+            <a:fillRect/>
+          </a:stretch>
+        </p:blipFill>
+        <p:spPr bwMode="auto">
+          <a:xfrm>
+            <a:off x="1600200" y="457200"/>
+            <a:ext cx="5791200" cy="4343400"/>
+          </a:xfrm>
+          <a:prstGeom prst="rect">
+            <a:avLst/>
+          </a:prstGeom>
+          <a:noFill/>
+          <a:ln>
+            <a:noFill/>
+          </a:ln>
+          <a:extLst>
+            <a:ext uri="{909E8E84-426E-40DD-AFC4-6F175D3DCCD1}">
+              <a14:hiddenFill xmlns:a14="http://schemas.microsoft.com/office/drawing/2010/main">
+                <a:solidFill>
+                  <a:schemeClr val="accent1"/>
+                </a:solidFill>
+              </a14:hiddenFill>
+            </a:ext>
+            <a:ext uri="{91240B29-F687-4F45-9708-019B960494DF}">
+              <a14:hiddenLine xmlns:a14="http://schemas.microsoft.com/office/drawing/2010/main" w="9525">
+                <a:solidFill>
+                  <a:schemeClr val="tx1"/>
+                </a:solidFill>
+                <a:miter lim="800000"/>
+                <a:headEnd/>
+                <a:tailEnd/>
+              </a14:hiddenLine>
+            </a:ext>
+          </a:extLst>
+        </p:spPr>
+      </p:pic>
+      <p:sp>
+        <p:nvSpPr>
+          <p:cNvPr id="5" name="TextBox 4"/>
+          <p:cNvSpPr txBox="1"/>
+          <p:nvPr/>
+        </p:nvSpPr>
+        <p:spPr>
+          <a:xfrm>
+            <a:off x="1143000" y="4916269"/>
+            <a:ext cx="6781800" cy="1754326"/>
+          </a:xfrm>
+          <a:prstGeom prst="rect">
+            <a:avLst/>
+          </a:prstGeom>
+          <a:noFill/>
+        </p:spPr>
+        <p:txBody>
+          <a:bodyPr wrap="square" rtlCol="0">
+            <a:spAutoFit/>
+          </a:bodyPr>
+          <a:lstStyle/>
+          <a:p>
+            <a:pPr marL="285750" indent="-285750">
+              <a:buFont typeface="Arial" panose="020B0604020202020204" pitchFamily="34" charset="0"/>
+              <a:buChar char="•"/>
+            </a:pPr>
+            <a:r>
+              <a:rPr lang="en-US" b="1" dirty="0" smtClean="0">
+                <a:solidFill>
+                  <a:schemeClr val="bg1"/>
+                </a:solidFill>
+                <a:latin typeface="Arial" panose="020B0604020202020204" pitchFamily="34" charset="0"/>
+                <a:cs typeface="Arial" panose="020B0604020202020204" pitchFamily="34" charset="0"/>
+              </a:rPr>
+              <a:t>Place your finger on in front of the other to use Surfing mode.</a:t>
+            </a:r>
+          </a:p>
+          <a:p>
+            <a:pPr marL="285750" indent="-285750">
+              <a:buFont typeface="Arial" panose="020B0604020202020204" pitchFamily="34" charset="0"/>
+              <a:buChar char="•"/>
+            </a:pPr>
+            <a:r>
+              <a:rPr lang="en-US" b="1" dirty="0" smtClean="0">
+                <a:solidFill>
+                  <a:schemeClr val="bg1"/>
+                </a:solidFill>
+                <a:latin typeface="Arial" panose="020B0604020202020204" pitchFamily="34" charset="0"/>
+                <a:cs typeface="Arial" panose="020B0604020202020204" pitchFamily="34" charset="0"/>
+              </a:rPr>
+              <a:t>Use </a:t>
+            </a:r>
+            <a:r>
+              <a:rPr lang="en-US" b="1" dirty="0">
+                <a:solidFill>
+                  <a:schemeClr val="bg1"/>
+                </a:solidFill>
+                <a:latin typeface="Arial" panose="020B0604020202020204" pitchFamily="34" charset="0"/>
+                <a:cs typeface="Arial" panose="020B0604020202020204" pitchFamily="34" charset="0"/>
+              </a:rPr>
+              <a:t>the blue spheres as a guide and try to stay as close as possible. (Secondary Goal)</a:t>
+            </a:r>
+          </a:p>
+          <a:p>
+            <a:pPr marL="285750" indent="-285750">
+              <a:buFont typeface="Arial" panose="020B0604020202020204" pitchFamily="34" charset="0"/>
+              <a:buChar char="•"/>
+            </a:pPr>
+            <a:r>
+              <a:rPr lang="en-US" b="1" dirty="0" smtClean="0">
+                <a:solidFill>
+                  <a:schemeClr val="bg1"/>
+                </a:solidFill>
+                <a:latin typeface="Arial" panose="020B0604020202020204" pitchFamily="34" charset="0"/>
+                <a:cs typeface="Arial" panose="020B0604020202020204" pitchFamily="34" charset="0"/>
+              </a:rPr>
+              <a:t>The </a:t>
+            </a:r>
+            <a:r>
+              <a:rPr lang="en-US" b="1" dirty="0">
+                <a:solidFill>
+                  <a:schemeClr val="bg1"/>
+                </a:solidFill>
+                <a:latin typeface="Arial" panose="020B0604020202020204" pitchFamily="34" charset="0"/>
+                <a:cs typeface="Arial" panose="020B0604020202020204" pitchFamily="34" charset="0"/>
+              </a:rPr>
+              <a:t>final goal is a white ring. Reach it as fast as you can (Primary Goal)</a:t>
+            </a:r>
+            <a:endParaRPr lang="en-US" b="1" dirty="0">
+              <a:solidFill>
+                <a:schemeClr val="bg1"/>
+              </a:solidFill>
+              <a:latin typeface="Arial" panose="020B0604020202020204" pitchFamily="34" charset="0"/>
+              <a:cs typeface="Arial" panose="020B0604020202020204" pitchFamily="34" charset="0"/>
+            </a:endParaRPr>
+          </a:p>
+        </p:txBody>
+      </p:sp>
+      <p:grpSp>
+        <p:nvGrpSpPr>
+          <p:cNvPr id="7" name="Group 6"/>
+          <p:cNvGrpSpPr/>
+          <p:nvPr/>
+        </p:nvGrpSpPr>
+        <p:grpSpPr>
+          <a:xfrm>
+            <a:off x="5562600" y="457200"/>
+            <a:ext cx="1828800" cy="1463040"/>
+            <a:chOff x="16979918" y="9128609"/>
+            <a:chExt cx="4313447" cy="3421012"/>
+          </a:xfrm>
+        </p:grpSpPr>
+        <p:sp>
+          <p:nvSpPr>
+            <p:cNvPr id="8" name="Shape 122"/>
+            <p:cNvSpPr/>
+            <p:nvPr/>
+          </p:nvSpPr>
+          <p:spPr>
+            <a:xfrm>
+              <a:off x="16979918" y="9128609"/>
+              <a:ext cx="4313447" cy="3421012"/>
+            </a:xfrm>
+            <a:prstGeom prst="roundRect">
+              <a:avLst>
+                <a:gd name="adj" fmla="val 7428"/>
+              </a:avLst>
+            </a:prstGeom>
+            <a:solidFill>
+              <a:schemeClr val="bg1">
+                <a:lumMod val="50000"/>
+              </a:schemeClr>
+            </a:solidFill>
+            <a:ln w="9525" cap="flat">
+              <a:solidFill>
+                <a:schemeClr val="lt1"/>
+              </a:solidFill>
+              <a:prstDash val="solid"/>
+              <a:round/>
+              <a:headEnd type="none" w="med" len="med"/>
+              <a:tailEnd type="none" w="med" len="med"/>
+            </a:ln>
+          </p:spPr>
+          <p:txBody>
+            <a:bodyPr lIns="91425" tIns="45700" rIns="91425" bIns="45700" anchor="ctr" anchorCtr="0">
+              <a:noAutofit/>
+            </a:bodyPr>
+            <a:lstStyle/>
+            <a:p>
+              <a:pPr marL="0" marR="0" lvl="0" indent="0" algn="ctr" rtl="0">
+                <a:spcBef>
+                  <a:spcPts val="0"/>
+                </a:spcBef>
+                <a:buNone/>
+              </a:pPr>
+              <a:endParaRPr sz="1600" b="0" i="0" u="none" strike="noStrike" cap="none" baseline="0">
+                <a:solidFill>
+                  <a:schemeClr val="lt1"/>
+                </a:solidFill>
+                <a:latin typeface="Verdana"/>
+                <a:ea typeface="Verdana"/>
+                <a:cs typeface="Verdana"/>
+                <a:sym typeface="Verdana"/>
+              </a:endParaRPr>
+            </a:p>
+          </p:txBody>
+        </p:sp>
+        <p:sp>
+          <p:nvSpPr>
+            <p:cNvPr id="9" name="Shape 123"/>
+            <p:cNvSpPr/>
+            <p:nvPr/>
+          </p:nvSpPr>
+          <p:spPr>
+            <a:xfrm>
+              <a:off x="17277397" y="10021047"/>
+              <a:ext cx="3718489" cy="2231095"/>
+            </a:xfrm>
+            <a:prstGeom prst="roundRect">
+              <a:avLst>
+                <a:gd name="adj" fmla="val 11667"/>
+              </a:avLst>
+            </a:prstGeom>
+            <a:solidFill>
+              <a:schemeClr val="bg1">
+                <a:lumMod val="85000"/>
+              </a:schemeClr>
+            </a:solidFill>
+            <a:ln w="9525" cap="flat">
+              <a:solidFill>
+                <a:srgbClr val="828689"/>
+              </a:solidFill>
+              <a:prstDash val="solid"/>
+              <a:round/>
+              <a:headEnd type="none" w="med" len="med"/>
+              <a:tailEnd type="none" w="med" len="med"/>
+            </a:ln>
+          </p:spPr>
+          <p:txBody>
+            <a:bodyPr lIns="91425" tIns="45700" rIns="91425" bIns="45700" anchor="ctr" anchorCtr="0">
+              <a:noAutofit/>
+            </a:bodyPr>
+            <a:lstStyle/>
+            <a:p>
+              <a:pPr marL="0" marR="0" lvl="0" indent="0" algn="ctr" rtl="0">
+                <a:spcBef>
+                  <a:spcPts val="0"/>
+                </a:spcBef>
+                <a:buNone/>
+              </a:pPr>
+              <a:endParaRPr sz="1600" b="0" i="0" u="none" strike="noStrike" cap="none" baseline="0">
+                <a:solidFill>
+                  <a:schemeClr val="lt1"/>
+                </a:solidFill>
+                <a:latin typeface="Verdana"/>
+                <a:ea typeface="Verdana"/>
+                <a:cs typeface="Verdana"/>
+                <a:sym typeface="Verdana"/>
+              </a:endParaRPr>
+            </a:p>
+          </p:txBody>
+        </p:sp>
+        <p:sp>
+          <p:nvSpPr>
+            <p:cNvPr id="10" name="Shape 124"/>
+            <p:cNvSpPr/>
+            <p:nvPr/>
+          </p:nvSpPr>
+          <p:spPr>
+            <a:xfrm>
+              <a:off x="18216655" y="10293004"/>
+              <a:ext cx="594958" cy="594958"/>
+            </a:xfrm>
+            <a:prstGeom prst="ellipse">
+              <a:avLst/>
+            </a:prstGeom>
+            <a:gradFill>
+              <a:gsLst>
+                <a:gs pos="0">
+                  <a:srgbClr val="FE304B"/>
+                </a:gs>
+                <a:gs pos="76000">
+                  <a:srgbClr val="AC192D"/>
+                </a:gs>
+                <a:gs pos="100000">
+                  <a:srgbClr val="9A1527"/>
+                </a:gs>
+              </a:gsLst>
+              <a:path path="circle">
+                <a:fillToRect r="100000" b="100000"/>
+              </a:path>
+              <a:tileRect l="-100000" t="-100000"/>
+            </a:gradFill>
+            <a:ln w="9525" cap="flat">
+              <a:solidFill>
+                <a:schemeClr val="accent1"/>
+              </a:solidFill>
+              <a:prstDash val="solid"/>
+              <a:round/>
+              <a:headEnd type="none" w="med" len="med"/>
+              <a:tailEnd type="none" w="med" len="med"/>
+            </a:ln>
+          </p:spPr>
+          <p:txBody>
+            <a:bodyPr lIns="91425" tIns="45700" rIns="91425" bIns="45700" anchor="ctr" anchorCtr="0">
+              <a:noAutofit/>
+            </a:bodyPr>
+            <a:lstStyle/>
+            <a:p>
+              <a:pPr marL="0" marR="0" lvl="0" indent="0" algn="ctr" rtl="0">
+                <a:spcBef>
+                  <a:spcPts val="0"/>
+                </a:spcBef>
+                <a:buNone/>
+              </a:pPr>
+              <a:endParaRPr sz="1600" b="0" i="0" u="none" strike="noStrike" cap="none" baseline="0">
+                <a:solidFill>
+                  <a:schemeClr val="lt1"/>
+                </a:solidFill>
+                <a:latin typeface="Verdana"/>
+                <a:ea typeface="Verdana"/>
+                <a:cs typeface="Verdana"/>
+                <a:sym typeface="Verdana"/>
+              </a:endParaRPr>
+            </a:p>
+          </p:txBody>
+        </p:sp>
+        <p:sp>
+          <p:nvSpPr>
+            <p:cNvPr id="11" name="Shape 125"/>
+            <p:cNvSpPr/>
+            <p:nvPr/>
+          </p:nvSpPr>
+          <p:spPr>
+            <a:xfrm>
+              <a:off x="18839163" y="11222537"/>
+              <a:ext cx="594958" cy="594958"/>
+            </a:xfrm>
+            <a:prstGeom prst="ellipse">
+              <a:avLst/>
+            </a:prstGeom>
+            <a:gradFill>
+              <a:gsLst>
+                <a:gs pos="0">
+                  <a:srgbClr val="FE304B"/>
+                </a:gs>
+                <a:gs pos="76000">
+                  <a:srgbClr val="AC192D"/>
+                </a:gs>
+                <a:gs pos="100000">
+                  <a:srgbClr val="9A1527"/>
+                </a:gs>
+              </a:gsLst>
+              <a:path path="circle">
+                <a:fillToRect r="100000" b="100000"/>
+              </a:path>
+              <a:tileRect l="-100000" t="-100000"/>
+            </a:gradFill>
+            <a:ln w="9525" cap="flat">
+              <a:solidFill>
+                <a:schemeClr val="accent1"/>
+              </a:solidFill>
+              <a:prstDash val="solid"/>
+              <a:round/>
+              <a:headEnd type="none" w="med" len="med"/>
+              <a:tailEnd type="none" w="med" len="med"/>
+            </a:ln>
+          </p:spPr>
+          <p:txBody>
+            <a:bodyPr lIns="91425" tIns="45700" rIns="91425" bIns="45700" anchor="ctr" anchorCtr="0">
+              <a:noAutofit/>
+            </a:bodyPr>
+            <a:lstStyle/>
+            <a:p>
+              <a:pPr marL="0" marR="0" lvl="0" indent="0" algn="ctr" rtl="0">
+                <a:spcBef>
+                  <a:spcPts val="0"/>
+                </a:spcBef>
+                <a:buNone/>
+              </a:pPr>
+              <a:endParaRPr sz="1600" b="0" i="0" u="none" strike="noStrike" cap="none" baseline="0">
+                <a:solidFill>
+                  <a:schemeClr val="lt1"/>
+                </a:solidFill>
+                <a:latin typeface="Verdana"/>
+                <a:ea typeface="Verdana"/>
+                <a:cs typeface="Verdana"/>
+                <a:sym typeface="Verdana"/>
+              </a:endParaRPr>
+            </a:p>
+          </p:txBody>
+        </p:sp>
+      </p:grpSp>
+    </p:spTree>
+    <p:extLst>
+      <p:ext uri="{BB962C8B-B14F-4D97-AF65-F5344CB8AC3E}">
+        <p14:creationId xmlns:p14="http://schemas.microsoft.com/office/powerpoint/2010/main" val="3274963403"/>
+      </p:ext>
+    </p:extLst>
+  </p:cSld>
+  <p:clrMapOvr>
+    <a:masterClrMapping/>
+  </p:clrMapOvr>
 </p:sld>
 </file>
 

--- a/ForcepadTraining.pptx
+++ b/ForcepadTraining.pptx
@@ -5,16 +5,13 @@
     <p:sldMasterId id="2147483648" r:id="rId1"/>
   </p:sldMasterIdLst>
   <p:notesMasterIdLst>
-    <p:notesMasterId r:id="rId9"/>
+    <p:notesMasterId r:id="rId6"/>
   </p:notesMasterIdLst>
   <p:sldIdLst>
     <p:sldId id="260" r:id="rId2"/>
     <p:sldId id="262" r:id="rId3"/>
     <p:sldId id="263" r:id="rId4"/>
     <p:sldId id="264" r:id="rId5"/>
-    <p:sldId id="265" r:id="rId6"/>
-    <p:sldId id="266" r:id="rId7"/>
-    <p:sldId id="267" r:id="rId8"/>
   </p:sldIdLst>
   <p:sldSz cx="9144000" cy="6858000" type="screen4x3"/>
   <p:notesSz cx="6858000" cy="9144000"/>
@@ -198,7 +195,7 @@
           <a:p>
             <a:fld id="{94718E82-1CFB-4163-A2D6-07BA16A5F6AC}" type="datetimeFigureOut">
               <a:rPr lang="en-US" smtClean="0"/>
-              <a:t>11/8/2015</a:t>
+              <a:t>4/2/2016</a:t>
             </a:fld>
             <a:endParaRPr lang="en-US"/>
           </a:p>
@@ -466,90 +463,6 @@
 </p:notesMaster>
 </file>
 
-<file path=ppt/notesSlides/notesSlide1.xml><?xml version="1.0" encoding="utf-8"?>
-<p:notes xmlns:a="http://schemas.openxmlformats.org/drawingml/2006/main" xmlns:r="http://schemas.openxmlformats.org/officeDocument/2006/relationships" xmlns:p="http://schemas.openxmlformats.org/presentationml/2006/main">
-  <p:cSld>
-    <p:spTree>
-      <p:nvGrpSpPr>
-        <p:cNvPr id="1" name=""/>
-        <p:cNvGrpSpPr/>
-        <p:nvPr/>
-      </p:nvGrpSpPr>
-      <p:grpSpPr>
-        <a:xfrm>
-          <a:off x="0" y="0"/>
-          <a:ext cx="0" cy="0"/>
-          <a:chOff x="0" y="0"/>
-          <a:chExt cx="0" cy="0"/>
-        </a:xfrm>
-      </p:grpSpPr>
-      <p:sp>
-        <p:nvSpPr>
-          <p:cNvPr id="2" name="Slide Image Placeholder 1"/>
-          <p:cNvSpPr>
-            <a:spLocks noGrp="1" noRot="1" noChangeAspect="1"/>
-          </p:cNvSpPr>
-          <p:nvPr>
-            <p:ph type="sldImg"/>
-          </p:nvPr>
-        </p:nvSpPr>
-        <p:spPr/>
-      </p:sp>
-      <p:sp>
-        <p:nvSpPr>
-          <p:cNvPr id="3" name="Notes Placeholder 2"/>
-          <p:cNvSpPr>
-            <a:spLocks noGrp="1"/>
-          </p:cNvSpPr>
-          <p:nvPr>
-            <p:ph type="body" idx="1"/>
-          </p:nvPr>
-        </p:nvSpPr>
-        <p:spPr/>
-        <p:txBody>
-          <a:bodyPr/>
-          <a:lstStyle/>
-          <a:p>
-            <a:endParaRPr lang="en-US" dirty="0"/>
-          </a:p>
-        </p:txBody>
-      </p:sp>
-      <p:sp>
-        <p:nvSpPr>
-          <p:cNvPr id="4" name="Slide Number Placeholder 3"/>
-          <p:cNvSpPr>
-            <a:spLocks noGrp="1"/>
-          </p:cNvSpPr>
-          <p:nvPr>
-            <p:ph type="sldNum" sz="quarter" idx="10"/>
-          </p:nvPr>
-        </p:nvSpPr>
-        <p:spPr/>
-        <p:txBody>
-          <a:bodyPr/>
-          <a:lstStyle/>
-          <a:p>
-            <a:fld id="{0E177312-6B81-4D25-B782-466B0B058A6E}" type="slidenum">
-              <a:rPr lang="en-US" smtClean="0"/>
-              <a:t>4</a:t>
-            </a:fld>
-            <a:endParaRPr lang="en-US"/>
-          </a:p>
-        </p:txBody>
-      </p:sp>
-    </p:spTree>
-    <p:extLst>
-      <p:ext uri="{BB962C8B-B14F-4D97-AF65-F5344CB8AC3E}">
-        <p14:creationId xmlns:p14="http://schemas.microsoft.com/office/powerpoint/2010/main" val="4087984915"/>
-      </p:ext>
-    </p:extLst>
-  </p:cSld>
-  <p:clrMapOvr>
-    <a:masterClrMapping/>
-  </p:clrMapOvr>
-</p:notes>
-</file>
-
 <file path=ppt/slideLayouts/slideLayout1.xml><?xml version="1.0" encoding="utf-8"?>
 <p:sldLayout xmlns:a="http://schemas.openxmlformats.org/drawingml/2006/main" xmlns:r="http://schemas.openxmlformats.org/officeDocument/2006/relationships" xmlns:p="http://schemas.openxmlformats.org/presentationml/2006/main" type="title" preserve="1">
   <p:cSld name="Title Slide">
@@ -731,7 +644,7 @@
           <a:p>
             <a:fld id="{00CF07E8-8F9E-4389-812A-7F17362C15DE}" type="datetimeFigureOut">
               <a:rPr lang="en-US" smtClean="0"/>
-              <a:t>11/8/2015</a:t>
+              <a:t>4/2/2016</a:t>
             </a:fld>
             <a:endParaRPr lang="en-US"/>
           </a:p>
@@ -908,7 +821,7 @@
           <a:p>
             <a:fld id="{00CF07E8-8F9E-4389-812A-7F17362C15DE}" type="datetimeFigureOut">
               <a:rPr lang="en-US" smtClean="0"/>
-              <a:t>11/8/2015</a:t>
+              <a:t>4/2/2016</a:t>
             </a:fld>
             <a:endParaRPr lang="en-US"/>
           </a:p>
@@ -1088,7 +1001,7 @@
           <a:p>
             <a:fld id="{00CF07E8-8F9E-4389-812A-7F17362C15DE}" type="datetimeFigureOut">
               <a:rPr lang="en-US" smtClean="0"/>
-              <a:t>11/8/2015</a:t>
+              <a:t>4/2/2016</a:t>
             </a:fld>
             <a:endParaRPr lang="en-US"/>
           </a:p>
@@ -1258,7 +1171,7 @@
           <a:p>
             <a:fld id="{00CF07E8-8F9E-4389-812A-7F17362C15DE}" type="datetimeFigureOut">
               <a:rPr lang="en-US" smtClean="0"/>
-              <a:t>11/8/2015</a:t>
+              <a:t>4/2/2016</a:t>
             </a:fld>
             <a:endParaRPr lang="en-US"/>
           </a:p>
@@ -1504,7 +1417,7 @@
           <a:p>
             <a:fld id="{00CF07E8-8F9E-4389-812A-7F17362C15DE}" type="datetimeFigureOut">
               <a:rPr lang="en-US" smtClean="0"/>
-              <a:t>11/8/2015</a:t>
+              <a:t>4/2/2016</a:t>
             </a:fld>
             <a:endParaRPr lang="en-US"/>
           </a:p>
@@ -1792,7 +1705,7 @@
           <a:p>
             <a:fld id="{00CF07E8-8F9E-4389-812A-7F17362C15DE}" type="datetimeFigureOut">
               <a:rPr lang="en-US" smtClean="0"/>
-              <a:t>11/8/2015</a:t>
+              <a:t>4/2/2016</a:t>
             </a:fld>
             <a:endParaRPr lang="en-US"/>
           </a:p>
@@ -2214,7 +2127,7 @@
           <a:p>
             <a:fld id="{00CF07E8-8F9E-4389-812A-7F17362C15DE}" type="datetimeFigureOut">
               <a:rPr lang="en-US" smtClean="0"/>
-              <a:t>11/8/2015</a:t>
+              <a:t>4/2/2016</a:t>
             </a:fld>
             <a:endParaRPr lang="en-US"/>
           </a:p>
@@ -2332,7 +2245,7 @@
           <a:p>
             <a:fld id="{00CF07E8-8F9E-4389-812A-7F17362C15DE}" type="datetimeFigureOut">
               <a:rPr lang="en-US" smtClean="0"/>
-              <a:t>11/8/2015</a:t>
+              <a:t>4/2/2016</a:t>
             </a:fld>
             <a:endParaRPr lang="en-US"/>
           </a:p>
@@ -2427,7 +2340,7 @@
           <a:p>
             <a:fld id="{00CF07E8-8F9E-4389-812A-7F17362C15DE}" type="datetimeFigureOut">
               <a:rPr lang="en-US" smtClean="0"/>
-              <a:t>11/8/2015</a:t>
+              <a:t>4/2/2016</a:t>
             </a:fld>
             <a:endParaRPr lang="en-US"/>
           </a:p>
@@ -2704,7 +2617,7 @@
           <a:p>
             <a:fld id="{00CF07E8-8F9E-4389-812A-7F17362C15DE}" type="datetimeFigureOut">
               <a:rPr lang="en-US" smtClean="0"/>
-              <a:t>11/8/2015</a:t>
+              <a:t>4/2/2016</a:t>
             </a:fld>
             <a:endParaRPr lang="en-US"/>
           </a:p>
@@ -2957,7 +2870,7 @@
           <a:p>
             <a:fld id="{00CF07E8-8F9E-4389-812A-7F17362C15DE}" type="datetimeFigureOut">
               <a:rPr lang="en-US" smtClean="0"/>
-              <a:t>11/8/2015</a:t>
+              <a:t>4/2/2016</a:t>
             </a:fld>
             <a:endParaRPr lang="en-US"/>
           </a:p>
@@ -3176,7 +3089,7 @@
           <a:p>
             <a:fld id="{00CF07E8-8F9E-4389-812A-7F17362C15DE}" type="datetimeFigureOut">
               <a:rPr lang="en-US" smtClean="0"/>
-              <a:t>11/8/2015</a:t>
+              <a:t>4/2/2016</a:t>
             </a:fld>
             <a:endParaRPr lang="en-US"/>
           </a:p>
@@ -3559,7 +3472,7 @@
         </p:nvGrpSpPr>
         <p:grpSpPr>
           <a:xfrm>
-            <a:off x="558985" y="1295400"/>
+            <a:off x="1549584" y="1295400"/>
             <a:ext cx="2184216" cy="1732310"/>
             <a:chOff x="5334000" y="1524000"/>
             <a:chExt cx="2209799" cy="1752600"/>
@@ -3780,7 +3693,7 @@
         </p:blipFill>
         <p:spPr bwMode="auto">
           <a:xfrm>
-            <a:off x="992620" y="3337047"/>
+            <a:off x="1983219" y="3337047"/>
             <a:ext cx="1316946" cy="1219200"/>
           </a:xfrm>
           <a:prstGeom prst="rect">
@@ -3806,7 +3719,7 @@
         </p:nvGrpSpPr>
         <p:grpSpPr>
           <a:xfrm>
-            <a:off x="3351036" y="1295400"/>
+            <a:off x="5334000" y="1295400"/>
             <a:ext cx="2184216" cy="1732310"/>
             <a:chOff x="5334000" y="1524000"/>
             <a:chExt cx="2209799" cy="1752600"/>
@@ -4058,285 +3971,7 @@
         </p:blipFill>
         <p:spPr bwMode="auto">
           <a:xfrm>
-            <a:off x="3784671" y="3337047"/>
-            <a:ext cx="1316946" cy="1219200"/>
-          </a:xfrm>
-          <a:prstGeom prst="rect">
-            <a:avLst/>
-          </a:prstGeom>
-          <a:noFill/>
-          <a:extLst>
-            <a:ext uri="{909E8E84-426E-40DD-AFC4-6F175D3DCCD1}">
-              <a14:hiddenFill xmlns:a14="http://schemas.microsoft.com/office/drawing/2010/main">
-                <a:solidFill>
-                  <a:srgbClr val="FFFFFF"/>
-                </a:solidFill>
-              </a14:hiddenFill>
-            </a:ext>
-          </a:extLst>
-        </p:spPr>
-      </p:pic>
-      <p:grpSp>
-        <p:nvGrpSpPr>
-          <p:cNvPr id="28" name="Shape 121"/>
-          <p:cNvGrpSpPr/>
-          <p:nvPr/>
-        </p:nvGrpSpPr>
-        <p:grpSpPr>
-          <a:xfrm>
-            <a:off x="6172200" y="1295400"/>
-            <a:ext cx="2184216" cy="1732310"/>
-            <a:chOff x="5334000" y="1524000"/>
-            <a:chExt cx="2209799" cy="1752600"/>
-          </a:xfrm>
-        </p:grpSpPr>
-        <p:sp>
-          <p:nvSpPr>
-            <p:cNvPr id="29" name="Shape 122"/>
-            <p:cNvSpPr/>
-            <p:nvPr/>
-          </p:nvSpPr>
-          <p:spPr>
-            <a:xfrm>
-              <a:off x="5334000" y="1524000"/>
-              <a:ext cx="2209799" cy="1752600"/>
-            </a:xfrm>
-            <a:prstGeom prst="roundRect">
-              <a:avLst>
-                <a:gd name="adj" fmla="val 7428"/>
-              </a:avLst>
-            </a:prstGeom>
-            <a:solidFill>
-              <a:schemeClr val="bg1">
-                <a:lumMod val="50000"/>
-              </a:schemeClr>
-            </a:solidFill>
-            <a:ln w="9525" cap="flat">
-              <a:solidFill>
-                <a:schemeClr val="lt1"/>
-              </a:solidFill>
-              <a:prstDash val="solid"/>
-              <a:round/>
-              <a:headEnd type="none" w="med" len="med"/>
-              <a:tailEnd type="none" w="med" len="med"/>
-            </a:ln>
-          </p:spPr>
-          <p:txBody>
-            <a:bodyPr lIns="91425" tIns="45700" rIns="91425" bIns="45700" anchor="ctr" anchorCtr="0">
-              <a:noAutofit/>
-            </a:bodyPr>
-            <a:lstStyle/>
-            <a:p>
-              <a:pPr marL="0" marR="0" lvl="0" indent="0" algn="ctr" rtl="0">
-                <a:spcBef>
-                  <a:spcPts val="0"/>
-                </a:spcBef>
-                <a:buNone/>
-              </a:pPr>
-              <a:endParaRPr sz="1600" b="0" i="0" u="none" strike="noStrike" cap="none" baseline="0" dirty="0">
-                <a:solidFill>
-                  <a:schemeClr val="lt1"/>
-                </a:solidFill>
-                <a:latin typeface="Verdana"/>
-                <a:ea typeface="Verdana"/>
-                <a:cs typeface="Verdana"/>
-                <a:sym typeface="Verdana"/>
-              </a:endParaRPr>
-            </a:p>
-          </p:txBody>
-        </p:sp>
-        <p:sp>
-          <p:nvSpPr>
-            <p:cNvPr id="30" name="Shape 123"/>
-            <p:cNvSpPr/>
-            <p:nvPr/>
-          </p:nvSpPr>
-          <p:spPr>
-            <a:xfrm>
-              <a:off x="5486400" y="1981200"/>
-              <a:ext cx="1904999" cy="1143000"/>
-            </a:xfrm>
-            <a:prstGeom prst="roundRect">
-              <a:avLst>
-                <a:gd name="adj" fmla="val 11667"/>
-              </a:avLst>
-            </a:prstGeom>
-            <a:solidFill>
-              <a:schemeClr val="bg1">
-                <a:lumMod val="85000"/>
-              </a:schemeClr>
-            </a:solidFill>
-            <a:ln w="9525" cap="flat">
-              <a:solidFill>
-                <a:srgbClr val="828689"/>
-              </a:solidFill>
-              <a:prstDash val="solid"/>
-              <a:round/>
-              <a:headEnd type="none" w="med" len="med"/>
-              <a:tailEnd type="none" w="med" len="med"/>
-            </a:ln>
-          </p:spPr>
-          <p:txBody>
-            <a:bodyPr lIns="91425" tIns="45700" rIns="91425" bIns="45700" anchor="ctr" anchorCtr="0">
-              <a:noAutofit/>
-            </a:bodyPr>
-            <a:lstStyle/>
-            <a:p>
-              <a:pPr marL="0" marR="0" lvl="0" indent="0" algn="ctr" rtl="0">
-                <a:spcBef>
-                  <a:spcPts val="0"/>
-                </a:spcBef>
-                <a:buNone/>
-              </a:pPr>
-              <a:endParaRPr sz="1600" b="0" i="0" u="none" strike="noStrike" cap="none" baseline="0" dirty="0">
-                <a:solidFill>
-                  <a:schemeClr val="lt1"/>
-                </a:solidFill>
-                <a:latin typeface="Verdana"/>
-                <a:ea typeface="Verdana"/>
-                <a:cs typeface="Verdana"/>
-                <a:sym typeface="Verdana"/>
-              </a:endParaRPr>
-            </a:p>
-          </p:txBody>
-        </p:sp>
-        <p:sp>
-          <p:nvSpPr>
-            <p:cNvPr id="31" name="Shape 124"/>
-            <p:cNvSpPr/>
-            <p:nvPr/>
-          </p:nvSpPr>
-          <p:spPr>
-            <a:xfrm>
-              <a:off x="6286500" y="2710735"/>
-              <a:ext cx="304799" cy="304799"/>
-            </a:xfrm>
-            <a:prstGeom prst="ellipse">
-              <a:avLst/>
-            </a:prstGeom>
-            <a:ln>
-              <a:headEnd type="none" w="med" len="med"/>
-              <a:tailEnd type="none" w="med" len="med"/>
-            </a:ln>
-          </p:spPr>
-          <p:style>
-            <a:lnRef idx="1">
-              <a:schemeClr val="accent2"/>
-            </a:lnRef>
-            <a:fillRef idx="3">
-              <a:schemeClr val="accent2"/>
-            </a:fillRef>
-            <a:effectRef idx="2">
-              <a:schemeClr val="accent2"/>
-            </a:effectRef>
-            <a:fontRef idx="minor">
-              <a:schemeClr val="lt1"/>
-            </a:fontRef>
-          </p:style>
-          <p:txBody>
-            <a:bodyPr lIns="91425" tIns="45700" rIns="91425" bIns="45700" anchor="ctr" anchorCtr="0">
-              <a:noAutofit/>
-            </a:bodyPr>
-            <a:lstStyle/>
-            <a:p>
-              <a:pPr marL="0" marR="0" lvl="0" indent="0" algn="ctr" rtl="0">
-                <a:spcBef>
-                  <a:spcPts val="0"/>
-                </a:spcBef>
-                <a:buNone/>
-              </a:pPr>
-              <a:endParaRPr sz="1600" b="0" i="0" u="none" strike="noStrike" cap="none" baseline="0" dirty="0">
-                <a:solidFill>
-                  <a:schemeClr val="lt1"/>
-                </a:solidFill>
-                <a:latin typeface="Verdana"/>
-                <a:ea typeface="Verdana"/>
-                <a:cs typeface="Verdana"/>
-                <a:sym typeface="Verdana"/>
-              </a:endParaRPr>
-            </a:p>
-          </p:txBody>
-        </p:sp>
-        <p:sp>
-          <p:nvSpPr>
-            <p:cNvPr id="32" name="Shape 125"/>
-            <p:cNvSpPr/>
-            <p:nvPr/>
-          </p:nvSpPr>
-          <p:spPr>
-            <a:xfrm>
-              <a:off x="6286500" y="2143127"/>
-              <a:ext cx="304799" cy="304799"/>
-            </a:xfrm>
-            <a:prstGeom prst="ellipse">
-              <a:avLst/>
-            </a:prstGeom>
-            <a:ln>
-              <a:headEnd type="none" w="med" len="med"/>
-              <a:tailEnd type="none" w="med" len="med"/>
-            </a:ln>
-          </p:spPr>
-          <p:style>
-            <a:lnRef idx="1">
-              <a:schemeClr val="accent2"/>
-            </a:lnRef>
-            <a:fillRef idx="3">
-              <a:schemeClr val="accent2"/>
-            </a:fillRef>
-            <a:effectRef idx="2">
-              <a:schemeClr val="accent2"/>
-            </a:effectRef>
-            <a:fontRef idx="minor">
-              <a:schemeClr val="lt1"/>
-            </a:fontRef>
-          </p:style>
-          <p:txBody>
-            <a:bodyPr lIns="91425" tIns="45700" rIns="91425" bIns="45700" anchor="ctr" anchorCtr="0">
-              <a:noAutofit/>
-            </a:bodyPr>
-            <a:lstStyle/>
-            <a:p>
-              <a:pPr marL="0" marR="0" lvl="0" indent="0" algn="ctr" rtl="0">
-                <a:spcBef>
-                  <a:spcPts val="0"/>
-                </a:spcBef>
-                <a:buNone/>
-              </a:pPr>
-              <a:endParaRPr sz="1600" b="0" i="0" u="none" strike="noStrike" cap="none" baseline="0" dirty="0">
-                <a:solidFill>
-                  <a:schemeClr val="lt1"/>
-                </a:solidFill>
-                <a:latin typeface="Verdana"/>
-                <a:ea typeface="Verdana"/>
-                <a:cs typeface="Verdana"/>
-                <a:sym typeface="Verdana"/>
-              </a:endParaRPr>
-            </a:p>
-          </p:txBody>
-        </p:sp>
-      </p:grpSp>
-      <p:pic>
-        <p:nvPicPr>
-          <p:cNvPr id="33" name="Picture 3" descr="E:\zyan\Paper\VR_3DUI\posters\3DUI2015\2014-12-28 13.32.36.jpg"/>
-          <p:cNvPicPr>
-            <a:picLocks noChangeAspect="1" noChangeArrowheads="1"/>
-          </p:cNvPicPr>
-          <p:nvPr/>
-        </p:nvPicPr>
-        <p:blipFill rotWithShape="1">
-          <a:blip r:embed="rId4" cstate="print">
-            <a:extLst>
-              <a:ext uri="{28A0092B-C50C-407E-A947-70E740481C1C}">
-                <a14:useLocalDpi xmlns:a14="http://schemas.microsoft.com/office/drawing/2010/main" val="0"/>
-              </a:ext>
-            </a:extLst>
-          </a:blip>
-          <a:srcRect t="17358" b="13209"/>
-          <a:stretch/>
-        </p:blipFill>
-        <p:spPr bwMode="auto">
-          <a:xfrm>
-            <a:off x="6605835" y="3337047"/>
+            <a:off x="5767635" y="3337047"/>
             <a:ext cx="1316946" cy="1219200"/>
           </a:xfrm>
           <a:prstGeom prst="rect">
@@ -4404,7 +4039,7 @@
         </p:nvSpPr>
         <p:spPr>
           <a:xfrm>
-            <a:off x="992620" y="4690670"/>
+            <a:off x="1983219" y="4690670"/>
             <a:ext cx="1316946" cy="646331"/>
           </a:xfrm>
           <a:prstGeom prst="rect">
@@ -4447,7 +4082,7 @@
         </p:nvSpPr>
         <p:spPr>
           <a:xfrm>
-            <a:off x="3795443" y="4690670"/>
+            <a:off x="5778407" y="4690670"/>
             <a:ext cx="1306173" cy="646331"/>
           </a:xfrm>
           <a:prstGeom prst="rect">
@@ -4471,49 +4106,6 @@
                 <a:cs typeface="Arial" panose="020B0604020202020204" pitchFamily="34" charset="0"/>
               </a:rPr>
               <a:t>Segway Mode</a:t>
-            </a:r>
-            <a:endParaRPr lang="en-US" b="1" dirty="0">
-              <a:solidFill>
-                <a:schemeClr val="bg1"/>
-              </a:solidFill>
-              <a:latin typeface="Arial" panose="020B0604020202020204" pitchFamily="34" charset="0"/>
-              <a:cs typeface="Arial" panose="020B0604020202020204" pitchFamily="34" charset="0"/>
-            </a:endParaRPr>
-          </a:p>
-        </p:txBody>
-      </p:sp>
-      <p:sp>
-        <p:nvSpPr>
-          <p:cNvPr id="37" name="TextBox 36"/>
-          <p:cNvSpPr txBox="1"/>
-          <p:nvPr/>
-        </p:nvSpPr>
-        <p:spPr>
-          <a:xfrm>
-            <a:off x="6605835" y="4690670"/>
-            <a:ext cx="1316946" cy="646331"/>
-          </a:xfrm>
-          <a:prstGeom prst="rect">
-            <a:avLst/>
-          </a:prstGeom>
-          <a:noFill/>
-        </p:spPr>
-        <p:txBody>
-          <a:bodyPr wrap="square" rtlCol="0">
-            <a:spAutoFit/>
-          </a:bodyPr>
-          <a:lstStyle/>
-          <a:p>
-            <a:pPr algn="ctr"/>
-            <a:r>
-              <a:rPr lang="en-US" b="1" dirty="0" smtClean="0">
-                <a:solidFill>
-                  <a:schemeClr val="bg1"/>
-                </a:solidFill>
-                <a:latin typeface="Arial" panose="020B0604020202020204" pitchFamily="34" charset="0"/>
-                <a:cs typeface="Arial" panose="020B0604020202020204" pitchFamily="34" charset="0"/>
-              </a:rPr>
-              <a:t>Surfing Mode</a:t>
             </a:r>
             <a:endParaRPr lang="en-US" b="1" dirty="0">
               <a:solidFill>
@@ -7348,14 +6940,14 @@
       </p:grpSpPr>
       <p:sp>
         <p:nvSpPr>
-          <p:cNvPr id="13" name="TextBox 12"/>
+          <p:cNvPr id="6" name="TextBox 5"/>
           <p:cNvSpPr txBox="1"/>
           <p:nvPr/>
         </p:nvSpPr>
         <p:spPr>
           <a:xfrm>
-            <a:off x="658603" y="351684"/>
-            <a:ext cx="3130388" cy="461665"/>
+            <a:off x="1124857" y="5867400"/>
+            <a:ext cx="6781800" cy="646331"/>
           </a:xfrm>
           <a:prstGeom prst="rect">
             <a:avLst/>
@@ -7368,924 +6960,26 @@
           </a:bodyPr>
           <a:lstStyle/>
           <a:p>
-            <a:r>
-              <a:rPr lang="en-US" sz="2400" b="1" dirty="0" smtClean="0">
+            <a:pPr marL="285750" indent="-285750">
+              <a:buFont typeface="Arial" panose="020B0604020202020204" pitchFamily="34" charset="0"/>
+              <a:buChar char="•"/>
+            </a:pPr>
+            <a:r>
+              <a:rPr lang="en-US" b="1" dirty="0" smtClean="0">
                 <a:solidFill>
                   <a:schemeClr val="bg1"/>
                 </a:solidFill>
                 <a:latin typeface="Arial" panose="020B0604020202020204" pitchFamily="34" charset="0"/>
                 <a:cs typeface="Arial" panose="020B0604020202020204" pitchFamily="34" charset="0"/>
               </a:rPr>
-              <a:t>       Surfing Mode</a:t>
-            </a:r>
-            <a:endParaRPr lang="en-US" sz="2400" b="1" dirty="0">
-              <a:solidFill>
-                <a:schemeClr val="bg1"/>
-              </a:solidFill>
-              <a:latin typeface="Arial" panose="020B0604020202020204" pitchFamily="34" charset="0"/>
-              <a:cs typeface="Arial" panose="020B0604020202020204" pitchFamily="34" charset="0"/>
-            </a:endParaRPr>
-          </a:p>
-        </p:txBody>
-      </p:sp>
-      <p:grpSp>
-        <p:nvGrpSpPr>
-          <p:cNvPr id="14" name="Shape 121"/>
-          <p:cNvGrpSpPr/>
-          <p:nvPr/>
-        </p:nvGrpSpPr>
-        <p:grpSpPr>
-          <a:xfrm>
-            <a:off x="545089" y="394495"/>
-            <a:ext cx="548640" cy="429768"/>
-            <a:chOff x="5334000" y="1524000"/>
-            <a:chExt cx="2209799" cy="1752600"/>
-          </a:xfrm>
-        </p:grpSpPr>
-        <p:sp>
-          <p:nvSpPr>
-            <p:cNvPr id="21" name="Shape 122"/>
-            <p:cNvSpPr/>
-            <p:nvPr/>
-          </p:nvSpPr>
-          <p:spPr>
-            <a:xfrm>
-              <a:off x="5334000" y="1524000"/>
-              <a:ext cx="2209799" cy="1752600"/>
-            </a:xfrm>
-            <a:prstGeom prst="roundRect">
-              <a:avLst>
-                <a:gd name="adj" fmla="val 7428"/>
-              </a:avLst>
-            </a:prstGeom>
-            <a:solidFill>
-              <a:schemeClr val="bg1">
-                <a:lumMod val="50000"/>
-              </a:schemeClr>
-            </a:solidFill>
-            <a:ln w="9525" cap="flat">
-              <a:solidFill>
-                <a:schemeClr val="lt1"/>
-              </a:solidFill>
-              <a:prstDash val="solid"/>
-              <a:round/>
-              <a:headEnd type="none" w="med" len="med"/>
-              <a:tailEnd type="none" w="med" len="med"/>
-            </a:ln>
-          </p:spPr>
-          <p:txBody>
-            <a:bodyPr lIns="91425" tIns="45700" rIns="91425" bIns="45700" anchor="ctr" anchorCtr="0">
-              <a:noAutofit/>
-            </a:bodyPr>
-            <a:lstStyle/>
-            <a:p>
-              <a:pPr marL="0" marR="0" lvl="0" indent="0" algn="ctr" rtl="0">
-                <a:spcBef>
-                  <a:spcPts val="0"/>
-                </a:spcBef>
-                <a:buNone/>
-              </a:pPr>
-              <a:endParaRPr sz="1600" b="0" i="0" u="none" strike="noStrike" cap="none" baseline="0" dirty="0">
-                <a:solidFill>
-                  <a:schemeClr val="lt1"/>
-                </a:solidFill>
-                <a:latin typeface="Verdana"/>
-                <a:ea typeface="Verdana"/>
-                <a:cs typeface="Verdana"/>
-                <a:sym typeface="Verdana"/>
-              </a:endParaRPr>
-            </a:p>
-          </p:txBody>
-        </p:sp>
-        <p:sp>
-          <p:nvSpPr>
-            <p:cNvPr id="22" name="Shape 123"/>
-            <p:cNvSpPr/>
-            <p:nvPr/>
-          </p:nvSpPr>
-          <p:spPr>
-            <a:xfrm>
-              <a:off x="5486400" y="1981200"/>
-              <a:ext cx="1904999" cy="1143000"/>
-            </a:xfrm>
-            <a:prstGeom prst="roundRect">
-              <a:avLst>
-                <a:gd name="adj" fmla="val 11667"/>
-              </a:avLst>
-            </a:prstGeom>
-            <a:solidFill>
-              <a:schemeClr val="bg1">
-                <a:lumMod val="85000"/>
-              </a:schemeClr>
-            </a:solidFill>
-            <a:ln w="9525" cap="flat">
-              <a:solidFill>
-                <a:srgbClr val="828689"/>
-              </a:solidFill>
-              <a:prstDash val="solid"/>
-              <a:round/>
-              <a:headEnd type="none" w="med" len="med"/>
-              <a:tailEnd type="none" w="med" len="med"/>
-            </a:ln>
-          </p:spPr>
-          <p:txBody>
-            <a:bodyPr lIns="91425" tIns="45700" rIns="91425" bIns="45700" anchor="ctr" anchorCtr="0">
-              <a:noAutofit/>
-            </a:bodyPr>
-            <a:lstStyle/>
-            <a:p>
-              <a:pPr marL="0" marR="0" lvl="0" indent="0" algn="ctr" rtl="0">
-                <a:spcBef>
-                  <a:spcPts val="0"/>
-                </a:spcBef>
-                <a:buNone/>
-              </a:pPr>
-              <a:endParaRPr sz="1600" b="0" i="0" u="none" strike="noStrike" cap="none" baseline="0" dirty="0">
-                <a:solidFill>
-                  <a:schemeClr val="lt1"/>
-                </a:solidFill>
-                <a:latin typeface="Verdana"/>
-                <a:ea typeface="Verdana"/>
-                <a:cs typeface="Verdana"/>
-                <a:sym typeface="Verdana"/>
-              </a:endParaRPr>
-            </a:p>
-          </p:txBody>
-        </p:sp>
-        <p:sp>
-          <p:nvSpPr>
-            <p:cNvPr id="23" name="Shape 124"/>
-            <p:cNvSpPr/>
-            <p:nvPr/>
-          </p:nvSpPr>
-          <p:spPr>
-            <a:xfrm>
-              <a:off x="6286500" y="2710735"/>
-              <a:ext cx="304799" cy="304799"/>
-            </a:xfrm>
-            <a:prstGeom prst="ellipse">
-              <a:avLst/>
-            </a:prstGeom>
-            <a:ln>
-              <a:headEnd type="none" w="med" len="med"/>
-              <a:tailEnd type="none" w="med" len="med"/>
-            </a:ln>
-          </p:spPr>
-          <p:style>
-            <a:lnRef idx="1">
-              <a:schemeClr val="accent2"/>
-            </a:lnRef>
-            <a:fillRef idx="3">
-              <a:schemeClr val="accent2"/>
-            </a:fillRef>
-            <a:effectRef idx="2">
-              <a:schemeClr val="accent2"/>
-            </a:effectRef>
-            <a:fontRef idx="minor">
-              <a:schemeClr val="lt1"/>
-            </a:fontRef>
-          </p:style>
-          <p:txBody>
-            <a:bodyPr lIns="91425" tIns="45700" rIns="91425" bIns="45700" anchor="ctr" anchorCtr="0">
-              <a:noAutofit/>
-            </a:bodyPr>
-            <a:lstStyle/>
-            <a:p>
-              <a:pPr marL="0" marR="0" lvl="0" indent="0" algn="ctr" rtl="0">
-                <a:spcBef>
-                  <a:spcPts val="0"/>
-                </a:spcBef>
-                <a:buNone/>
-              </a:pPr>
-              <a:endParaRPr sz="1600" b="0" i="0" u="none" strike="noStrike" cap="none" baseline="0" dirty="0">
-                <a:solidFill>
-                  <a:schemeClr val="lt1"/>
-                </a:solidFill>
-                <a:latin typeface="Verdana"/>
-                <a:ea typeface="Verdana"/>
-                <a:cs typeface="Verdana"/>
-                <a:sym typeface="Verdana"/>
-              </a:endParaRPr>
-            </a:p>
-          </p:txBody>
-        </p:sp>
-        <p:sp>
-          <p:nvSpPr>
-            <p:cNvPr id="24" name="Shape 125"/>
-            <p:cNvSpPr/>
-            <p:nvPr/>
-          </p:nvSpPr>
-          <p:spPr>
-            <a:xfrm>
-              <a:off x="6286500" y="2143127"/>
-              <a:ext cx="304799" cy="304799"/>
-            </a:xfrm>
-            <a:prstGeom prst="ellipse">
-              <a:avLst/>
-            </a:prstGeom>
-            <a:ln>
-              <a:headEnd type="none" w="med" len="med"/>
-              <a:tailEnd type="none" w="med" len="med"/>
-            </a:ln>
-          </p:spPr>
-          <p:style>
-            <a:lnRef idx="1">
-              <a:schemeClr val="accent2"/>
-            </a:lnRef>
-            <a:fillRef idx="3">
-              <a:schemeClr val="accent2"/>
-            </a:fillRef>
-            <a:effectRef idx="2">
-              <a:schemeClr val="accent2"/>
-            </a:effectRef>
-            <a:fontRef idx="minor">
-              <a:schemeClr val="lt1"/>
-            </a:fontRef>
-          </p:style>
-          <p:txBody>
-            <a:bodyPr lIns="91425" tIns="45700" rIns="91425" bIns="45700" anchor="ctr" anchorCtr="0">
-              <a:noAutofit/>
-            </a:bodyPr>
-            <a:lstStyle/>
-            <a:p>
-              <a:pPr marL="0" marR="0" lvl="0" indent="0" algn="ctr" rtl="0">
-                <a:spcBef>
-                  <a:spcPts val="0"/>
-                </a:spcBef>
-                <a:buNone/>
-              </a:pPr>
-              <a:endParaRPr sz="1600" b="0" i="0" u="none" strike="noStrike" cap="none" baseline="0" dirty="0">
-                <a:solidFill>
-                  <a:schemeClr val="lt1"/>
-                </a:solidFill>
-                <a:latin typeface="Verdana"/>
-                <a:ea typeface="Verdana"/>
-                <a:cs typeface="Verdana"/>
-                <a:sym typeface="Verdana"/>
-              </a:endParaRPr>
-            </a:p>
-          </p:txBody>
-        </p:sp>
-      </p:grpSp>
-      <p:grpSp>
-        <p:nvGrpSpPr>
-          <p:cNvPr id="25" name="Group 24"/>
-          <p:cNvGrpSpPr/>
-          <p:nvPr/>
-        </p:nvGrpSpPr>
-        <p:grpSpPr>
-          <a:xfrm>
-            <a:off x="914400" y="1143000"/>
-            <a:ext cx="2743200" cy="2194560"/>
-            <a:chOff x="16979918" y="9128609"/>
-            <a:chExt cx="4313447" cy="3421012"/>
-          </a:xfrm>
-        </p:grpSpPr>
-        <p:sp>
-          <p:nvSpPr>
-            <p:cNvPr id="26" name="Shape 122"/>
-            <p:cNvSpPr/>
-            <p:nvPr/>
-          </p:nvSpPr>
-          <p:spPr>
-            <a:xfrm>
-              <a:off x="16979918" y="9128609"/>
-              <a:ext cx="4313447" cy="3421012"/>
-            </a:xfrm>
-            <a:prstGeom prst="roundRect">
-              <a:avLst>
-                <a:gd name="adj" fmla="val 7428"/>
-              </a:avLst>
-            </a:prstGeom>
-            <a:solidFill>
-              <a:schemeClr val="bg1">
-                <a:lumMod val="50000"/>
-              </a:schemeClr>
-            </a:solidFill>
-            <a:ln w="9525" cap="flat">
-              <a:solidFill>
-                <a:schemeClr val="lt1"/>
-              </a:solidFill>
-              <a:prstDash val="solid"/>
-              <a:round/>
-              <a:headEnd type="none" w="med" len="med"/>
-              <a:tailEnd type="none" w="med" len="med"/>
-            </a:ln>
-          </p:spPr>
-          <p:txBody>
-            <a:bodyPr lIns="91425" tIns="45700" rIns="91425" bIns="45700" anchor="ctr" anchorCtr="0">
-              <a:noAutofit/>
-            </a:bodyPr>
-            <a:lstStyle/>
-            <a:p>
-              <a:pPr marL="0" marR="0" lvl="0" indent="0" algn="ctr" rtl="0">
-                <a:spcBef>
-                  <a:spcPts val="0"/>
-                </a:spcBef>
-                <a:buNone/>
-              </a:pPr>
-              <a:endParaRPr sz="1600" b="0" i="0" u="none" strike="noStrike" cap="none" baseline="0">
-                <a:solidFill>
-                  <a:schemeClr val="lt1"/>
-                </a:solidFill>
-                <a:latin typeface="Verdana"/>
-                <a:ea typeface="Verdana"/>
-                <a:cs typeface="Verdana"/>
-                <a:sym typeface="Verdana"/>
-              </a:endParaRPr>
-            </a:p>
-          </p:txBody>
-        </p:sp>
-        <p:sp>
-          <p:nvSpPr>
-            <p:cNvPr id="27" name="Shape 123"/>
-            <p:cNvSpPr/>
-            <p:nvPr/>
-          </p:nvSpPr>
-          <p:spPr>
-            <a:xfrm>
-              <a:off x="17277397" y="10021047"/>
-              <a:ext cx="3718489" cy="2231095"/>
-            </a:xfrm>
-            <a:prstGeom prst="roundRect">
-              <a:avLst>
-                <a:gd name="adj" fmla="val 11667"/>
-              </a:avLst>
-            </a:prstGeom>
-            <a:solidFill>
-              <a:schemeClr val="bg1">
-                <a:lumMod val="85000"/>
-              </a:schemeClr>
-            </a:solidFill>
-            <a:ln w="9525" cap="flat">
-              <a:solidFill>
-                <a:srgbClr val="828689"/>
-              </a:solidFill>
-              <a:prstDash val="solid"/>
-              <a:round/>
-              <a:headEnd type="none" w="med" len="med"/>
-              <a:tailEnd type="none" w="med" len="med"/>
-            </a:ln>
-          </p:spPr>
-          <p:txBody>
-            <a:bodyPr lIns="91425" tIns="45700" rIns="91425" bIns="45700" anchor="ctr" anchorCtr="0">
-              <a:noAutofit/>
-            </a:bodyPr>
-            <a:lstStyle/>
-            <a:p>
-              <a:pPr marL="0" marR="0" lvl="0" indent="0" algn="ctr" rtl="0">
-                <a:spcBef>
-                  <a:spcPts val="0"/>
-                </a:spcBef>
-                <a:buNone/>
-              </a:pPr>
-              <a:endParaRPr sz="1600" b="0" i="0" u="none" strike="noStrike" cap="none" baseline="0">
-                <a:solidFill>
-                  <a:schemeClr val="lt1"/>
-                </a:solidFill>
-                <a:latin typeface="Verdana"/>
-                <a:ea typeface="Verdana"/>
-                <a:cs typeface="Verdana"/>
-                <a:sym typeface="Verdana"/>
-              </a:endParaRPr>
-            </a:p>
-          </p:txBody>
-        </p:sp>
-        <p:sp>
-          <p:nvSpPr>
-            <p:cNvPr id="30" name="Shape 124"/>
-            <p:cNvSpPr/>
-            <p:nvPr/>
-          </p:nvSpPr>
-          <p:spPr>
-            <a:xfrm>
-              <a:off x="18895527" y="11097696"/>
-              <a:ext cx="594958" cy="594958"/>
-            </a:xfrm>
-            <a:prstGeom prst="ellipse">
-              <a:avLst/>
-            </a:prstGeom>
-            <a:ln>
-              <a:headEnd type="none" w="med" len="med"/>
-              <a:tailEnd type="none" w="med" len="med"/>
-            </a:ln>
-          </p:spPr>
-          <p:style>
-            <a:lnRef idx="1">
-              <a:schemeClr val="accent2"/>
-            </a:lnRef>
-            <a:fillRef idx="3">
-              <a:schemeClr val="accent2"/>
-            </a:fillRef>
-            <a:effectRef idx="2">
-              <a:schemeClr val="accent2"/>
-            </a:effectRef>
-            <a:fontRef idx="minor">
-              <a:schemeClr val="lt1"/>
-            </a:fontRef>
-          </p:style>
-          <p:txBody>
-            <a:bodyPr lIns="91425" tIns="45700" rIns="91425" bIns="45700" anchor="ctr" anchorCtr="0">
-              <a:noAutofit/>
-            </a:bodyPr>
-            <a:lstStyle/>
-            <a:p>
-              <a:pPr marL="0" marR="0" lvl="0" indent="0" algn="ctr" rtl="0">
-                <a:spcBef>
-                  <a:spcPts val="0"/>
-                </a:spcBef>
-                <a:buNone/>
-              </a:pPr>
-              <a:endParaRPr sz="1600" b="0" i="0" u="none" strike="noStrike" cap="none" baseline="0">
-                <a:solidFill>
-                  <a:schemeClr val="lt1"/>
-                </a:solidFill>
-                <a:latin typeface="Verdana"/>
-                <a:ea typeface="Verdana"/>
-                <a:cs typeface="Verdana"/>
-                <a:sym typeface="Verdana"/>
-              </a:endParaRPr>
-            </a:p>
-          </p:txBody>
-        </p:sp>
-        <p:sp>
-          <p:nvSpPr>
-            <p:cNvPr id="31" name="Shape 125"/>
-            <p:cNvSpPr/>
-            <p:nvPr/>
-          </p:nvSpPr>
-          <p:spPr>
-            <a:xfrm>
-              <a:off x="18883653" y="10211738"/>
-              <a:ext cx="594958" cy="594958"/>
-            </a:xfrm>
-            <a:prstGeom prst="ellipse">
-              <a:avLst/>
-            </a:prstGeom>
-            <a:ln>
-              <a:headEnd type="none" w="med" len="med"/>
-              <a:tailEnd type="none" w="med" len="med"/>
-            </a:ln>
-          </p:spPr>
-          <p:style>
-            <a:lnRef idx="1">
-              <a:schemeClr val="accent2"/>
-            </a:lnRef>
-            <a:fillRef idx="2">
-              <a:schemeClr val="accent2"/>
-            </a:fillRef>
-            <a:effectRef idx="1">
-              <a:schemeClr val="accent2"/>
-            </a:effectRef>
-            <a:fontRef idx="minor">
-              <a:schemeClr val="dk1"/>
-            </a:fontRef>
-          </p:style>
-          <p:txBody>
-            <a:bodyPr lIns="91425" tIns="45700" rIns="91425" bIns="45700" anchor="ctr" anchorCtr="0">
-              <a:noAutofit/>
-            </a:bodyPr>
-            <a:lstStyle/>
-            <a:p>
-              <a:pPr marL="0" marR="0" lvl="0" indent="0" algn="ctr" rtl="0">
-                <a:spcBef>
-                  <a:spcPts val="0"/>
-                </a:spcBef>
-                <a:buNone/>
-              </a:pPr>
-              <a:endParaRPr sz="1600" b="0" i="0" u="none" strike="noStrike" cap="none" baseline="0">
-                <a:solidFill>
-                  <a:schemeClr val="lt1"/>
-                </a:solidFill>
-                <a:latin typeface="Verdana"/>
-                <a:ea typeface="Verdana"/>
-                <a:cs typeface="Verdana"/>
-                <a:sym typeface="Verdana"/>
-              </a:endParaRPr>
-            </a:p>
-          </p:txBody>
-        </p:sp>
-        <p:cxnSp>
-          <p:nvCxnSpPr>
-            <p:cNvPr id="34" name="Straight Arrow Connector 33"/>
-            <p:cNvCxnSpPr/>
-            <p:nvPr/>
-          </p:nvCxnSpPr>
-          <p:spPr>
-            <a:xfrm>
-              <a:off x="19184275" y="10447414"/>
-              <a:ext cx="7566" cy="957365"/>
-            </a:xfrm>
-            <a:prstGeom prst="straightConnector1">
-              <a:avLst/>
-            </a:prstGeom>
-            <a:ln w="38100">
-              <a:headEnd type="triangle"/>
-              <a:tailEnd type="triangle"/>
-            </a:ln>
-          </p:spPr>
-          <p:style>
-            <a:lnRef idx="2">
-              <a:schemeClr val="dk1"/>
-            </a:lnRef>
-            <a:fillRef idx="0">
-              <a:schemeClr val="dk1"/>
-            </a:fillRef>
-            <a:effectRef idx="1">
-              <a:schemeClr val="dk1"/>
-            </a:effectRef>
-            <a:fontRef idx="minor">
-              <a:schemeClr val="tx1"/>
-            </a:fontRef>
-          </p:style>
-        </p:cxnSp>
-      </p:grpSp>
-      <p:grpSp>
-        <p:nvGrpSpPr>
-          <p:cNvPr id="36" name="Group 35"/>
-          <p:cNvGrpSpPr/>
-          <p:nvPr/>
-        </p:nvGrpSpPr>
-        <p:grpSpPr>
-          <a:xfrm>
-            <a:off x="5033055" y="1143000"/>
-            <a:ext cx="2743200" cy="2194560"/>
-            <a:chOff x="16979918" y="9128609"/>
-            <a:chExt cx="4313447" cy="3421012"/>
-          </a:xfrm>
-        </p:grpSpPr>
-        <p:sp>
-          <p:nvSpPr>
-            <p:cNvPr id="37" name="Shape 122"/>
-            <p:cNvSpPr/>
-            <p:nvPr/>
-          </p:nvSpPr>
-          <p:spPr>
-            <a:xfrm>
-              <a:off x="16979918" y="9128609"/>
-              <a:ext cx="4313447" cy="3421012"/>
-            </a:xfrm>
-            <a:prstGeom prst="roundRect">
-              <a:avLst>
-                <a:gd name="adj" fmla="val 7428"/>
-              </a:avLst>
-            </a:prstGeom>
-            <a:solidFill>
-              <a:schemeClr val="bg1">
-                <a:lumMod val="50000"/>
-              </a:schemeClr>
-            </a:solidFill>
-            <a:ln w="9525" cap="flat">
-              <a:solidFill>
-                <a:schemeClr val="lt1"/>
-              </a:solidFill>
-              <a:prstDash val="solid"/>
-              <a:round/>
-              <a:headEnd type="none" w="med" len="med"/>
-              <a:tailEnd type="none" w="med" len="med"/>
-            </a:ln>
-          </p:spPr>
-          <p:txBody>
-            <a:bodyPr lIns="91425" tIns="45700" rIns="91425" bIns="45700" anchor="ctr" anchorCtr="0">
-              <a:noAutofit/>
-            </a:bodyPr>
-            <a:lstStyle/>
-            <a:p>
-              <a:pPr marL="0" marR="0" lvl="0" indent="0" algn="ctr" rtl="0">
-                <a:spcBef>
-                  <a:spcPts val="0"/>
-                </a:spcBef>
-                <a:buNone/>
-              </a:pPr>
-              <a:endParaRPr sz="1600" b="0" i="0" u="none" strike="noStrike" cap="none" baseline="0">
-                <a:solidFill>
-                  <a:schemeClr val="lt1"/>
-                </a:solidFill>
-                <a:latin typeface="Verdana"/>
-                <a:ea typeface="Verdana"/>
-                <a:cs typeface="Verdana"/>
-                <a:sym typeface="Verdana"/>
-              </a:endParaRPr>
-            </a:p>
-          </p:txBody>
-        </p:sp>
-        <p:sp>
-          <p:nvSpPr>
-            <p:cNvPr id="38" name="Shape 123"/>
-            <p:cNvSpPr/>
-            <p:nvPr/>
-          </p:nvSpPr>
-          <p:spPr>
-            <a:xfrm>
-              <a:off x="17277397" y="10021047"/>
-              <a:ext cx="3718489" cy="2231095"/>
-            </a:xfrm>
-            <a:prstGeom prst="roundRect">
-              <a:avLst>
-                <a:gd name="adj" fmla="val 11667"/>
-              </a:avLst>
-            </a:prstGeom>
-            <a:solidFill>
-              <a:schemeClr val="bg1">
-                <a:lumMod val="85000"/>
-              </a:schemeClr>
-            </a:solidFill>
-            <a:ln w="9525" cap="flat">
-              <a:solidFill>
-                <a:srgbClr val="828689"/>
-              </a:solidFill>
-              <a:prstDash val="solid"/>
-              <a:round/>
-              <a:headEnd type="none" w="med" len="med"/>
-              <a:tailEnd type="none" w="med" len="med"/>
-            </a:ln>
-          </p:spPr>
-          <p:txBody>
-            <a:bodyPr lIns="91425" tIns="45700" rIns="91425" bIns="45700" anchor="ctr" anchorCtr="0">
-              <a:noAutofit/>
-            </a:bodyPr>
-            <a:lstStyle/>
-            <a:p>
-              <a:pPr marL="0" marR="0" lvl="0" indent="0" algn="ctr" rtl="0">
-                <a:spcBef>
-                  <a:spcPts val="0"/>
-                </a:spcBef>
-                <a:buNone/>
-              </a:pPr>
-              <a:endParaRPr sz="1600" b="0" i="0" u="none" strike="noStrike" cap="none" baseline="0">
-                <a:solidFill>
-                  <a:schemeClr val="lt1"/>
-                </a:solidFill>
-                <a:latin typeface="Verdana"/>
-                <a:ea typeface="Verdana"/>
-                <a:cs typeface="Verdana"/>
-                <a:sym typeface="Verdana"/>
-              </a:endParaRPr>
-            </a:p>
-          </p:txBody>
-        </p:sp>
-        <p:sp>
-          <p:nvSpPr>
-            <p:cNvPr id="41" name="Shape 124"/>
-            <p:cNvSpPr/>
-            <p:nvPr/>
-          </p:nvSpPr>
-          <p:spPr>
-            <a:xfrm>
-              <a:off x="18216655" y="10293004"/>
-              <a:ext cx="594958" cy="594958"/>
-            </a:xfrm>
-            <a:prstGeom prst="ellipse">
-              <a:avLst/>
-            </a:prstGeom>
-            <a:gradFill>
-              <a:gsLst>
-                <a:gs pos="0">
-                  <a:srgbClr val="FE304B"/>
-                </a:gs>
-                <a:gs pos="76000">
-                  <a:srgbClr val="AC192D"/>
-                </a:gs>
-                <a:gs pos="100000">
-                  <a:srgbClr val="9A1527"/>
-                </a:gs>
-              </a:gsLst>
-              <a:path path="circle">
-                <a:fillToRect r="100000" b="100000"/>
-              </a:path>
-              <a:tileRect l="-100000" t="-100000"/>
-            </a:gradFill>
-            <a:ln w="9525" cap="flat">
-              <a:solidFill>
-                <a:schemeClr val="accent1"/>
-              </a:solidFill>
-              <a:prstDash val="solid"/>
-              <a:round/>
-              <a:headEnd type="none" w="med" len="med"/>
-              <a:tailEnd type="none" w="med" len="med"/>
-            </a:ln>
-          </p:spPr>
-          <p:txBody>
-            <a:bodyPr lIns="91425" tIns="45700" rIns="91425" bIns="45700" anchor="ctr" anchorCtr="0">
-              <a:noAutofit/>
-            </a:bodyPr>
-            <a:lstStyle/>
-            <a:p>
-              <a:pPr marL="0" marR="0" lvl="0" indent="0" algn="ctr" rtl="0">
-                <a:spcBef>
-                  <a:spcPts val="0"/>
-                </a:spcBef>
-                <a:buNone/>
-              </a:pPr>
-              <a:endParaRPr sz="1600" b="0" i="0" u="none" strike="noStrike" cap="none" baseline="0">
-                <a:solidFill>
-                  <a:schemeClr val="lt1"/>
-                </a:solidFill>
-                <a:latin typeface="Verdana"/>
-                <a:ea typeface="Verdana"/>
-                <a:cs typeface="Verdana"/>
-                <a:sym typeface="Verdana"/>
-              </a:endParaRPr>
-            </a:p>
-          </p:txBody>
-        </p:sp>
-        <p:sp>
-          <p:nvSpPr>
-            <p:cNvPr id="42" name="Shape 125"/>
-            <p:cNvSpPr/>
-            <p:nvPr/>
-          </p:nvSpPr>
-          <p:spPr>
-            <a:xfrm>
-              <a:off x="18839163" y="11222537"/>
-              <a:ext cx="594958" cy="594958"/>
-            </a:xfrm>
-            <a:prstGeom prst="ellipse">
-              <a:avLst/>
-            </a:prstGeom>
-            <a:gradFill>
-              <a:gsLst>
-                <a:gs pos="0">
-                  <a:srgbClr val="FE304B"/>
-                </a:gs>
-                <a:gs pos="76000">
-                  <a:srgbClr val="AC192D"/>
-                </a:gs>
-                <a:gs pos="100000">
-                  <a:srgbClr val="9A1527"/>
-                </a:gs>
-              </a:gsLst>
-              <a:path path="circle">
-                <a:fillToRect r="100000" b="100000"/>
-              </a:path>
-              <a:tileRect l="-100000" t="-100000"/>
-            </a:gradFill>
-            <a:ln w="9525" cap="flat">
-              <a:solidFill>
-                <a:schemeClr val="accent1"/>
-              </a:solidFill>
-              <a:prstDash val="solid"/>
-              <a:round/>
-              <a:headEnd type="none" w="med" len="med"/>
-              <a:tailEnd type="none" w="med" len="med"/>
-            </a:ln>
-          </p:spPr>
-          <p:txBody>
-            <a:bodyPr lIns="91425" tIns="45700" rIns="91425" bIns="45700" anchor="ctr" anchorCtr="0">
-              <a:noAutofit/>
-            </a:bodyPr>
-            <a:lstStyle/>
-            <a:p>
-              <a:pPr marL="0" marR="0" lvl="0" indent="0" algn="ctr" rtl="0">
-                <a:spcBef>
-                  <a:spcPts val="0"/>
-                </a:spcBef>
-                <a:buNone/>
-              </a:pPr>
-              <a:endParaRPr sz="1600" b="0" i="0" u="none" strike="noStrike" cap="none" baseline="0">
-                <a:solidFill>
-                  <a:schemeClr val="lt1"/>
-                </a:solidFill>
-                <a:latin typeface="Verdana"/>
-                <a:ea typeface="Verdana"/>
-                <a:cs typeface="Verdana"/>
-                <a:sym typeface="Verdana"/>
-              </a:endParaRPr>
-            </a:p>
-          </p:txBody>
-        </p:sp>
-        <p:sp>
-          <p:nvSpPr>
-            <p:cNvPr id="69" name="Shape 124"/>
-            <p:cNvSpPr/>
-            <p:nvPr/>
-          </p:nvSpPr>
-          <p:spPr>
-            <a:xfrm>
-              <a:off x="18842069" y="10077088"/>
-              <a:ext cx="594958" cy="594958"/>
-            </a:xfrm>
-            <a:prstGeom prst="ellipse">
-              <a:avLst/>
-            </a:prstGeom>
-            <a:pattFill prst="wdDnDiag">
-              <a:fgClr>
-                <a:schemeClr val="accent2">
-                  <a:lumMod val="60000"/>
-                  <a:lumOff val="40000"/>
-                </a:schemeClr>
-              </a:fgClr>
-              <a:bgClr>
-                <a:schemeClr val="accent2">
-                  <a:lumMod val="20000"/>
-                  <a:lumOff val="80000"/>
-                </a:schemeClr>
-              </a:bgClr>
-            </a:pattFill>
-            <a:ln>
-              <a:headEnd type="none" w="med" len="med"/>
-              <a:tailEnd type="none" w="med" len="med"/>
-            </a:ln>
-          </p:spPr>
-          <p:style>
-            <a:lnRef idx="1">
-              <a:schemeClr val="accent2"/>
-            </a:lnRef>
-            <a:fillRef idx="2">
-              <a:schemeClr val="accent2"/>
-            </a:fillRef>
-            <a:effectRef idx="1">
-              <a:schemeClr val="accent2"/>
-            </a:effectRef>
-            <a:fontRef idx="minor">
-              <a:schemeClr val="dk1"/>
-            </a:fontRef>
-          </p:style>
-          <p:txBody>
-            <a:bodyPr lIns="91425" tIns="45700" rIns="91425" bIns="45700" anchor="ctr" anchorCtr="0">
-              <a:noAutofit/>
-            </a:bodyPr>
-            <a:lstStyle/>
-            <a:p>
-              <a:pPr marL="0" marR="0" lvl="0" indent="0" algn="ctr" rtl="0">
-                <a:spcBef>
-                  <a:spcPts val="0"/>
-                </a:spcBef>
-                <a:buNone/>
-              </a:pPr>
-              <a:endParaRPr sz="1600" b="0" i="0" u="none" strike="noStrike" cap="none" baseline="0">
-                <a:solidFill>
-                  <a:schemeClr val="lt1"/>
-                </a:solidFill>
-                <a:latin typeface="Verdana"/>
-                <a:ea typeface="Verdana"/>
-                <a:cs typeface="Verdana"/>
-                <a:sym typeface="Verdana"/>
-              </a:endParaRPr>
-            </a:p>
-          </p:txBody>
-        </p:sp>
-      </p:grpSp>
-      <p:cxnSp>
-        <p:nvCxnSpPr>
-          <p:cNvPr id="43" name="Straight Connector 42"/>
-          <p:cNvCxnSpPr/>
-          <p:nvPr/>
-        </p:nvCxnSpPr>
-        <p:spPr>
-          <a:xfrm>
-            <a:off x="6400800" y="1905000"/>
-            <a:ext cx="0" cy="764342"/>
-          </a:xfrm>
-          <a:prstGeom prst="line">
-            <a:avLst/>
-          </a:prstGeom>
-          <a:ln w="76200">
-            <a:solidFill>
-              <a:schemeClr val="bg1">
-                <a:lumMod val="50000"/>
-              </a:schemeClr>
-            </a:solidFill>
-            <a:prstDash val="sysDash"/>
-          </a:ln>
-        </p:spPr>
-        <p:style>
-          <a:lnRef idx="1">
-            <a:schemeClr val="dk1"/>
-          </a:lnRef>
-          <a:fillRef idx="0">
-            <a:schemeClr val="dk1"/>
-          </a:fillRef>
-          <a:effectRef idx="0">
-            <a:schemeClr val="dk1"/>
-          </a:effectRef>
-          <a:fontRef idx="minor">
-            <a:schemeClr val="tx1"/>
-          </a:fontRef>
-        </p:style>
-      </p:cxnSp>
-      <p:sp>
-        <p:nvSpPr>
-          <p:cNvPr id="44" name="TextBox 43"/>
-          <p:cNvSpPr txBox="1"/>
-          <p:nvPr/>
-        </p:nvSpPr>
-        <p:spPr>
-          <a:xfrm>
-            <a:off x="797891" y="3468469"/>
-            <a:ext cx="3496606" cy="1200329"/>
-          </a:xfrm>
-          <a:prstGeom prst="rect">
-            <a:avLst/>
-          </a:prstGeom>
-          <a:noFill/>
-        </p:spPr>
-        <p:txBody>
-          <a:bodyPr wrap="square" rtlCol="0">
-            <a:spAutoFit/>
-          </a:bodyPr>
-          <a:lstStyle/>
-          <a:p>
+              <a:t>Follow the yellow arrow and the red dots</a:t>
+            </a:r>
+          </a:p>
+          <a:p>
+            <a:pPr marL="285750" indent="-285750">
+              <a:buFont typeface="Arial" panose="020B0604020202020204" pitchFamily="34" charset="0"/>
+              <a:buChar char="•"/>
+            </a:pPr>
             <a:r>
               <a:rPr lang="en-US" b="1" dirty="0" smtClean="0">
                 <a:solidFill>
@@ -8294,47 +6988,7 @@
                 <a:latin typeface="Arial" panose="020B0604020202020204" pitchFamily="34" charset="0"/>
                 <a:cs typeface="Arial" panose="020B0604020202020204" pitchFamily="34" charset="0"/>
               </a:rPr>
-              <a:t>Orient two fingers, one in front of the other, on </a:t>
-            </a:r>
-            <a:r>
-              <a:rPr lang="en-US" b="1" dirty="0" smtClean="0">
-                <a:solidFill>
-                  <a:schemeClr val="bg1"/>
-                </a:solidFill>
-                <a:latin typeface="Arial" panose="020B0604020202020204" pitchFamily="34" charset="0"/>
-                <a:cs typeface="Arial" panose="020B0604020202020204" pitchFamily="34" charset="0"/>
-              </a:rPr>
-              <a:t>the </a:t>
-            </a:r>
-            <a:r>
-              <a:rPr lang="en-US" b="1" dirty="0" err="1" smtClean="0">
-                <a:solidFill>
-                  <a:schemeClr val="bg1"/>
-                </a:solidFill>
-                <a:latin typeface="Arial" panose="020B0604020202020204" pitchFamily="34" charset="0"/>
-                <a:cs typeface="Arial" panose="020B0604020202020204" pitchFamily="34" charset="0"/>
-              </a:rPr>
-              <a:t>Forcepad</a:t>
-            </a:r>
-            <a:r>
-              <a:rPr lang="en-US" b="1" dirty="0" smtClean="0">
-                <a:solidFill>
-                  <a:schemeClr val="bg1"/>
-                </a:solidFill>
-                <a:latin typeface="Arial" panose="020B0604020202020204" pitchFamily="34" charset="0"/>
-                <a:cs typeface="Arial" panose="020B0604020202020204" pitchFamily="34" charset="0"/>
-              </a:rPr>
-              <a:t> to switch to Surfing </a:t>
-            </a:r>
-            <a:r>
-              <a:rPr lang="en-US" b="1" dirty="0" smtClean="0">
-                <a:solidFill>
-                  <a:schemeClr val="bg1"/>
-                </a:solidFill>
-                <a:latin typeface="Arial" panose="020B0604020202020204" pitchFamily="34" charset="0"/>
-                <a:cs typeface="Arial" panose="020B0604020202020204" pitchFamily="34" charset="0"/>
-              </a:rPr>
-              <a:t>mode</a:t>
+              <a:t>The distance between red dots could be different</a:t>
             </a:r>
             <a:endParaRPr lang="en-US" b="1" dirty="0">
               <a:solidFill>
@@ -8346,471 +7000,16 @@
           </a:p>
         </p:txBody>
       </p:sp>
-      <p:sp>
-        <p:nvSpPr>
-          <p:cNvPr id="45" name="Oval 44"/>
-          <p:cNvSpPr/>
-          <p:nvPr/>
-        </p:nvSpPr>
-        <p:spPr>
-          <a:xfrm>
-            <a:off x="390424" y="3639919"/>
-            <a:ext cx="242597" cy="242597"/>
-          </a:xfrm>
-          <a:prstGeom prst="ellipse">
-            <a:avLst/>
-          </a:prstGeom>
-        </p:spPr>
-        <p:style>
-          <a:lnRef idx="2">
-            <a:schemeClr val="accent6"/>
-          </a:lnRef>
-          <a:fillRef idx="1">
-            <a:schemeClr val="lt1"/>
-          </a:fillRef>
-          <a:effectRef idx="0">
-            <a:schemeClr val="accent6"/>
-          </a:effectRef>
-          <a:fontRef idx="minor">
-            <a:schemeClr val="dk1"/>
-          </a:fontRef>
-        </p:style>
-        <p:txBody>
-          <a:bodyPr rtlCol="0" anchor="ctr"/>
-          <a:lstStyle/>
-          <a:p>
-            <a:pPr algn="ctr"/>
-            <a:endParaRPr lang="en-US"/>
-          </a:p>
-        </p:txBody>
-      </p:sp>
-      <p:sp>
-        <p:nvSpPr>
-          <p:cNvPr id="46" name="TextBox 45"/>
-          <p:cNvSpPr txBox="1"/>
-          <p:nvPr/>
-        </p:nvSpPr>
-        <p:spPr>
-          <a:xfrm>
-            <a:off x="800163" y="4582688"/>
-            <a:ext cx="3646734" cy="646331"/>
-          </a:xfrm>
-          <a:prstGeom prst="rect">
-            <a:avLst/>
-          </a:prstGeom>
-          <a:noFill/>
-        </p:spPr>
-        <p:txBody>
-          <a:bodyPr wrap="square" rtlCol="0">
-            <a:spAutoFit/>
-          </a:bodyPr>
-          <a:lstStyle/>
-          <a:p>
-            <a:r>
-              <a:rPr lang="en-US" b="1" dirty="0" smtClean="0">
-                <a:solidFill>
-                  <a:schemeClr val="bg1"/>
-                </a:solidFill>
-                <a:latin typeface="Arial" panose="020B0604020202020204" pitchFamily="34" charset="0"/>
-                <a:cs typeface="Arial" panose="020B0604020202020204" pitchFamily="34" charset="0"/>
-              </a:rPr>
-              <a:t>The distance between your </a:t>
-            </a:r>
-            <a:r>
-              <a:rPr lang="en-US" b="1" dirty="0" smtClean="0">
-                <a:solidFill>
-                  <a:schemeClr val="bg1"/>
-                </a:solidFill>
-                <a:latin typeface="Arial" panose="020B0604020202020204" pitchFamily="34" charset="0"/>
-                <a:cs typeface="Arial" panose="020B0604020202020204" pitchFamily="34" charset="0"/>
-              </a:rPr>
-              <a:t>fingers </a:t>
-            </a:r>
-            <a:r>
-              <a:rPr lang="en-US" b="1" dirty="0" smtClean="0">
-                <a:solidFill>
-                  <a:schemeClr val="bg1"/>
-                </a:solidFill>
-                <a:latin typeface="Arial" panose="020B0604020202020204" pitchFamily="34" charset="0"/>
-                <a:cs typeface="Arial" panose="020B0604020202020204" pitchFamily="34" charset="0"/>
-              </a:rPr>
-              <a:t>is your flying speed</a:t>
-            </a:r>
-            <a:endParaRPr lang="en-US" b="1" dirty="0">
-              <a:solidFill>
-                <a:schemeClr val="bg1"/>
-              </a:solidFill>
-              <a:latin typeface="Arial" panose="020B0604020202020204" pitchFamily="34" charset="0"/>
-              <a:cs typeface="Arial" panose="020B0604020202020204" pitchFamily="34" charset="0"/>
-            </a:endParaRPr>
-          </a:p>
-        </p:txBody>
-      </p:sp>
-      <p:sp>
-        <p:nvSpPr>
-          <p:cNvPr id="47" name="Oval 46"/>
-          <p:cNvSpPr/>
-          <p:nvPr/>
-        </p:nvSpPr>
-        <p:spPr>
-          <a:xfrm>
-            <a:off x="392696" y="4754138"/>
-            <a:ext cx="242597" cy="242597"/>
-          </a:xfrm>
-          <a:prstGeom prst="ellipse">
-            <a:avLst/>
-          </a:prstGeom>
-        </p:spPr>
-        <p:style>
-          <a:lnRef idx="2">
-            <a:schemeClr val="accent6"/>
-          </a:lnRef>
-          <a:fillRef idx="1">
-            <a:schemeClr val="lt1"/>
-          </a:fillRef>
-          <a:effectRef idx="0">
-            <a:schemeClr val="accent6"/>
-          </a:effectRef>
-          <a:fontRef idx="minor">
-            <a:schemeClr val="dk1"/>
-          </a:fontRef>
-        </p:style>
-        <p:txBody>
-          <a:bodyPr rtlCol="0" anchor="ctr"/>
-          <a:lstStyle/>
-          <a:p>
-            <a:pPr algn="ctr"/>
-            <a:endParaRPr lang="en-US"/>
-          </a:p>
-        </p:txBody>
-      </p:sp>
-      <p:sp>
-        <p:nvSpPr>
-          <p:cNvPr id="48" name="TextBox 47"/>
-          <p:cNvSpPr txBox="1"/>
-          <p:nvPr/>
-        </p:nvSpPr>
-        <p:spPr>
-          <a:xfrm>
-            <a:off x="788467" y="5259558"/>
-            <a:ext cx="4039430" cy="923330"/>
-          </a:xfrm>
-          <a:prstGeom prst="rect">
-            <a:avLst/>
-          </a:prstGeom>
-          <a:noFill/>
-        </p:spPr>
-        <p:txBody>
-          <a:bodyPr wrap="square" rtlCol="0">
-            <a:spAutoFit/>
-          </a:bodyPr>
-          <a:lstStyle/>
-          <a:p>
-            <a:r>
-              <a:rPr lang="en-US" b="1" dirty="0" smtClean="0">
-                <a:solidFill>
-                  <a:schemeClr val="bg1"/>
-                </a:solidFill>
-                <a:latin typeface="Arial" panose="020B0604020202020204" pitchFamily="34" charset="0"/>
-                <a:cs typeface="Arial" panose="020B0604020202020204" pitchFamily="34" charset="0"/>
-              </a:rPr>
-              <a:t>The </a:t>
-            </a:r>
-            <a:r>
-              <a:rPr lang="en-US" b="1" dirty="0">
-                <a:solidFill>
-                  <a:schemeClr val="bg1"/>
-                </a:solidFill>
-                <a:latin typeface="Arial" panose="020B0604020202020204" pitchFamily="34" charset="0"/>
-                <a:cs typeface="Arial" panose="020B0604020202020204" pitchFamily="34" charset="0"/>
-              </a:rPr>
-              <a:t>S</a:t>
-            </a:r>
-            <a:r>
-              <a:rPr lang="en-US" b="1" dirty="0" smtClean="0">
-                <a:solidFill>
-                  <a:schemeClr val="bg1"/>
-                </a:solidFill>
-                <a:latin typeface="Arial" panose="020B0604020202020204" pitchFamily="34" charset="0"/>
-                <a:cs typeface="Arial" panose="020B0604020202020204" pitchFamily="34" charset="0"/>
-              </a:rPr>
-              <a:t>urf Board will tilt forward or back depending on which finger presses harder</a:t>
-            </a:r>
-            <a:endParaRPr lang="en-US" b="1" dirty="0">
-              <a:solidFill>
-                <a:schemeClr val="bg1"/>
-              </a:solidFill>
-              <a:latin typeface="Arial" panose="020B0604020202020204" pitchFamily="34" charset="0"/>
-              <a:cs typeface="Arial" panose="020B0604020202020204" pitchFamily="34" charset="0"/>
-            </a:endParaRPr>
-          </a:p>
-        </p:txBody>
-      </p:sp>
-      <p:sp>
-        <p:nvSpPr>
-          <p:cNvPr id="49" name="Oval 48"/>
-          <p:cNvSpPr/>
-          <p:nvPr/>
-        </p:nvSpPr>
-        <p:spPr>
-          <a:xfrm>
-            <a:off x="381000" y="5431008"/>
-            <a:ext cx="242597" cy="242597"/>
-          </a:xfrm>
-          <a:prstGeom prst="ellipse">
-            <a:avLst/>
-          </a:prstGeom>
-        </p:spPr>
-        <p:style>
-          <a:lnRef idx="2">
-            <a:schemeClr val="accent6"/>
-          </a:lnRef>
-          <a:fillRef idx="1">
-            <a:schemeClr val="lt1"/>
-          </a:fillRef>
-          <a:effectRef idx="0">
-            <a:schemeClr val="accent6"/>
-          </a:effectRef>
-          <a:fontRef idx="minor">
-            <a:schemeClr val="dk1"/>
-          </a:fontRef>
-        </p:style>
-        <p:txBody>
-          <a:bodyPr rtlCol="0" anchor="ctr"/>
-          <a:lstStyle/>
-          <a:p>
-            <a:pPr algn="ctr"/>
-            <a:endParaRPr lang="en-US"/>
-          </a:p>
-        </p:txBody>
-      </p:sp>
-      <p:sp>
-        <p:nvSpPr>
-          <p:cNvPr id="50" name="TextBox 49"/>
-          <p:cNvSpPr txBox="1"/>
-          <p:nvPr/>
-        </p:nvSpPr>
-        <p:spPr>
-          <a:xfrm>
-            <a:off x="5033055" y="3505200"/>
-            <a:ext cx="3806145" cy="646331"/>
-          </a:xfrm>
-          <a:prstGeom prst="rect">
-            <a:avLst/>
-          </a:prstGeom>
-          <a:noFill/>
-        </p:spPr>
-        <p:txBody>
-          <a:bodyPr wrap="square" rtlCol="0">
-            <a:spAutoFit/>
-          </a:bodyPr>
-          <a:lstStyle/>
-          <a:p>
-            <a:r>
-              <a:rPr lang="en-US" b="1" dirty="0" smtClean="0">
-                <a:solidFill>
-                  <a:schemeClr val="bg1"/>
-                </a:solidFill>
-                <a:latin typeface="Arial" panose="020B0604020202020204" pitchFamily="34" charset="0"/>
-                <a:cs typeface="Arial" panose="020B0604020202020204" pitchFamily="34" charset="0"/>
-              </a:rPr>
-              <a:t>Rotate your fingers to rotate your </a:t>
-            </a:r>
-            <a:r>
-              <a:rPr lang="en-US" b="1" dirty="0">
-                <a:solidFill>
-                  <a:schemeClr val="bg1"/>
-                </a:solidFill>
-                <a:latin typeface="Arial" panose="020B0604020202020204" pitchFamily="34" charset="0"/>
-                <a:cs typeface="Arial" panose="020B0604020202020204" pitchFamily="34" charset="0"/>
-              </a:rPr>
-              <a:t>S</a:t>
-            </a:r>
-            <a:r>
-              <a:rPr lang="en-US" b="1" dirty="0" smtClean="0">
-                <a:solidFill>
-                  <a:schemeClr val="bg1"/>
-                </a:solidFill>
-                <a:latin typeface="Arial" panose="020B0604020202020204" pitchFamily="34" charset="0"/>
-                <a:cs typeface="Arial" panose="020B0604020202020204" pitchFamily="34" charset="0"/>
-              </a:rPr>
-              <a:t>urf Board</a:t>
-            </a:r>
-            <a:endParaRPr lang="en-US" b="1" dirty="0">
-              <a:solidFill>
-                <a:schemeClr val="bg1"/>
-              </a:solidFill>
-              <a:latin typeface="Arial" panose="020B0604020202020204" pitchFamily="34" charset="0"/>
-              <a:cs typeface="Arial" panose="020B0604020202020204" pitchFamily="34" charset="0"/>
-            </a:endParaRPr>
-          </a:p>
-        </p:txBody>
-      </p:sp>
-      <p:sp>
-        <p:nvSpPr>
-          <p:cNvPr id="51" name="Oval 50"/>
-          <p:cNvSpPr/>
-          <p:nvPr/>
-        </p:nvSpPr>
-        <p:spPr>
-          <a:xfrm>
-            <a:off x="4625589" y="3676650"/>
-            <a:ext cx="242597" cy="242597"/>
-          </a:xfrm>
-          <a:prstGeom prst="ellipse">
-            <a:avLst/>
-          </a:prstGeom>
-        </p:spPr>
-        <p:style>
-          <a:lnRef idx="2">
-            <a:schemeClr val="accent6"/>
-          </a:lnRef>
-          <a:fillRef idx="1">
-            <a:schemeClr val="lt1"/>
-          </a:fillRef>
-          <a:effectRef idx="0">
-            <a:schemeClr val="accent6"/>
-          </a:effectRef>
-          <a:fontRef idx="minor">
-            <a:schemeClr val="dk1"/>
-          </a:fontRef>
-        </p:style>
-        <p:txBody>
-          <a:bodyPr rtlCol="0" anchor="ctr"/>
-          <a:lstStyle/>
-          <a:p>
-            <a:pPr algn="ctr"/>
-            <a:endParaRPr lang="en-US"/>
-          </a:p>
-        </p:txBody>
-      </p:sp>
-      <p:cxnSp>
-        <p:nvCxnSpPr>
-          <p:cNvPr id="67" name="Straight Connector 66"/>
-          <p:cNvCxnSpPr/>
-          <p:nvPr/>
-        </p:nvCxnSpPr>
-        <p:spPr>
-          <a:xfrm>
-            <a:off x="6004907" y="2110423"/>
-            <a:ext cx="395893" cy="558919"/>
-          </a:xfrm>
-          <a:prstGeom prst="line">
-            <a:avLst/>
-          </a:prstGeom>
-          <a:ln w="76200">
-            <a:solidFill>
-              <a:schemeClr val="bg1">
-                <a:lumMod val="50000"/>
-              </a:schemeClr>
-            </a:solidFill>
-            <a:prstDash val="sysDash"/>
-          </a:ln>
-        </p:spPr>
-        <p:style>
-          <a:lnRef idx="1">
-            <a:schemeClr val="dk1"/>
-          </a:lnRef>
-          <a:fillRef idx="0">
-            <a:schemeClr val="dk1"/>
-          </a:fillRef>
-          <a:effectRef idx="0">
-            <a:schemeClr val="dk1"/>
-          </a:effectRef>
-          <a:fontRef idx="minor">
-            <a:schemeClr val="tx1"/>
-          </a:fontRef>
-        </p:style>
-      </p:cxnSp>
-      <p:sp>
-        <p:nvSpPr>
-          <p:cNvPr id="7" name="Arc 6"/>
-          <p:cNvSpPr/>
-          <p:nvPr/>
-        </p:nvSpPr>
-        <p:spPr>
-          <a:xfrm flipH="1">
-            <a:off x="6194093" y="2367535"/>
-            <a:ext cx="398521" cy="206173"/>
-          </a:xfrm>
-          <a:prstGeom prst="arc">
-            <a:avLst>
-              <a:gd name="adj1" fmla="val 16200000"/>
-              <a:gd name="adj2" fmla="val 20257497"/>
-            </a:avLst>
-          </a:prstGeom>
-          <a:ln w="28575"/>
-        </p:spPr>
-        <p:style>
-          <a:lnRef idx="1">
-            <a:schemeClr val="dk1"/>
-          </a:lnRef>
-          <a:fillRef idx="0">
-            <a:schemeClr val="dk1"/>
-          </a:fillRef>
-          <a:effectRef idx="0">
-            <a:schemeClr val="dk1"/>
-          </a:effectRef>
-          <a:fontRef idx="minor">
-            <a:schemeClr val="tx1"/>
-          </a:fontRef>
-        </p:style>
-        <p:txBody>
-          <a:bodyPr rtlCol="0" anchor="ctr"/>
-          <a:lstStyle/>
-          <a:p>
-            <a:pPr algn="ctr"/>
-            <a:endParaRPr lang="en-US"/>
-          </a:p>
-        </p:txBody>
-      </p:sp>
-    </p:spTree>
-    <p:extLst>
-      <p:ext uri="{BB962C8B-B14F-4D97-AF65-F5344CB8AC3E}">
-        <p14:creationId xmlns:p14="http://schemas.microsoft.com/office/powerpoint/2010/main" val="3143201237"/>
-      </p:ext>
-    </p:extLst>
-  </p:cSld>
-  <p:clrMapOvr>
-    <a:masterClrMapping/>
-  </p:clrMapOvr>
-  <p:timing>
-    <p:tnLst>
-      <p:par>
-        <p:cTn id="1" dur="indefinite" restart="never" nodeType="tmRoot"/>
-      </p:par>
-    </p:tnLst>
-  </p:timing>
-</p:sld>
-</file>
-
-<file path=ppt/slides/slide5.xml><?xml version="1.0" encoding="utf-8"?>
-<p:sld xmlns:a="http://schemas.openxmlformats.org/drawingml/2006/main" xmlns:r="http://schemas.openxmlformats.org/officeDocument/2006/relationships" xmlns:p="http://schemas.openxmlformats.org/presentationml/2006/main">
-  <p:cSld>
-    <p:spTree>
-      <p:nvGrpSpPr>
-        <p:cNvPr id="1" name=""/>
-        <p:cNvGrpSpPr/>
-        <p:nvPr/>
-      </p:nvGrpSpPr>
-      <p:grpSpPr>
-        <a:xfrm>
-          <a:off x="0" y="0"/>
-          <a:ext cx="0" cy="0"/>
-          <a:chOff x="0" y="0"/>
-          <a:chExt cx="0" cy="0"/>
-        </a:xfrm>
-      </p:grpSpPr>
       <p:pic>
         <p:nvPicPr>
-          <p:cNvPr id="1026" name="Picture 2"/>
+          <p:cNvPr id="2" name="Picture 2"/>
           <p:cNvPicPr>
             <a:picLocks noChangeAspect="1" noChangeArrowheads="1"/>
           </p:cNvPicPr>
           <p:nvPr/>
         </p:nvPicPr>
         <p:blipFill>
-          <a:blip r:embed="rId2">
+          <a:blip r:embed="rId2" cstate="print">
             <a:extLst>
               <a:ext uri="{28A0092B-C50C-407E-A947-70E740481C1C}">
                 <a14:useLocalDpi xmlns:a14="http://schemas.microsoft.com/office/drawing/2010/main" val="0"/>
@@ -8824,8 +7023,8 @@
         </p:blipFill>
         <p:spPr bwMode="auto">
           <a:xfrm>
-            <a:off x="1600200" y="457200"/>
-            <a:ext cx="5791200" cy="4343400"/>
+            <a:off x="1117600" y="685800"/>
+            <a:ext cx="4572000" cy="2168067"/>
           </a:xfrm>
           <a:prstGeom prst="rect">
             <a:avLst/>
@@ -8855,334 +7054,16 @@
           </a:extLst>
         </p:spPr>
       </p:pic>
-      <p:sp>
-        <p:nvSpPr>
-          <p:cNvPr id="6" name="TextBox 5"/>
-          <p:cNvSpPr txBox="1"/>
-          <p:nvPr/>
-        </p:nvSpPr>
-        <p:spPr>
-          <a:xfrm>
-            <a:off x="1143000" y="4916269"/>
-            <a:ext cx="6781800" cy="923330"/>
-          </a:xfrm>
-          <a:prstGeom prst="rect">
-            <a:avLst/>
-          </a:prstGeom>
-          <a:noFill/>
-        </p:spPr>
-        <p:txBody>
-          <a:bodyPr wrap="square" rtlCol="0">
-            <a:spAutoFit/>
-          </a:bodyPr>
-          <a:lstStyle/>
-          <a:p>
-            <a:pPr marL="285750" indent="-285750">
-              <a:buFont typeface="Arial" panose="020B0604020202020204" pitchFamily="34" charset="0"/>
-              <a:buChar char="•"/>
-            </a:pPr>
-            <a:r>
-              <a:rPr lang="en-US" b="1" dirty="0" smtClean="0">
-                <a:solidFill>
-                  <a:schemeClr val="bg1"/>
-                </a:solidFill>
-                <a:latin typeface="Arial" panose="020B0604020202020204" pitchFamily="34" charset="0"/>
-                <a:cs typeface="Arial" panose="020B0604020202020204" pitchFamily="34" charset="0"/>
-              </a:rPr>
-              <a:t>Swipe your fingers to use walking mode.</a:t>
-            </a:r>
-          </a:p>
-          <a:p>
-            <a:pPr marL="285750" indent="-285750">
-              <a:buFont typeface="Arial" panose="020B0604020202020204" pitchFamily="34" charset="0"/>
-              <a:buChar char="•"/>
-            </a:pPr>
-            <a:r>
-              <a:rPr lang="en-US" b="1" dirty="0" smtClean="0">
-                <a:solidFill>
-                  <a:schemeClr val="bg1"/>
-                </a:solidFill>
-                <a:latin typeface="Arial" panose="020B0604020202020204" pitchFamily="34" charset="0"/>
-                <a:cs typeface="Arial" panose="020B0604020202020204" pitchFamily="34" charset="0"/>
-              </a:rPr>
-              <a:t>Collect the pumpkin the yellow arrow is pointing at.</a:t>
-            </a:r>
-          </a:p>
-          <a:p>
-            <a:pPr marL="285750" indent="-285750">
-              <a:buFont typeface="Arial" panose="020B0604020202020204" pitchFamily="34" charset="0"/>
-              <a:buChar char="•"/>
-            </a:pPr>
-            <a:r>
-              <a:rPr lang="en-US" b="1" dirty="0" smtClean="0">
-                <a:solidFill>
-                  <a:schemeClr val="bg1"/>
-                </a:solidFill>
-                <a:latin typeface="Arial" panose="020B0604020202020204" pitchFamily="34" charset="0"/>
-                <a:cs typeface="Arial" panose="020B0604020202020204" pitchFamily="34" charset="0"/>
-              </a:rPr>
-              <a:t>Collect all the pumpkins as fast as you can.</a:t>
-            </a:r>
-            <a:endParaRPr lang="en-US" b="1" dirty="0">
-              <a:solidFill>
-                <a:schemeClr val="bg1"/>
-              </a:solidFill>
-              <a:latin typeface="Arial" panose="020B0604020202020204" pitchFamily="34" charset="0"/>
-              <a:cs typeface="Arial" panose="020B0604020202020204" pitchFamily="34" charset="0"/>
-            </a:endParaRPr>
-          </a:p>
-        </p:txBody>
-      </p:sp>
-      <p:grpSp>
-        <p:nvGrpSpPr>
-          <p:cNvPr id="8" name="Shape 121"/>
-          <p:cNvGrpSpPr/>
-          <p:nvPr/>
-        </p:nvGrpSpPr>
-        <p:grpSpPr>
-          <a:xfrm>
-            <a:off x="5562600" y="457200"/>
-            <a:ext cx="1828800" cy="1463413"/>
-            <a:chOff x="5333999" y="1524000"/>
-            <a:chExt cx="2190913" cy="1737621"/>
-          </a:xfrm>
-        </p:grpSpPr>
-        <p:sp>
-          <p:nvSpPr>
-            <p:cNvPr id="9" name="Shape 122"/>
-            <p:cNvSpPr>
-              <a:spLocks noChangeAspect="1"/>
-            </p:cNvSpPr>
-            <p:nvPr/>
-          </p:nvSpPr>
-          <p:spPr>
-            <a:xfrm>
-              <a:off x="5333999" y="1524000"/>
-              <a:ext cx="2190913" cy="1737621"/>
-            </a:xfrm>
-            <a:prstGeom prst="roundRect">
-              <a:avLst>
-                <a:gd name="adj" fmla="val 7428"/>
-              </a:avLst>
-            </a:prstGeom>
-            <a:solidFill>
-              <a:schemeClr val="bg1">
-                <a:lumMod val="50000"/>
-              </a:schemeClr>
-            </a:solidFill>
-            <a:ln w="9525" cap="flat">
-              <a:solidFill>
-                <a:schemeClr val="lt1"/>
-              </a:solidFill>
-              <a:prstDash val="solid"/>
-              <a:round/>
-              <a:headEnd type="none" w="med" len="med"/>
-              <a:tailEnd type="none" w="med" len="med"/>
-            </a:ln>
-          </p:spPr>
-          <p:txBody>
-            <a:bodyPr lIns="91425" tIns="45700" rIns="91425" bIns="45700" anchor="ctr" anchorCtr="0">
-              <a:noAutofit/>
-            </a:bodyPr>
-            <a:lstStyle/>
-            <a:p>
-              <a:pPr marL="0" marR="0" lvl="0" indent="0" algn="ctr" rtl="0">
-                <a:spcBef>
-                  <a:spcPts val="0"/>
-                </a:spcBef>
-                <a:buNone/>
-              </a:pPr>
-              <a:endParaRPr sz="1600" b="0" i="0" u="none" strike="noStrike" cap="none" baseline="0" dirty="0">
-                <a:solidFill>
-                  <a:schemeClr val="lt1"/>
-                </a:solidFill>
-                <a:latin typeface="Verdana"/>
-                <a:ea typeface="Verdana"/>
-                <a:cs typeface="Verdana"/>
-                <a:sym typeface="Verdana"/>
-              </a:endParaRPr>
-            </a:p>
-          </p:txBody>
-        </p:sp>
-        <p:sp>
-          <p:nvSpPr>
-            <p:cNvPr id="10" name="Shape 123"/>
-            <p:cNvSpPr/>
-            <p:nvPr/>
-          </p:nvSpPr>
-          <p:spPr>
-            <a:xfrm>
-              <a:off x="5486400" y="1981200"/>
-              <a:ext cx="1904999" cy="1143000"/>
-            </a:xfrm>
-            <a:prstGeom prst="roundRect">
-              <a:avLst>
-                <a:gd name="adj" fmla="val 11667"/>
-              </a:avLst>
-            </a:prstGeom>
-            <a:solidFill>
-              <a:schemeClr val="bg1">
-                <a:lumMod val="85000"/>
-              </a:schemeClr>
-            </a:solidFill>
-            <a:ln w="9525" cap="flat">
-              <a:solidFill>
-                <a:srgbClr val="828689"/>
-              </a:solidFill>
-              <a:prstDash val="solid"/>
-              <a:round/>
-              <a:headEnd type="none" w="med" len="med"/>
-              <a:tailEnd type="none" w="med" len="med"/>
-            </a:ln>
-          </p:spPr>
-          <p:txBody>
-            <a:bodyPr lIns="91425" tIns="45700" rIns="91425" bIns="45700" anchor="ctr" anchorCtr="0">
-              <a:noAutofit/>
-            </a:bodyPr>
-            <a:lstStyle/>
-            <a:p>
-              <a:pPr marL="0" marR="0" lvl="0" indent="0" algn="ctr" rtl="0">
-                <a:spcBef>
-                  <a:spcPts val="0"/>
-                </a:spcBef>
-                <a:buNone/>
-              </a:pPr>
-              <a:endParaRPr sz="1600" b="0" i="0" u="none" strike="noStrike" cap="none" baseline="0" dirty="0">
-                <a:solidFill>
-                  <a:schemeClr val="lt1"/>
-                </a:solidFill>
-                <a:latin typeface="Verdana"/>
-                <a:ea typeface="Verdana"/>
-                <a:cs typeface="Verdana"/>
-                <a:sym typeface="Verdana"/>
-              </a:endParaRPr>
-            </a:p>
-          </p:txBody>
-        </p:sp>
-        <p:sp>
-          <p:nvSpPr>
-            <p:cNvPr id="11" name="Shape 125"/>
-            <p:cNvSpPr/>
-            <p:nvPr/>
-          </p:nvSpPr>
-          <p:spPr>
-            <a:xfrm>
-              <a:off x="6562904" y="2200275"/>
-              <a:ext cx="304799" cy="304799"/>
-            </a:xfrm>
-            <a:prstGeom prst="ellipse">
-              <a:avLst/>
-            </a:prstGeom>
-            <a:ln>
-              <a:headEnd type="none" w="med" len="med"/>
-              <a:tailEnd type="none" w="med" len="med"/>
-            </a:ln>
-          </p:spPr>
-          <p:style>
-            <a:lnRef idx="1">
-              <a:schemeClr val="accent2"/>
-            </a:lnRef>
-            <a:fillRef idx="3">
-              <a:schemeClr val="accent2"/>
-            </a:fillRef>
-            <a:effectRef idx="2">
-              <a:schemeClr val="accent2"/>
-            </a:effectRef>
-            <a:fontRef idx="minor">
-              <a:schemeClr val="lt1"/>
-            </a:fontRef>
-          </p:style>
-          <p:txBody>
-            <a:bodyPr lIns="91425" tIns="45700" rIns="91425" bIns="45700" anchor="ctr" anchorCtr="0">
-              <a:noAutofit/>
-            </a:bodyPr>
-            <a:lstStyle/>
-            <a:p>
-              <a:pPr marL="0" marR="0" lvl="0" indent="0" algn="ctr" rtl="0">
-                <a:spcBef>
-                  <a:spcPts val="0"/>
-                </a:spcBef>
-                <a:buNone/>
-              </a:pPr>
-              <a:endParaRPr sz="1600" b="0" i="0" u="none" strike="noStrike" cap="none" baseline="0" dirty="0">
-                <a:solidFill>
-                  <a:schemeClr val="lt1"/>
-                </a:solidFill>
-                <a:latin typeface="Verdana"/>
-                <a:ea typeface="Verdana"/>
-                <a:cs typeface="Verdana"/>
-                <a:sym typeface="Verdana"/>
-              </a:endParaRPr>
-            </a:p>
-          </p:txBody>
-        </p:sp>
-        <p:cxnSp>
-          <p:nvCxnSpPr>
-            <p:cNvPr id="12" name="Shape 126"/>
-            <p:cNvCxnSpPr/>
-            <p:nvPr/>
-          </p:nvCxnSpPr>
-          <p:spPr>
-            <a:xfrm>
-              <a:off x="6705861" y="2466130"/>
-              <a:ext cx="0" cy="514784"/>
-            </a:xfrm>
-            <a:prstGeom prst="straightConnector1">
-              <a:avLst/>
-            </a:prstGeom>
-            <a:noFill/>
-            <a:ln w="57150" cap="flat">
-              <a:solidFill>
-                <a:srgbClr val="E8576B"/>
-              </a:solidFill>
-              <a:prstDash val="sysDot"/>
-              <a:round/>
-              <a:headEnd type="none" w="med" len="med"/>
-              <a:tailEnd type="none" w="med" len="med"/>
-            </a:ln>
-          </p:spPr>
-        </p:cxnSp>
-      </p:grpSp>
-    </p:spTree>
-    <p:extLst>
-      <p:ext uri="{BB962C8B-B14F-4D97-AF65-F5344CB8AC3E}">
-        <p14:creationId xmlns:p14="http://schemas.microsoft.com/office/powerpoint/2010/main" val="3847515999"/>
-      </p:ext>
-    </p:extLst>
-  </p:cSld>
-  <p:clrMapOvr>
-    <a:masterClrMapping/>
-  </p:clrMapOvr>
-</p:sld>
-</file>
-
-<file path=ppt/slides/slide6.xml><?xml version="1.0" encoding="utf-8"?>
-<p:sld xmlns:a="http://schemas.openxmlformats.org/drawingml/2006/main" xmlns:r="http://schemas.openxmlformats.org/officeDocument/2006/relationships" xmlns:p="http://schemas.openxmlformats.org/presentationml/2006/main">
-  <p:cSld>
-    <p:spTree>
-      <p:nvGrpSpPr>
-        <p:cNvPr id="1" name=""/>
-        <p:cNvGrpSpPr/>
-        <p:nvPr/>
-      </p:nvGrpSpPr>
-      <p:grpSpPr>
-        <a:xfrm>
-          <a:off x="0" y="0"/>
-          <a:ext cx="0" cy="0"/>
-          <a:chOff x="0" y="0"/>
-          <a:chExt cx="0" cy="0"/>
-        </a:xfrm>
-      </p:grpSpPr>
       <p:pic>
         <p:nvPicPr>
-          <p:cNvPr id="2050" name="Picture 2"/>
+          <p:cNvPr id="8" name="Picture 2"/>
           <p:cNvPicPr>
             <a:picLocks noChangeAspect="1" noChangeArrowheads="1"/>
           </p:cNvPicPr>
           <p:nvPr/>
         </p:nvPicPr>
         <p:blipFill>
-          <a:blip r:embed="rId2">
+          <a:blip r:embed="rId3" cstate="print">
             <a:extLst>
               <a:ext uri="{28A0092B-C50C-407E-A947-70E740481C1C}">
                 <a14:useLocalDpi xmlns:a14="http://schemas.microsoft.com/office/drawing/2010/main" val="0"/>
@@ -9196,8 +7077,8 @@
         </p:blipFill>
         <p:spPr bwMode="auto">
           <a:xfrm>
-            <a:off x="1600200" y="457200"/>
-            <a:ext cx="5791200" cy="4343400"/>
+            <a:off x="3325212" y="3352800"/>
+            <a:ext cx="4572000" cy="2159662"/>
           </a:xfrm>
           <a:prstGeom prst="rect">
             <a:avLst/>
@@ -9227,1022 +7108,10 @@
           </a:extLst>
         </p:spPr>
       </p:pic>
-      <p:sp>
-        <p:nvSpPr>
-          <p:cNvPr id="5" name="TextBox 4"/>
-          <p:cNvSpPr txBox="1"/>
-          <p:nvPr/>
-        </p:nvSpPr>
-        <p:spPr>
-          <a:xfrm>
-            <a:off x="1143000" y="4916269"/>
-            <a:ext cx="6781800" cy="1754326"/>
-          </a:xfrm>
-          <a:prstGeom prst="rect">
-            <a:avLst/>
-          </a:prstGeom>
-          <a:noFill/>
-        </p:spPr>
-        <p:txBody>
-          <a:bodyPr wrap="square" rtlCol="0">
-            <a:spAutoFit/>
-          </a:bodyPr>
-          <a:lstStyle/>
-          <a:p>
-            <a:pPr marL="285750" indent="-285750">
-              <a:buFont typeface="Arial" panose="020B0604020202020204" pitchFamily="34" charset="0"/>
-              <a:buChar char="•"/>
-            </a:pPr>
-            <a:r>
-              <a:rPr lang="en-US" b="1" dirty="0" smtClean="0">
-                <a:solidFill>
-                  <a:schemeClr val="bg1"/>
-                </a:solidFill>
-                <a:latin typeface="Arial" panose="020B0604020202020204" pitchFamily="34" charset="0"/>
-                <a:cs typeface="Arial" panose="020B0604020202020204" pitchFamily="34" charset="0"/>
-              </a:rPr>
-              <a:t>Place your finger horizontally to use Segway mode.</a:t>
-            </a:r>
-          </a:p>
-          <a:p>
-            <a:pPr marL="285750" indent="-285750">
-              <a:buFont typeface="Arial" panose="020B0604020202020204" pitchFamily="34" charset="0"/>
-              <a:buChar char="•"/>
-            </a:pPr>
-            <a:r>
-              <a:rPr lang="en-US" b="1" dirty="0" smtClean="0">
-                <a:solidFill>
-                  <a:schemeClr val="bg1"/>
-                </a:solidFill>
-                <a:latin typeface="Arial" panose="020B0604020202020204" pitchFamily="34" charset="0"/>
-                <a:cs typeface="Arial" panose="020B0604020202020204" pitchFamily="34" charset="0"/>
-              </a:rPr>
-              <a:t>Follow </a:t>
-            </a:r>
-            <a:r>
-              <a:rPr lang="en-US" b="1" dirty="0">
-                <a:solidFill>
-                  <a:schemeClr val="bg1"/>
-                </a:solidFill>
-                <a:latin typeface="Arial" panose="020B0604020202020204" pitchFamily="34" charset="0"/>
-                <a:cs typeface="Arial" panose="020B0604020202020204" pitchFamily="34" charset="0"/>
-              </a:rPr>
-              <a:t>the yellow arrow.</a:t>
-            </a:r>
-          </a:p>
-          <a:p>
-            <a:pPr marL="285750" indent="-285750">
-              <a:buFont typeface="Arial" panose="020B0604020202020204" pitchFamily="34" charset="0"/>
-              <a:buChar char="•"/>
-            </a:pPr>
-            <a:r>
-              <a:rPr lang="en-US" b="1" dirty="0" smtClean="0">
-                <a:solidFill>
-                  <a:schemeClr val="bg1"/>
-                </a:solidFill>
-                <a:latin typeface="Arial" panose="020B0604020202020204" pitchFamily="34" charset="0"/>
-                <a:cs typeface="Arial" panose="020B0604020202020204" pitchFamily="34" charset="0"/>
-              </a:rPr>
-              <a:t>The </a:t>
-            </a:r>
-            <a:r>
-              <a:rPr lang="en-US" b="1" dirty="0">
-                <a:solidFill>
-                  <a:schemeClr val="bg1"/>
-                </a:solidFill>
-                <a:latin typeface="Arial" panose="020B0604020202020204" pitchFamily="34" charset="0"/>
-                <a:cs typeface="Arial" panose="020B0604020202020204" pitchFamily="34" charset="0"/>
-              </a:rPr>
-              <a:t>arrow’s direction will change at intersections.</a:t>
-            </a:r>
-          </a:p>
-          <a:p>
-            <a:pPr marL="285750" indent="-285750">
-              <a:buFont typeface="Arial" panose="020B0604020202020204" pitchFamily="34" charset="0"/>
-              <a:buChar char="•"/>
-            </a:pPr>
-            <a:r>
-              <a:rPr lang="en-US" b="1" dirty="0" smtClean="0">
-                <a:solidFill>
-                  <a:schemeClr val="bg1"/>
-                </a:solidFill>
-                <a:latin typeface="Arial" panose="020B0604020202020204" pitchFamily="34" charset="0"/>
-                <a:cs typeface="Arial" panose="020B0604020202020204" pitchFamily="34" charset="0"/>
-              </a:rPr>
-              <a:t>The </a:t>
-            </a:r>
-            <a:r>
-              <a:rPr lang="en-US" b="1" dirty="0">
-                <a:solidFill>
-                  <a:schemeClr val="bg1"/>
-                </a:solidFill>
-                <a:latin typeface="Arial" panose="020B0604020202020204" pitchFamily="34" charset="0"/>
-                <a:cs typeface="Arial" panose="020B0604020202020204" pitchFamily="34" charset="0"/>
-              </a:rPr>
-              <a:t>final goal is a white ring. Try to reach the goal as fast as you can. (Primary Goal)</a:t>
-            </a:r>
-          </a:p>
-          <a:p>
-            <a:pPr marL="285750" indent="-285750">
-              <a:buFont typeface="Arial" panose="020B0604020202020204" pitchFamily="34" charset="0"/>
-              <a:buChar char="•"/>
-            </a:pPr>
-            <a:r>
-              <a:rPr lang="en-US" b="1" dirty="0" smtClean="0">
-                <a:solidFill>
-                  <a:schemeClr val="bg1"/>
-                </a:solidFill>
-                <a:latin typeface="Arial" panose="020B0604020202020204" pitchFamily="34" charset="0"/>
-                <a:cs typeface="Arial" panose="020B0604020202020204" pitchFamily="34" charset="0"/>
-              </a:rPr>
-              <a:t>Try </a:t>
-            </a:r>
-            <a:r>
-              <a:rPr lang="en-US" b="1" dirty="0">
-                <a:solidFill>
-                  <a:schemeClr val="bg1"/>
-                </a:solidFill>
-                <a:latin typeface="Arial" panose="020B0604020202020204" pitchFamily="34" charset="0"/>
-                <a:cs typeface="Arial" panose="020B0604020202020204" pitchFamily="34" charset="0"/>
-              </a:rPr>
-              <a:t>not to run into the forest or barrier tape. </a:t>
-            </a:r>
-            <a:endParaRPr lang="en-US" b="1" dirty="0">
-              <a:solidFill>
-                <a:schemeClr val="bg1"/>
-              </a:solidFill>
-              <a:latin typeface="Arial" panose="020B0604020202020204" pitchFamily="34" charset="0"/>
-              <a:cs typeface="Arial" panose="020B0604020202020204" pitchFamily="34" charset="0"/>
-            </a:endParaRPr>
-          </a:p>
-        </p:txBody>
-      </p:sp>
-      <p:grpSp>
-        <p:nvGrpSpPr>
-          <p:cNvPr id="7" name="Group 6"/>
-          <p:cNvGrpSpPr/>
-          <p:nvPr/>
-        </p:nvGrpSpPr>
-        <p:grpSpPr>
-          <a:xfrm>
-            <a:off x="5562600" y="457200"/>
-            <a:ext cx="1828800" cy="1463040"/>
-            <a:chOff x="16979918" y="9128609"/>
-            <a:chExt cx="4313447" cy="3421012"/>
-          </a:xfrm>
-        </p:grpSpPr>
-        <p:sp>
-          <p:nvSpPr>
-            <p:cNvPr id="8" name="Shape 122"/>
-            <p:cNvSpPr/>
-            <p:nvPr/>
-          </p:nvSpPr>
-          <p:spPr>
-            <a:xfrm>
-              <a:off x="16979918" y="9128609"/>
-              <a:ext cx="4313447" cy="3421012"/>
-            </a:xfrm>
-            <a:prstGeom prst="roundRect">
-              <a:avLst>
-                <a:gd name="adj" fmla="val 7428"/>
-              </a:avLst>
-            </a:prstGeom>
-            <a:solidFill>
-              <a:schemeClr val="bg1">
-                <a:lumMod val="50000"/>
-              </a:schemeClr>
-            </a:solidFill>
-            <a:ln w="9525" cap="flat">
-              <a:solidFill>
-                <a:schemeClr val="lt1"/>
-              </a:solidFill>
-              <a:prstDash val="solid"/>
-              <a:round/>
-              <a:headEnd type="none" w="med" len="med"/>
-              <a:tailEnd type="none" w="med" len="med"/>
-            </a:ln>
-          </p:spPr>
-          <p:txBody>
-            <a:bodyPr lIns="91425" tIns="45700" rIns="91425" bIns="45700" anchor="ctr" anchorCtr="0">
-              <a:noAutofit/>
-            </a:bodyPr>
-            <a:lstStyle/>
-            <a:p>
-              <a:pPr marL="0" marR="0" lvl="0" indent="0" algn="ctr" rtl="0">
-                <a:spcBef>
-                  <a:spcPts val="0"/>
-                </a:spcBef>
-                <a:buNone/>
-              </a:pPr>
-              <a:endParaRPr sz="1600" b="0" i="0" u="none" strike="noStrike" cap="none" baseline="0">
-                <a:solidFill>
-                  <a:schemeClr val="lt1"/>
-                </a:solidFill>
-                <a:latin typeface="Verdana"/>
-                <a:ea typeface="Verdana"/>
-                <a:cs typeface="Verdana"/>
-                <a:sym typeface="Verdana"/>
-              </a:endParaRPr>
-            </a:p>
-          </p:txBody>
-        </p:sp>
-        <p:sp>
-          <p:nvSpPr>
-            <p:cNvPr id="9" name="Shape 123"/>
-            <p:cNvSpPr/>
-            <p:nvPr/>
-          </p:nvSpPr>
-          <p:spPr>
-            <a:xfrm>
-              <a:off x="17277397" y="10021047"/>
-              <a:ext cx="3718489" cy="2231095"/>
-            </a:xfrm>
-            <a:prstGeom prst="roundRect">
-              <a:avLst>
-                <a:gd name="adj" fmla="val 11667"/>
-              </a:avLst>
-            </a:prstGeom>
-            <a:solidFill>
-              <a:schemeClr val="bg1">
-                <a:lumMod val="85000"/>
-              </a:schemeClr>
-            </a:solidFill>
-            <a:ln w="9525" cap="flat">
-              <a:solidFill>
-                <a:srgbClr val="828689"/>
-              </a:solidFill>
-              <a:prstDash val="solid"/>
-              <a:round/>
-              <a:headEnd type="none" w="med" len="med"/>
-              <a:tailEnd type="none" w="med" len="med"/>
-            </a:ln>
-          </p:spPr>
-          <p:txBody>
-            <a:bodyPr lIns="91425" tIns="45700" rIns="91425" bIns="45700" anchor="ctr" anchorCtr="0">
-              <a:noAutofit/>
-            </a:bodyPr>
-            <a:lstStyle/>
-            <a:p>
-              <a:pPr marL="0" marR="0" lvl="0" indent="0" algn="ctr" rtl="0">
-                <a:spcBef>
-                  <a:spcPts val="0"/>
-                </a:spcBef>
-                <a:buNone/>
-              </a:pPr>
-              <a:endParaRPr sz="1600" b="0" i="0" u="none" strike="noStrike" cap="none" baseline="0">
-                <a:solidFill>
-                  <a:schemeClr val="lt1"/>
-                </a:solidFill>
-                <a:latin typeface="Verdana"/>
-                <a:ea typeface="Verdana"/>
-                <a:cs typeface="Verdana"/>
-                <a:sym typeface="Verdana"/>
-              </a:endParaRPr>
-            </a:p>
-          </p:txBody>
-        </p:sp>
-        <p:sp>
-          <p:nvSpPr>
-            <p:cNvPr id="12" name="Shape 124"/>
-            <p:cNvSpPr/>
-            <p:nvPr/>
-          </p:nvSpPr>
-          <p:spPr>
-            <a:xfrm>
-              <a:off x="18514134" y="10172196"/>
-              <a:ext cx="594958" cy="594958"/>
-            </a:xfrm>
-            <a:prstGeom prst="ellipse">
-              <a:avLst/>
-            </a:prstGeom>
-            <a:gradFill>
-              <a:gsLst>
-                <a:gs pos="0">
-                  <a:srgbClr val="FE304B"/>
-                </a:gs>
-                <a:gs pos="76000">
-                  <a:srgbClr val="AC192D"/>
-                </a:gs>
-                <a:gs pos="100000">
-                  <a:srgbClr val="9A1527"/>
-                </a:gs>
-              </a:gsLst>
-              <a:path path="circle">
-                <a:fillToRect r="100000" b="100000"/>
-              </a:path>
-              <a:tileRect l="-100000" t="-100000"/>
-            </a:gradFill>
-            <a:ln w="9525" cap="flat">
-              <a:solidFill>
-                <a:schemeClr val="accent1"/>
-              </a:solidFill>
-              <a:prstDash val="solid"/>
-              <a:round/>
-              <a:headEnd type="none" w="med" len="med"/>
-              <a:tailEnd type="none" w="med" len="med"/>
-            </a:ln>
-          </p:spPr>
-          <p:txBody>
-            <a:bodyPr lIns="91425" tIns="45700" rIns="91425" bIns="45700" anchor="ctr" anchorCtr="0">
-              <a:noAutofit/>
-            </a:bodyPr>
-            <a:lstStyle/>
-            <a:p>
-              <a:pPr marL="0" marR="0" lvl="0" indent="0" algn="ctr" rtl="0">
-                <a:spcBef>
-                  <a:spcPts val="0"/>
-                </a:spcBef>
-                <a:buNone/>
-              </a:pPr>
-              <a:endParaRPr sz="1600" b="0" i="0" u="none" strike="noStrike" cap="none" baseline="0">
-                <a:solidFill>
-                  <a:schemeClr val="lt1"/>
-                </a:solidFill>
-                <a:latin typeface="Verdana"/>
-                <a:ea typeface="Verdana"/>
-                <a:cs typeface="Verdana"/>
-                <a:sym typeface="Verdana"/>
-              </a:endParaRPr>
-            </a:p>
-          </p:txBody>
-        </p:sp>
-        <p:sp>
-          <p:nvSpPr>
-            <p:cNvPr id="13" name="Shape 125"/>
-            <p:cNvSpPr/>
-            <p:nvPr/>
-          </p:nvSpPr>
-          <p:spPr>
-            <a:xfrm>
-              <a:off x="19519050" y="10625581"/>
-              <a:ext cx="594958" cy="594958"/>
-            </a:xfrm>
-            <a:prstGeom prst="ellipse">
-              <a:avLst/>
-            </a:prstGeom>
-            <a:gradFill>
-              <a:gsLst>
-                <a:gs pos="0">
-                  <a:srgbClr val="FE304B"/>
-                </a:gs>
-                <a:gs pos="76000">
-                  <a:srgbClr val="AC192D"/>
-                </a:gs>
-                <a:gs pos="100000">
-                  <a:srgbClr val="9A1527"/>
-                </a:gs>
-              </a:gsLst>
-              <a:path path="circle">
-                <a:fillToRect r="100000" b="100000"/>
-              </a:path>
-              <a:tileRect l="-100000" t="-100000"/>
-            </a:gradFill>
-            <a:ln w="9525" cap="flat">
-              <a:solidFill>
-                <a:schemeClr val="accent1"/>
-              </a:solidFill>
-              <a:prstDash val="solid"/>
-              <a:round/>
-              <a:headEnd type="none" w="med" len="med"/>
-              <a:tailEnd type="none" w="med" len="med"/>
-            </a:ln>
-          </p:spPr>
-          <p:txBody>
-            <a:bodyPr lIns="91425" tIns="45700" rIns="91425" bIns="45700" anchor="ctr" anchorCtr="0">
-              <a:noAutofit/>
-            </a:bodyPr>
-            <a:lstStyle/>
-            <a:p>
-              <a:pPr marL="0" marR="0" lvl="0" indent="0" algn="ctr" rtl="0">
-                <a:spcBef>
-                  <a:spcPts val="0"/>
-                </a:spcBef>
-                <a:buNone/>
-              </a:pPr>
-              <a:endParaRPr sz="1600" b="0" i="0" u="none" strike="noStrike" cap="none" baseline="0">
-                <a:solidFill>
-                  <a:schemeClr val="lt1"/>
-                </a:solidFill>
-                <a:latin typeface="Verdana"/>
-                <a:ea typeface="Verdana"/>
-                <a:cs typeface="Verdana"/>
-                <a:sym typeface="Verdana"/>
-              </a:endParaRPr>
-            </a:p>
-          </p:txBody>
-        </p:sp>
-      </p:grpSp>
-      <p:cxnSp>
-        <p:nvCxnSpPr>
-          <p:cNvPr id="14" name="Straight Connector 13"/>
-          <p:cNvCxnSpPr/>
-          <p:nvPr/>
-        </p:nvCxnSpPr>
-        <p:spPr>
-          <a:xfrm flipV="1">
-            <a:off x="5732681" y="1447800"/>
-            <a:ext cx="1434783" cy="1"/>
-          </a:xfrm>
-          <a:prstGeom prst="line">
-            <a:avLst/>
-          </a:prstGeom>
-          <a:ln w="76200">
-            <a:solidFill>
-              <a:schemeClr val="bg1">
-                <a:lumMod val="50000"/>
-              </a:schemeClr>
-            </a:solidFill>
-            <a:prstDash val="sysDash"/>
-          </a:ln>
-        </p:spPr>
-        <p:style>
-          <a:lnRef idx="1">
-            <a:schemeClr val="dk1"/>
-          </a:lnRef>
-          <a:fillRef idx="0">
-            <a:schemeClr val="dk1"/>
-          </a:fillRef>
-          <a:effectRef idx="0">
-            <a:schemeClr val="dk1"/>
-          </a:effectRef>
-          <a:fontRef idx="minor">
-            <a:schemeClr val="tx1"/>
-          </a:fontRef>
-        </p:style>
-      </p:cxnSp>
-      <p:sp>
-        <p:nvSpPr>
-          <p:cNvPr id="15" name="Shape 124"/>
-          <p:cNvSpPr/>
-          <p:nvPr/>
-        </p:nvSpPr>
-        <p:spPr>
-          <a:xfrm>
-            <a:off x="6132468" y="1328698"/>
-            <a:ext cx="236150" cy="238204"/>
-          </a:xfrm>
-          <a:prstGeom prst="ellipse">
-            <a:avLst/>
-          </a:prstGeom>
-          <a:pattFill prst="ltUpDiag">
-            <a:fgClr>
-              <a:srgbClr val="AC2B37"/>
-            </a:fgClr>
-            <a:bgClr>
-              <a:srgbClr val="F18383"/>
-            </a:bgClr>
-          </a:pattFill>
-          <a:ln>
-            <a:prstDash val="dash"/>
-            <a:headEnd type="none" w="med" len="med"/>
-            <a:tailEnd type="none" w="med" len="med"/>
-          </a:ln>
-        </p:spPr>
-        <p:style>
-          <a:lnRef idx="1">
-            <a:schemeClr val="accent2"/>
-          </a:lnRef>
-          <a:fillRef idx="2">
-            <a:schemeClr val="accent2"/>
-          </a:fillRef>
-          <a:effectRef idx="1">
-            <a:schemeClr val="accent2"/>
-          </a:effectRef>
-          <a:fontRef idx="minor">
-            <a:schemeClr val="dk1"/>
-          </a:fontRef>
-        </p:style>
-        <p:txBody>
-          <a:bodyPr lIns="91425" tIns="45700" rIns="91425" bIns="45700" anchor="ctr" anchorCtr="0">
-            <a:noAutofit/>
-          </a:bodyPr>
-          <a:lstStyle/>
-          <a:p>
-            <a:pPr marL="0" marR="0" lvl="0" indent="0" algn="ctr" rtl="0">
-              <a:spcBef>
-                <a:spcPts val="0"/>
-              </a:spcBef>
-              <a:buNone/>
-            </a:pPr>
-            <a:endParaRPr sz="1600" b="0" i="0" u="none" strike="noStrike" cap="none" baseline="0">
-              <a:solidFill>
-                <a:schemeClr val="lt1"/>
-              </a:solidFill>
-              <a:latin typeface="Verdana"/>
-              <a:ea typeface="Verdana"/>
-              <a:cs typeface="Verdana"/>
-              <a:sym typeface="Verdana"/>
-            </a:endParaRPr>
-          </a:p>
-        </p:txBody>
-      </p:sp>
-      <p:sp>
-        <p:nvSpPr>
-          <p:cNvPr id="16" name="Shape 125"/>
-          <p:cNvSpPr/>
-          <p:nvPr/>
-        </p:nvSpPr>
-        <p:spPr>
-          <a:xfrm>
-            <a:off x="6647181" y="1328699"/>
-            <a:ext cx="236150" cy="238204"/>
-          </a:xfrm>
-          <a:prstGeom prst="ellipse">
-            <a:avLst/>
-          </a:prstGeom>
-          <a:pattFill prst="ltUpDiag">
-            <a:fgClr>
-              <a:srgbClr val="AC2B37"/>
-            </a:fgClr>
-            <a:bgClr>
-              <a:srgbClr val="F18383"/>
-            </a:bgClr>
-          </a:pattFill>
-          <a:ln>
-            <a:prstDash val="dash"/>
-            <a:headEnd type="none" w="med" len="med"/>
-            <a:tailEnd type="none" w="med" len="med"/>
-          </a:ln>
-        </p:spPr>
-        <p:style>
-          <a:lnRef idx="1">
-            <a:schemeClr val="accent2"/>
-          </a:lnRef>
-          <a:fillRef idx="2">
-            <a:schemeClr val="accent2"/>
-          </a:fillRef>
-          <a:effectRef idx="1">
-            <a:schemeClr val="accent2"/>
-          </a:effectRef>
-          <a:fontRef idx="minor">
-            <a:schemeClr val="dk1"/>
-          </a:fontRef>
-        </p:style>
-        <p:txBody>
-          <a:bodyPr lIns="91425" tIns="45700" rIns="91425" bIns="45700" anchor="ctr" anchorCtr="0">
-            <a:noAutofit/>
-          </a:bodyPr>
-          <a:lstStyle/>
-          <a:p>
-            <a:pPr marL="0" marR="0" lvl="0" indent="0" algn="ctr" rtl="0">
-              <a:spcBef>
-                <a:spcPts val="0"/>
-              </a:spcBef>
-              <a:buNone/>
-            </a:pPr>
-            <a:endParaRPr sz="1600" b="0" i="0" u="none" strike="noStrike" cap="none" baseline="0">
-              <a:solidFill>
-                <a:schemeClr val="lt1"/>
-              </a:solidFill>
-              <a:latin typeface="Verdana"/>
-              <a:ea typeface="Verdana"/>
-              <a:cs typeface="Verdana"/>
-              <a:sym typeface="Verdana"/>
-            </a:endParaRPr>
-          </a:p>
-        </p:txBody>
-      </p:sp>
     </p:spTree>
     <p:extLst>
       <p:ext uri="{BB962C8B-B14F-4D97-AF65-F5344CB8AC3E}">
-        <p14:creationId xmlns:p14="http://schemas.microsoft.com/office/powerpoint/2010/main" val="1139492980"/>
-      </p:ext>
-    </p:extLst>
-  </p:cSld>
-  <p:clrMapOvr>
-    <a:masterClrMapping/>
-  </p:clrMapOvr>
-</p:sld>
-</file>
-
-<file path=ppt/slides/slide7.xml><?xml version="1.0" encoding="utf-8"?>
-<p:sld xmlns:a="http://schemas.openxmlformats.org/drawingml/2006/main" xmlns:r="http://schemas.openxmlformats.org/officeDocument/2006/relationships" xmlns:p="http://schemas.openxmlformats.org/presentationml/2006/main">
-  <p:cSld>
-    <p:spTree>
-      <p:nvGrpSpPr>
-        <p:cNvPr id="1" name=""/>
-        <p:cNvGrpSpPr/>
-        <p:nvPr/>
-      </p:nvGrpSpPr>
-      <p:grpSpPr>
-        <a:xfrm>
-          <a:off x="0" y="0"/>
-          <a:ext cx="0" cy="0"/>
-          <a:chOff x="0" y="0"/>
-          <a:chExt cx="0" cy="0"/>
-        </a:xfrm>
-      </p:grpSpPr>
-      <p:pic>
-        <p:nvPicPr>
-          <p:cNvPr id="3074" name="Picture 2"/>
-          <p:cNvPicPr>
-            <a:picLocks noChangeAspect="1" noChangeArrowheads="1"/>
-          </p:cNvPicPr>
-          <p:nvPr/>
-        </p:nvPicPr>
-        <p:blipFill>
-          <a:blip r:embed="rId2">
-            <a:extLst>
-              <a:ext uri="{28A0092B-C50C-407E-A947-70E740481C1C}">
-                <a14:useLocalDpi xmlns:a14="http://schemas.microsoft.com/office/drawing/2010/main" val="0"/>
-              </a:ext>
-            </a:extLst>
-          </a:blip>
-          <a:srcRect/>
-          <a:stretch>
-            <a:fillRect/>
-          </a:stretch>
-        </p:blipFill>
-        <p:spPr bwMode="auto">
-          <a:xfrm>
-            <a:off x="1600200" y="457200"/>
-            <a:ext cx="5791200" cy="4343400"/>
-          </a:xfrm>
-          <a:prstGeom prst="rect">
-            <a:avLst/>
-          </a:prstGeom>
-          <a:noFill/>
-          <a:ln>
-            <a:noFill/>
-          </a:ln>
-          <a:extLst>
-            <a:ext uri="{909E8E84-426E-40DD-AFC4-6F175D3DCCD1}">
-              <a14:hiddenFill xmlns:a14="http://schemas.microsoft.com/office/drawing/2010/main">
-                <a:solidFill>
-                  <a:schemeClr val="accent1"/>
-                </a:solidFill>
-              </a14:hiddenFill>
-            </a:ext>
-            <a:ext uri="{91240B29-F687-4F45-9708-019B960494DF}">
-              <a14:hiddenLine xmlns:a14="http://schemas.microsoft.com/office/drawing/2010/main" w="9525">
-                <a:solidFill>
-                  <a:schemeClr val="tx1"/>
-                </a:solidFill>
-                <a:miter lim="800000"/>
-                <a:headEnd/>
-                <a:tailEnd/>
-              </a14:hiddenLine>
-            </a:ext>
-          </a:extLst>
-        </p:spPr>
-      </p:pic>
-      <p:sp>
-        <p:nvSpPr>
-          <p:cNvPr id="5" name="TextBox 4"/>
-          <p:cNvSpPr txBox="1"/>
-          <p:nvPr/>
-        </p:nvSpPr>
-        <p:spPr>
-          <a:xfrm>
-            <a:off x="1143000" y="4916269"/>
-            <a:ext cx="6781800" cy="1754326"/>
-          </a:xfrm>
-          <a:prstGeom prst="rect">
-            <a:avLst/>
-          </a:prstGeom>
-          <a:noFill/>
-        </p:spPr>
-        <p:txBody>
-          <a:bodyPr wrap="square" rtlCol="0">
-            <a:spAutoFit/>
-          </a:bodyPr>
-          <a:lstStyle/>
-          <a:p>
-            <a:pPr marL="285750" indent="-285750">
-              <a:buFont typeface="Arial" panose="020B0604020202020204" pitchFamily="34" charset="0"/>
-              <a:buChar char="•"/>
-            </a:pPr>
-            <a:r>
-              <a:rPr lang="en-US" b="1" dirty="0" smtClean="0">
-                <a:solidFill>
-                  <a:schemeClr val="bg1"/>
-                </a:solidFill>
-                <a:latin typeface="Arial" panose="020B0604020202020204" pitchFamily="34" charset="0"/>
-                <a:cs typeface="Arial" panose="020B0604020202020204" pitchFamily="34" charset="0"/>
-              </a:rPr>
-              <a:t>Place your finger on in front of the other to use Surfing mode.</a:t>
-            </a:r>
-          </a:p>
-          <a:p>
-            <a:pPr marL="285750" indent="-285750">
-              <a:buFont typeface="Arial" panose="020B0604020202020204" pitchFamily="34" charset="0"/>
-              <a:buChar char="•"/>
-            </a:pPr>
-            <a:r>
-              <a:rPr lang="en-US" b="1" dirty="0" smtClean="0">
-                <a:solidFill>
-                  <a:schemeClr val="bg1"/>
-                </a:solidFill>
-                <a:latin typeface="Arial" panose="020B0604020202020204" pitchFamily="34" charset="0"/>
-                <a:cs typeface="Arial" panose="020B0604020202020204" pitchFamily="34" charset="0"/>
-              </a:rPr>
-              <a:t>Use </a:t>
-            </a:r>
-            <a:r>
-              <a:rPr lang="en-US" b="1" dirty="0">
-                <a:solidFill>
-                  <a:schemeClr val="bg1"/>
-                </a:solidFill>
-                <a:latin typeface="Arial" panose="020B0604020202020204" pitchFamily="34" charset="0"/>
-                <a:cs typeface="Arial" panose="020B0604020202020204" pitchFamily="34" charset="0"/>
-              </a:rPr>
-              <a:t>the blue spheres as a guide and try to stay as close as possible. (Secondary Goal)</a:t>
-            </a:r>
-          </a:p>
-          <a:p>
-            <a:pPr marL="285750" indent="-285750">
-              <a:buFont typeface="Arial" panose="020B0604020202020204" pitchFamily="34" charset="0"/>
-              <a:buChar char="•"/>
-            </a:pPr>
-            <a:r>
-              <a:rPr lang="en-US" b="1" dirty="0" smtClean="0">
-                <a:solidFill>
-                  <a:schemeClr val="bg1"/>
-                </a:solidFill>
-                <a:latin typeface="Arial" panose="020B0604020202020204" pitchFamily="34" charset="0"/>
-                <a:cs typeface="Arial" panose="020B0604020202020204" pitchFamily="34" charset="0"/>
-              </a:rPr>
-              <a:t>The </a:t>
-            </a:r>
-            <a:r>
-              <a:rPr lang="en-US" b="1" dirty="0">
-                <a:solidFill>
-                  <a:schemeClr val="bg1"/>
-                </a:solidFill>
-                <a:latin typeface="Arial" panose="020B0604020202020204" pitchFamily="34" charset="0"/>
-                <a:cs typeface="Arial" panose="020B0604020202020204" pitchFamily="34" charset="0"/>
-              </a:rPr>
-              <a:t>final goal is a white ring. Reach it as fast as you can (Primary Goal)</a:t>
-            </a:r>
-            <a:endParaRPr lang="en-US" b="1" dirty="0">
-              <a:solidFill>
-                <a:schemeClr val="bg1"/>
-              </a:solidFill>
-              <a:latin typeface="Arial" panose="020B0604020202020204" pitchFamily="34" charset="0"/>
-              <a:cs typeface="Arial" panose="020B0604020202020204" pitchFamily="34" charset="0"/>
-            </a:endParaRPr>
-          </a:p>
-        </p:txBody>
-      </p:sp>
-      <p:grpSp>
-        <p:nvGrpSpPr>
-          <p:cNvPr id="7" name="Group 6"/>
-          <p:cNvGrpSpPr/>
-          <p:nvPr/>
-        </p:nvGrpSpPr>
-        <p:grpSpPr>
-          <a:xfrm>
-            <a:off x="5562600" y="457200"/>
-            <a:ext cx="1828800" cy="1463040"/>
-            <a:chOff x="16979918" y="9128609"/>
-            <a:chExt cx="4313447" cy="3421012"/>
-          </a:xfrm>
-        </p:grpSpPr>
-        <p:sp>
-          <p:nvSpPr>
-            <p:cNvPr id="8" name="Shape 122"/>
-            <p:cNvSpPr/>
-            <p:nvPr/>
-          </p:nvSpPr>
-          <p:spPr>
-            <a:xfrm>
-              <a:off x="16979918" y="9128609"/>
-              <a:ext cx="4313447" cy="3421012"/>
-            </a:xfrm>
-            <a:prstGeom prst="roundRect">
-              <a:avLst>
-                <a:gd name="adj" fmla="val 7428"/>
-              </a:avLst>
-            </a:prstGeom>
-            <a:solidFill>
-              <a:schemeClr val="bg1">
-                <a:lumMod val="50000"/>
-              </a:schemeClr>
-            </a:solidFill>
-            <a:ln w="9525" cap="flat">
-              <a:solidFill>
-                <a:schemeClr val="lt1"/>
-              </a:solidFill>
-              <a:prstDash val="solid"/>
-              <a:round/>
-              <a:headEnd type="none" w="med" len="med"/>
-              <a:tailEnd type="none" w="med" len="med"/>
-            </a:ln>
-          </p:spPr>
-          <p:txBody>
-            <a:bodyPr lIns="91425" tIns="45700" rIns="91425" bIns="45700" anchor="ctr" anchorCtr="0">
-              <a:noAutofit/>
-            </a:bodyPr>
-            <a:lstStyle/>
-            <a:p>
-              <a:pPr marL="0" marR="0" lvl="0" indent="0" algn="ctr" rtl="0">
-                <a:spcBef>
-                  <a:spcPts val="0"/>
-                </a:spcBef>
-                <a:buNone/>
-              </a:pPr>
-              <a:endParaRPr sz="1600" b="0" i="0" u="none" strike="noStrike" cap="none" baseline="0">
-                <a:solidFill>
-                  <a:schemeClr val="lt1"/>
-                </a:solidFill>
-                <a:latin typeface="Verdana"/>
-                <a:ea typeface="Verdana"/>
-                <a:cs typeface="Verdana"/>
-                <a:sym typeface="Verdana"/>
-              </a:endParaRPr>
-            </a:p>
-          </p:txBody>
-        </p:sp>
-        <p:sp>
-          <p:nvSpPr>
-            <p:cNvPr id="9" name="Shape 123"/>
-            <p:cNvSpPr/>
-            <p:nvPr/>
-          </p:nvSpPr>
-          <p:spPr>
-            <a:xfrm>
-              <a:off x="17277397" y="10021047"/>
-              <a:ext cx="3718489" cy="2231095"/>
-            </a:xfrm>
-            <a:prstGeom prst="roundRect">
-              <a:avLst>
-                <a:gd name="adj" fmla="val 11667"/>
-              </a:avLst>
-            </a:prstGeom>
-            <a:solidFill>
-              <a:schemeClr val="bg1">
-                <a:lumMod val="85000"/>
-              </a:schemeClr>
-            </a:solidFill>
-            <a:ln w="9525" cap="flat">
-              <a:solidFill>
-                <a:srgbClr val="828689"/>
-              </a:solidFill>
-              <a:prstDash val="solid"/>
-              <a:round/>
-              <a:headEnd type="none" w="med" len="med"/>
-              <a:tailEnd type="none" w="med" len="med"/>
-            </a:ln>
-          </p:spPr>
-          <p:txBody>
-            <a:bodyPr lIns="91425" tIns="45700" rIns="91425" bIns="45700" anchor="ctr" anchorCtr="0">
-              <a:noAutofit/>
-            </a:bodyPr>
-            <a:lstStyle/>
-            <a:p>
-              <a:pPr marL="0" marR="0" lvl="0" indent="0" algn="ctr" rtl="0">
-                <a:spcBef>
-                  <a:spcPts val="0"/>
-                </a:spcBef>
-                <a:buNone/>
-              </a:pPr>
-              <a:endParaRPr sz="1600" b="0" i="0" u="none" strike="noStrike" cap="none" baseline="0">
-                <a:solidFill>
-                  <a:schemeClr val="lt1"/>
-                </a:solidFill>
-                <a:latin typeface="Verdana"/>
-                <a:ea typeface="Verdana"/>
-                <a:cs typeface="Verdana"/>
-                <a:sym typeface="Verdana"/>
-              </a:endParaRPr>
-            </a:p>
-          </p:txBody>
-        </p:sp>
-        <p:sp>
-          <p:nvSpPr>
-            <p:cNvPr id="10" name="Shape 124"/>
-            <p:cNvSpPr/>
-            <p:nvPr/>
-          </p:nvSpPr>
-          <p:spPr>
-            <a:xfrm>
-              <a:off x="18216655" y="10293004"/>
-              <a:ext cx="594958" cy="594958"/>
-            </a:xfrm>
-            <a:prstGeom prst="ellipse">
-              <a:avLst/>
-            </a:prstGeom>
-            <a:gradFill>
-              <a:gsLst>
-                <a:gs pos="0">
-                  <a:srgbClr val="FE304B"/>
-                </a:gs>
-                <a:gs pos="76000">
-                  <a:srgbClr val="AC192D"/>
-                </a:gs>
-                <a:gs pos="100000">
-                  <a:srgbClr val="9A1527"/>
-                </a:gs>
-              </a:gsLst>
-              <a:path path="circle">
-                <a:fillToRect r="100000" b="100000"/>
-              </a:path>
-              <a:tileRect l="-100000" t="-100000"/>
-            </a:gradFill>
-            <a:ln w="9525" cap="flat">
-              <a:solidFill>
-                <a:schemeClr val="accent1"/>
-              </a:solidFill>
-              <a:prstDash val="solid"/>
-              <a:round/>
-              <a:headEnd type="none" w="med" len="med"/>
-              <a:tailEnd type="none" w="med" len="med"/>
-            </a:ln>
-          </p:spPr>
-          <p:txBody>
-            <a:bodyPr lIns="91425" tIns="45700" rIns="91425" bIns="45700" anchor="ctr" anchorCtr="0">
-              <a:noAutofit/>
-            </a:bodyPr>
-            <a:lstStyle/>
-            <a:p>
-              <a:pPr marL="0" marR="0" lvl="0" indent="0" algn="ctr" rtl="0">
-                <a:spcBef>
-                  <a:spcPts val="0"/>
-                </a:spcBef>
-                <a:buNone/>
-              </a:pPr>
-              <a:endParaRPr sz="1600" b="0" i="0" u="none" strike="noStrike" cap="none" baseline="0">
-                <a:solidFill>
-                  <a:schemeClr val="lt1"/>
-                </a:solidFill>
-                <a:latin typeface="Verdana"/>
-                <a:ea typeface="Verdana"/>
-                <a:cs typeface="Verdana"/>
-                <a:sym typeface="Verdana"/>
-              </a:endParaRPr>
-            </a:p>
-          </p:txBody>
-        </p:sp>
-        <p:sp>
-          <p:nvSpPr>
-            <p:cNvPr id="11" name="Shape 125"/>
-            <p:cNvSpPr/>
-            <p:nvPr/>
-          </p:nvSpPr>
-          <p:spPr>
-            <a:xfrm>
-              <a:off x="18839163" y="11222537"/>
-              <a:ext cx="594958" cy="594958"/>
-            </a:xfrm>
-            <a:prstGeom prst="ellipse">
-              <a:avLst/>
-            </a:prstGeom>
-            <a:gradFill>
-              <a:gsLst>
-                <a:gs pos="0">
-                  <a:srgbClr val="FE304B"/>
-                </a:gs>
-                <a:gs pos="76000">
-                  <a:srgbClr val="AC192D"/>
-                </a:gs>
-                <a:gs pos="100000">
-                  <a:srgbClr val="9A1527"/>
-                </a:gs>
-              </a:gsLst>
-              <a:path path="circle">
-                <a:fillToRect r="100000" b="100000"/>
-              </a:path>
-              <a:tileRect l="-100000" t="-100000"/>
-            </a:gradFill>
-            <a:ln w="9525" cap="flat">
-              <a:solidFill>
-                <a:schemeClr val="accent1"/>
-              </a:solidFill>
-              <a:prstDash val="solid"/>
-              <a:round/>
-              <a:headEnd type="none" w="med" len="med"/>
-              <a:tailEnd type="none" w="med" len="med"/>
-            </a:ln>
-          </p:spPr>
-          <p:txBody>
-            <a:bodyPr lIns="91425" tIns="45700" rIns="91425" bIns="45700" anchor="ctr" anchorCtr="0">
-              <a:noAutofit/>
-            </a:bodyPr>
-            <a:lstStyle/>
-            <a:p>
-              <a:pPr marL="0" marR="0" lvl="0" indent="0" algn="ctr" rtl="0">
-                <a:spcBef>
-                  <a:spcPts val="0"/>
-                </a:spcBef>
-                <a:buNone/>
-              </a:pPr>
-              <a:endParaRPr sz="1600" b="0" i="0" u="none" strike="noStrike" cap="none" baseline="0">
-                <a:solidFill>
-                  <a:schemeClr val="lt1"/>
-                </a:solidFill>
-                <a:latin typeface="Verdana"/>
-                <a:ea typeface="Verdana"/>
-                <a:cs typeface="Verdana"/>
-                <a:sym typeface="Verdana"/>
-              </a:endParaRPr>
-            </a:p>
-          </p:txBody>
-        </p:sp>
-      </p:grpSp>
-    </p:spTree>
-    <p:extLst>
-      <p:ext uri="{BB962C8B-B14F-4D97-AF65-F5344CB8AC3E}">
-        <p14:creationId xmlns:p14="http://schemas.microsoft.com/office/powerpoint/2010/main" val="3274963403"/>
+        <p14:creationId xmlns:p14="http://schemas.microsoft.com/office/powerpoint/2010/main" val="3970685555"/>
       </p:ext>
     </p:extLst>
   </p:cSld>
